--- a/电子结构分析/新建 Microsoft PowerPoint 演示文稿.pptx
+++ b/电子结构分析/新建 Microsoft PowerPoint 演示文稿.pptx
@@ -6,6 +6,12 @@
   </p:sldMasterIdLst>
   <p:sldIdLst>
     <p:sldId id="256" r:id="rId2"/>
+    <p:sldId id="257" r:id="rId3"/>
+    <p:sldId id="258" r:id="rId4"/>
+    <p:sldId id="259" r:id="rId5"/>
+    <p:sldId id="260" r:id="rId6"/>
+    <p:sldId id="261" r:id="rId7"/>
+    <p:sldId id="262" r:id="rId8"/>
   </p:sldIdLst>
   <p:sldSz cx="12192000" cy="6858000"/>
   <p:notesSz cx="6858000" cy="9144000"/>
@@ -104,6 +110,11 @@
       </a:defRPr>
     </a:lvl9pPr>
   </p:defaultTextStyle>
+  <p:extLst>
+    <p:ext uri="{EFAFB233-063F-42B5-8137-9DF3F51BA10A}">
+      <p15:sldGuideLst xmlns:p15="http://schemas.microsoft.com/office/powerpoint/2012/main"/>
+    </p:ext>
+  </p:extLst>
 </p:presentation>
 </file>
 
@@ -238,7 +249,7 @@
           <a:p>
             <a:fld id="{3E3BAAF3-6A02-44E9-AFBC-D97448AFE408}" type="datetimeFigureOut">
               <a:rPr lang="zh-CN" altLang="en-US" smtClean="0"/>
-              <a:t>2020/4/16</a:t>
+              <a:t>2020/4/24</a:t>
             </a:fld>
             <a:endParaRPr lang="zh-CN" altLang="en-US"/>
           </a:p>
@@ -408,7 +419,7 @@
           <a:p>
             <a:fld id="{3E3BAAF3-6A02-44E9-AFBC-D97448AFE408}" type="datetimeFigureOut">
               <a:rPr lang="zh-CN" altLang="en-US" smtClean="0"/>
-              <a:t>2020/4/16</a:t>
+              <a:t>2020/4/24</a:t>
             </a:fld>
             <a:endParaRPr lang="zh-CN" altLang="en-US"/>
           </a:p>
@@ -588,7 +599,7 @@
           <a:p>
             <a:fld id="{3E3BAAF3-6A02-44E9-AFBC-D97448AFE408}" type="datetimeFigureOut">
               <a:rPr lang="zh-CN" altLang="en-US" smtClean="0"/>
-              <a:t>2020/4/16</a:t>
+              <a:t>2020/4/24</a:t>
             </a:fld>
             <a:endParaRPr lang="zh-CN" altLang="en-US"/>
           </a:p>
@@ -758,7 +769,7 @@
           <a:p>
             <a:fld id="{3E3BAAF3-6A02-44E9-AFBC-D97448AFE408}" type="datetimeFigureOut">
               <a:rPr lang="zh-CN" altLang="en-US" smtClean="0"/>
-              <a:t>2020/4/16</a:t>
+              <a:t>2020/4/24</a:t>
             </a:fld>
             <a:endParaRPr lang="zh-CN" altLang="en-US"/>
           </a:p>
@@ -1004,7 +1015,7 @@
           <a:p>
             <a:fld id="{3E3BAAF3-6A02-44E9-AFBC-D97448AFE408}" type="datetimeFigureOut">
               <a:rPr lang="zh-CN" altLang="en-US" smtClean="0"/>
-              <a:t>2020/4/16</a:t>
+              <a:t>2020/4/24</a:t>
             </a:fld>
             <a:endParaRPr lang="zh-CN" altLang="en-US"/>
           </a:p>
@@ -1236,7 +1247,7 @@
           <a:p>
             <a:fld id="{3E3BAAF3-6A02-44E9-AFBC-D97448AFE408}" type="datetimeFigureOut">
               <a:rPr lang="zh-CN" altLang="en-US" smtClean="0"/>
-              <a:t>2020/4/16</a:t>
+              <a:t>2020/4/24</a:t>
             </a:fld>
             <a:endParaRPr lang="zh-CN" altLang="en-US"/>
           </a:p>
@@ -1603,7 +1614,7 @@
           <a:p>
             <a:fld id="{3E3BAAF3-6A02-44E9-AFBC-D97448AFE408}" type="datetimeFigureOut">
               <a:rPr lang="zh-CN" altLang="en-US" smtClean="0"/>
-              <a:t>2020/4/16</a:t>
+              <a:t>2020/4/24</a:t>
             </a:fld>
             <a:endParaRPr lang="zh-CN" altLang="en-US"/>
           </a:p>
@@ -1721,7 +1732,7 @@
           <a:p>
             <a:fld id="{3E3BAAF3-6A02-44E9-AFBC-D97448AFE408}" type="datetimeFigureOut">
               <a:rPr lang="zh-CN" altLang="en-US" smtClean="0"/>
-              <a:t>2020/4/16</a:t>
+              <a:t>2020/4/24</a:t>
             </a:fld>
             <a:endParaRPr lang="zh-CN" altLang="en-US"/>
           </a:p>
@@ -1816,7 +1827,7 @@
           <a:p>
             <a:fld id="{3E3BAAF3-6A02-44E9-AFBC-D97448AFE408}" type="datetimeFigureOut">
               <a:rPr lang="zh-CN" altLang="en-US" smtClean="0"/>
-              <a:t>2020/4/16</a:t>
+              <a:t>2020/4/24</a:t>
             </a:fld>
             <a:endParaRPr lang="zh-CN" altLang="en-US"/>
           </a:p>
@@ -2093,7 +2104,7 @@
           <a:p>
             <a:fld id="{3E3BAAF3-6A02-44E9-AFBC-D97448AFE408}" type="datetimeFigureOut">
               <a:rPr lang="zh-CN" altLang="en-US" smtClean="0"/>
-              <a:t>2020/4/16</a:t>
+              <a:t>2020/4/24</a:t>
             </a:fld>
             <a:endParaRPr lang="zh-CN" altLang="en-US"/>
           </a:p>
@@ -2346,7 +2357,7 @@
           <a:p>
             <a:fld id="{3E3BAAF3-6A02-44E9-AFBC-D97448AFE408}" type="datetimeFigureOut">
               <a:rPr lang="zh-CN" altLang="en-US" smtClean="0"/>
-              <a:t>2020/4/16</a:t>
+              <a:t>2020/4/24</a:t>
             </a:fld>
             <a:endParaRPr lang="zh-CN" altLang="en-US"/>
           </a:p>
@@ -2559,7 +2570,7 @@
           <a:p>
             <a:fld id="{3E3BAAF3-6A02-44E9-AFBC-D97448AFE408}" type="datetimeFigureOut">
               <a:rPr lang="zh-CN" altLang="en-US" smtClean="0"/>
-              <a:t>2020/4/16</a:t>
+              <a:t>2020/4/24</a:t>
             </a:fld>
             <a:endParaRPr lang="zh-CN" altLang="en-US"/>
           </a:p>
@@ -4059,6 +4070,6677 @@
       </p:par>
     </p:tnLst>
   </p:timing>
+</p:sld>
+</file>
+
+<file path=ppt/slides/slide2.xml><?xml version="1.0" encoding="utf-8"?>
+<p:sld xmlns:a="http://schemas.openxmlformats.org/drawingml/2006/main" xmlns:r="http://schemas.openxmlformats.org/officeDocument/2006/relationships" xmlns:p="http://schemas.openxmlformats.org/presentationml/2006/main">
+  <p:cSld>
+    <p:spTree>
+      <p:nvGrpSpPr>
+        <p:cNvPr id="1" name=""/>
+        <p:cNvGrpSpPr/>
+        <p:nvPr/>
+      </p:nvGrpSpPr>
+      <p:grpSpPr>
+        <a:xfrm>
+          <a:off x="0" y="0"/>
+          <a:ext cx="0" cy="0"/>
+          <a:chOff x="0" y="0"/>
+          <a:chExt cx="0" cy="0"/>
+        </a:xfrm>
+      </p:grpSpPr>
+      <p:cxnSp>
+        <p:nvCxnSpPr>
+          <p:cNvPr id="5" name="直接连接符 4"/>
+          <p:cNvCxnSpPr/>
+          <p:nvPr/>
+        </p:nvCxnSpPr>
+        <p:spPr>
+          <a:xfrm>
+            <a:off x="3195782" y="2022764"/>
+            <a:ext cx="692728" cy="0"/>
+          </a:xfrm>
+          <a:prstGeom prst="line">
+            <a:avLst/>
+          </a:prstGeom>
+          <a:ln w="28575">
+            <a:solidFill>
+              <a:schemeClr val="tx1"/>
+            </a:solidFill>
+          </a:ln>
+        </p:spPr>
+        <p:style>
+          <a:lnRef idx="1">
+            <a:schemeClr val="accent1"/>
+          </a:lnRef>
+          <a:fillRef idx="0">
+            <a:schemeClr val="accent1"/>
+          </a:fillRef>
+          <a:effectRef idx="0">
+            <a:schemeClr val="accent1"/>
+          </a:effectRef>
+          <a:fontRef idx="minor">
+            <a:schemeClr val="tx1"/>
+          </a:fontRef>
+        </p:style>
+      </p:cxnSp>
+      <p:cxnSp>
+        <p:nvCxnSpPr>
+          <p:cNvPr id="6" name="直接连接符 5"/>
+          <p:cNvCxnSpPr/>
+          <p:nvPr/>
+        </p:nvCxnSpPr>
+        <p:spPr>
+          <a:xfrm>
+            <a:off x="6627091" y="2022764"/>
+            <a:ext cx="692728" cy="0"/>
+          </a:xfrm>
+          <a:prstGeom prst="line">
+            <a:avLst/>
+          </a:prstGeom>
+          <a:ln w="28575">
+            <a:solidFill>
+              <a:schemeClr val="tx1"/>
+            </a:solidFill>
+          </a:ln>
+        </p:spPr>
+        <p:style>
+          <a:lnRef idx="1">
+            <a:schemeClr val="accent1"/>
+          </a:lnRef>
+          <a:fillRef idx="0">
+            <a:schemeClr val="accent1"/>
+          </a:fillRef>
+          <a:effectRef idx="0">
+            <a:schemeClr val="accent1"/>
+          </a:effectRef>
+          <a:fontRef idx="minor">
+            <a:schemeClr val="tx1"/>
+          </a:fontRef>
+        </p:style>
+      </p:cxnSp>
+      <p:cxnSp>
+        <p:nvCxnSpPr>
+          <p:cNvPr id="7" name="直接连接符 6"/>
+          <p:cNvCxnSpPr/>
+          <p:nvPr/>
+        </p:nvCxnSpPr>
+        <p:spPr>
+          <a:xfrm>
+            <a:off x="4655127" y="1353127"/>
+            <a:ext cx="1265382" cy="0"/>
+          </a:xfrm>
+          <a:prstGeom prst="line">
+            <a:avLst/>
+          </a:prstGeom>
+          <a:ln w="28575">
+            <a:solidFill>
+              <a:schemeClr val="tx1"/>
+            </a:solidFill>
+          </a:ln>
+        </p:spPr>
+        <p:style>
+          <a:lnRef idx="1">
+            <a:schemeClr val="accent1"/>
+          </a:lnRef>
+          <a:fillRef idx="0">
+            <a:schemeClr val="accent1"/>
+          </a:fillRef>
+          <a:effectRef idx="0">
+            <a:schemeClr val="accent1"/>
+          </a:effectRef>
+          <a:fontRef idx="minor">
+            <a:schemeClr val="tx1"/>
+          </a:fontRef>
+        </p:style>
+      </p:cxnSp>
+      <p:cxnSp>
+        <p:nvCxnSpPr>
+          <p:cNvPr id="9" name="直接连接符 8"/>
+          <p:cNvCxnSpPr/>
+          <p:nvPr/>
+        </p:nvCxnSpPr>
+        <p:spPr>
+          <a:xfrm>
+            <a:off x="4655127" y="2567709"/>
+            <a:ext cx="1265382" cy="0"/>
+          </a:xfrm>
+          <a:prstGeom prst="line">
+            <a:avLst/>
+          </a:prstGeom>
+          <a:ln w="28575">
+            <a:solidFill>
+              <a:schemeClr val="tx1"/>
+            </a:solidFill>
+          </a:ln>
+        </p:spPr>
+        <p:style>
+          <a:lnRef idx="1">
+            <a:schemeClr val="accent1"/>
+          </a:lnRef>
+          <a:fillRef idx="0">
+            <a:schemeClr val="accent1"/>
+          </a:fillRef>
+          <a:effectRef idx="0">
+            <a:schemeClr val="accent1"/>
+          </a:effectRef>
+          <a:fontRef idx="minor">
+            <a:schemeClr val="tx1"/>
+          </a:fontRef>
+        </p:style>
+      </p:cxnSp>
+      <p:cxnSp>
+        <p:nvCxnSpPr>
+          <p:cNvPr id="11" name="直接连接符 10"/>
+          <p:cNvCxnSpPr/>
+          <p:nvPr/>
+        </p:nvCxnSpPr>
+        <p:spPr>
+          <a:xfrm flipV="1">
+            <a:off x="3888510" y="1353127"/>
+            <a:ext cx="766617" cy="669637"/>
+          </a:xfrm>
+          <a:prstGeom prst="line">
+            <a:avLst/>
+          </a:prstGeom>
+          <a:ln w="28575">
+            <a:solidFill>
+              <a:schemeClr val="tx1"/>
+            </a:solidFill>
+            <a:prstDash val="dash"/>
+          </a:ln>
+        </p:spPr>
+        <p:style>
+          <a:lnRef idx="1">
+            <a:schemeClr val="accent1"/>
+          </a:lnRef>
+          <a:fillRef idx="0">
+            <a:schemeClr val="accent1"/>
+          </a:fillRef>
+          <a:effectRef idx="0">
+            <a:schemeClr val="accent1"/>
+          </a:effectRef>
+          <a:fontRef idx="minor">
+            <a:schemeClr val="tx1"/>
+          </a:fontRef>
+        </p:style>
+      </p:cxnSp>
+      <p:cxnSp>
+        <p:nvCxnSpPr>
+          <p:cNvPr id="13" name="直接连接符 12"/>
+          <p:cNvCxnSpPr/>
+          <p:nvPr/>
+        </p:nvCxnSpPr>
+        <p:spPr>
+          <a:xfrm>
+            <a:off x="3888510" y="2022764"/>
+            <a:ext cx="766617" cy="544945"/>
+          </a:xfrm>
+          <a:prstGeom prst="line">
+            <a:avLst/>
+          </a:prstGeom>
+          <a:ln w="28575">
+            <a:solidFill>
+              <a:schemeClr val="tx1"/>
+            </a:solidFill>
+            <a:prstDash val="dash"/>
+          </a:ln>
+        </p:spPr>
+        <p:style>
+          <a:lnRef idx="1">
+            <a:schemeClr val="accent1"/>
+          </a:lnRef>
+          <a:fillRef idx="0">
+            <a:schemeClr val="accent1"/>
+          </a:fillRef>
+          <a:effectRef idx="0">
+            <a:schemeClr val="accent1"/>
+          </a:effectRef>
+          <a:fontRef idx="minor">
+            <a:schemeClr val="tx1"/>
+          </a:fontRef>
+        </p:style>
+      </p:cxnSp>
+      <p:cxnSp>
+        <p:nvCxnSpPr>
+          <p:cNvPr id="15" name="直接连接符 14"/>
+          <p:cNvCxnSpPr/>
+          <p:nvPr/>
+        </p:nvCxnSpPr>
+        <p:spPr>
+          <a:xfrm flipV="1">
+            <a:off x="5920509" y="2022764"/>
+            <a:ext cx="706582" cy="544945"/>
+          </a:xfrm>
+          <a:prstGeom prst="line">
+            <a:avLst/>
+          </a:prstGeom>
+          <a:ln w="28575">
+            <a:solidFill>
+              <a:schemeClr val="tx1"/>
+            </a:solidFill>
+            <a:prstDash val="dash"/>
+          </a:ln>
+        </p:spPr>
+        <p:style>
+          <a:lnRef idx="1">
+            <a:schemeClr val="accent1"/>
+          </a:lnRef>
+          <a:fillRef idx="0">
+            <a:schemeClr val="accent1"/>
+          </a:fillRef>
+          <a:effectRef idx="0">
+            <a:schemeClr val="accent1"/>
+          </a:effectRef>
+          <a:fontRef idx="minor">
+            <a:schemeClr val="tx1"/>
+          </a:fontRef>
+        </p:style>
+      </p:cxnSp>
+      <p:cxnSp>
+        <p:nvCxnSpPr>
+          <p:cNvPr id="17" name="直接连接符 16"/>
+          <p:cNvCxnSpPr/>
+          <p:nvPr/>
+        </p:nvCxnSpPr>
+        <p:spPr>
+          <a:xfrm>
+            <a:off x="5920509" y="1353127"/>
+            <a:ext cx="706582" cy="669637"/>
+          </a:xfrm>
+          <a:prstGeom prst="line">
+            <a:avLst/>
+          </a:prstGeom>
+          <a:ln w="28575">
+            <a:solidFill>
+              <a:schemeClr val="tx1"/>
+            </a:solidFill>
+            <a:prstDash val="dash"/>
+          </a:ln>
+        </p:spPr>
+        <p:style>
+          <a:lnRef idx="1">
+            <a:schemeClr val="accent1"/>
+          </a:lnRef>
+          <a:fillRef idx="0">
+            <a:schemeClr val="accent1"/>
+          </a:fillRef>
+          <a:effectRef idx="0">
+            <a:schemeClr val="accent1"/>
+          </a:effectRef>
+          <a:fontRef idx="minor">
+            <a:schemeClr val="tx1"/>
+          </a:fontRef>
+        </p:style>
+      </p:cxnSp>
+      <p:sp>
+        <p:nvSpPr>
+          <p:cNvPr id="18" name="文本框 17"/>
+          <p:cNvSpPr txBox="1"/>
+          <p:nvPr/>
+        </p:nvSpPr>
+        <p:spPr>
+          <a:xfrm>
+            <a:off x="6363960" y="1168460"/>
+            <a:ext cx="646331" cy="369332"/>
+          </a:xfrm>
+          <a:prstGeom prst="rect">
+            <a:avLst/>
+          </a:prstGeom>
+          <a:noFill/>
+        </p:spPr>
+        <p:txBody>
+          <a:bodyPr wrap="none" rtlCol="0">
+            <a:spAutoFit/>
+          </a:bodyPr>
+          <a:lstStyle/>
+          <a:p>
+            <a:r>
+              <a:rPr lang="zh-CN" altLang="en-US" dirty="0" smtClean="0"/>
+              <a:t>反键</a:t>
+            </a:r>
+            <a:endParaRPr lang="zh-CN" altLang="en-US" dirty="0"/>
+          </a:p>
+        </p:txBody>
+      </p:sp>
+      <p:sp>
+        <p:nvSpPr>
+          <p:cNvPr id="19" name="文本框 18"/>
+          <p:cNvSpPr txBox="1"/>
+          <p:nvPr/>
+        </p:nvSpPr>
+        <p:spPr>
+          <a:xfrm>
+            <a:off x="6363960" y="2359889"/>
+            <a:ext cx="646331" cy="369332"/>
+          </a:xfrm>
+          <a:prstGeom prst="rect">
+            <a:avLst/>
+          </a:prstGeom>
+          <a:noFill/>
+        </p:spPr>
+        <p:txBody>
+          <a:bodyPr wrap="none" rtlCol="0">
+            <a:spAutoFit/>
+          </a:bodyPr>
+          <a:lstStyle/>
+          <a:p>
+            <a:r>
+              <a:rPr lang="zh-CN" altLang="en-US" dirty="0"/>
+              <a:t>成</a:t>
+            </a:r>
+            <a:r>
+              <a:rPr lang="zh-CN" altLang="en-US" dirty="0" smtClean="0"/>
+              <a:t>键</a:t>
+            </a:r>
+            <a:endParaRPr lang="zh-CN" altLang="en-US" dirty="0"/>
+          </a:p>
+        </p:txBody>
+      </p:sp>
+      <p:cxnSp>
+        <p:nvCxnSpPr>
+          <p:cNvPr id="20" name="直接连接符 19"/>
+          <p:cNvCxnSpPr/>
+          <p:nvPr/>
+        </p:nvCxnSpPr>
+        <p:spPr>
+          <a:xfrm>
+            <a:off x="3195782" y="5010605"/>
+            <a:ext cx="692728" cy="0"/>
+          </a:xfrm>
+          <a:prstGeom prst="line">
+            <a:avLst/>
+          </a:prstGeom>
+          <a:ln w="28575">
+            <a:solidFill>
+              <a:schemeClr val="tx1"/>
+            </a:solidFill>
+          </a:ln>
+        </p:spPr>
+        <p:style>
+          <a:lnRef idx="1">
+            <a:schemeClr val="accent1"/>
+          </a:lnRef>
+          <a:fillRef idx="0">
+            <a:schemeClr val="accent1"/>
+          </a:fillRef>
+          <a:effectRef idx="0">
+            <a:schemeClr val="accent1"/>
+          </a:effectRef>
+          <a:fontRef idx="minor">
+            <a:schemeClr val="tx1"/>
+          </a:fontRef>
+        </p:style>
+      </p:cxnSp>
+      <p:cxnSp>
+        <p:nvCxnSpPr>
+          <p:cNvPr id="21" name="直接连接符 20"/>
+          <p:cNvCxnSpPr/>
+          <p:nvPr/>
+        </p:nvCxnSpPr>
+        <p:spPr>
+          <a:xfrm>
+            <a:off x="6627091" y="5010605"/>
+            <a:ext cx="692728" cy="0"/>
+          </a:xfrm>
+          <a:prstGeom prst="line">
+            <a:avLst/>
+          </a:prstGeom>
+          <a:ln w="28575">
+            <a:solidFill>
+              <a:schemeClr val="tx1"/>
+            </a:solidFill>
+          </a:ln>
+        </p:spPr>
+        <p:style>
+          <a:lnRef idx="1">
+            <a:schemeClr val="accent1"/>
+          </a:lnRef>
+          <a:fillRef idx="0">
+            <a:schemeClr val="accent1"/>
+          </a:fillRef>
+          <a:effectRef idx="0">
+            <a:schemeClr val="accent1"/>
+          </a:effectRef>
+          <a:fontRef idx="minor">
+            <a:schemeClr val="tx1"/>
+          </a:fontRef>
+        </p:style>
+      </p:cxnSp>
+      <p:cxnSp>
+        <p:nvCxnSpPr>
+          <p:cNvPr id="22" name="直接连接符 21"/>
+          <p:cNvCxnSpPr/>
+          <p:nvPr/>
+        </p:nvCxnSpPr>
+        <p:spPr>
+          <a:xfrm>
+            <a:off x="4655127" y="4340968"/>
+            <a:ext cx="1265382" cy="0"/>
+          </a:xfrm>
+          <a:prstGeom prst="line">
+            <a:avLst/>
+          </a:prstGeom>
+          <a:ln w="28575">
+            <a:solidFill>
+              <a:schemeClr val="tx1"/>
+            </a:solidFill>
+          </a:ln>
+        </p:spPr>
+        <p:style>
+          <a:lnRef idx="1">
+            <a:schemeClr val="accent1"/>
+          </a:lnRef>
+          <a:fillRef idx="0">
+            <a:schemeClr val="accent1"/>
+          </a:fillRef>
+          <a:effectRef idx="0">
+            <a:schemeClr val="accent1"/>
+          </a:effectRef>
+          <a:fontRef idx="minor">
+            <a:schemeClr val="tx1"/>
+          </a:fontRef>
+        </p:style>
+      </p:cxnSp>
+      <p:cxnSp>
+        <p:nvCxnSpPr>
+          <p:cNvPr id="23" name="直接连接符 22"/>
+          <p:cNvCxnSpPr/>
+          <p:nvPr/>
+        </p:nvCxnSpPr>
+        <p:spPr>
+          <a:xfrm>
+            <a:off x="4655127" y="5555550"/>
+            <a:ext cx="1265382" cy="0"/>
+          </a:xfrm>
+          <a:prstGeom prst="line">
+            <a:avLst/>
+          </a:prstGeom>
+          <a:ln w="28575">
+            <a:solidFill>
+              <a:schemeClr val="tx1"/>
+            </a:solidFill>
+          </a:ln>
+        </p:spPr>
+        <p:style>
+          <a:lnRef idx="1">
+            <a:schemeClr val="accent1"/>
+          </a:lnRef>
+          <a:fillRef idx="0">
+            <a:schemeClr val="accent1"/>
+          </a:fillRef>
+          <a:effectRef idx="0">
+            <a:schemeClr val="accent1"/>
+          </a:effectRef>
+          <a:fontRef idx="minor">
+            <a:schemeClr val="tx1"/>
+          </a:fontRef>
+        </p:style>
+      </p:cxnSp>
+      <p:cxnSp>
+        <p:nvCxnSpPr>
+          <p:cNvPr id="24" name="直接连接符 23"/>
+          <p:cNvCxnSpPr/>
+          <p:nvPr/>
+        </p:nvCxnSpPr>
+        <p:spPr>
+          <a:xfrm flipV="1">
+            <a:off x="3888510" y="4340968"/>
+            <a:ext cx="766617" cy="669637"/>
+          </a:xfrm>
+          <a:prstGeom prst="line">
+            <a:avLst/>
+          </a:prstGeom>
+          <a:ln w="28575">
+            <a:solidFill>
+              <a:schemeClr val="tx1"/>
+            </a:solidFill>
+            <a:prstDash val="dash"/>
+          </a:ln>
+        </p:spPr>
+        <p:style>
+          <a:lnRef idx="1">
+            <a:schemeClr val="accent1"/>
+          </a:lnRef>
+          <a:fillRef idx="0">
+            <a:schemeClr val="accent1"/>
+          </a:fillRef>
+          <a:effectRef idx="0">
+            <a:schemeClr val="accent1"/>
+          </a:effectRef>
+          <a:fontRef idx="minor">
+            <a:schemeClr val="tx1"/>
+          </a:fontRef>
+        </p:style>
+      </p:cxnSp>
+      <p:cxnSp>
+        <p:nvCxnSpPr>
+          <p:cNvPr id="25" name="直接连接符 24"/>
+          <p:cNvCxnSpPr/>
+          <p:nvPr/>
+        </p:nvCxnSpPr>
+        <p:spPr>
+          <a:xfrm>
+            <a:off x="3888510" y="5010605"/>
+            <a:ext cx="766617" cy="544945"/>
+          </a:xfrm>
+          <a:prstGeom prst="line">
+            <a:avLst/>
+          </a:prstGeom>
+          <a:ln w="28575">
+            <a:solidFill>
+              <a:schemeClr val="tx1"/>
+            </a:solidFill>
+            <a:prstDash val="dash"/>
+          </a:ln>
+        </p:spPr>
+        <p:style>
+          <a:lnRef idx="1">
+            <a:schemeClr val="accent1"/>
+          </a:lnRef>
+          <a:fillRef idx="0">
+            <a:schemeClr val="accent1"/>
+          </a:fillRef>
+          <a:effectRef idx="0">
+            <a:schemeClr val="accent1"/>
+          </a:effectRef>
+          <a:fontRef idx="minor">
+            <a:schemeClr val="tx1"/>
+          </a:fontRef>
+        </p:style>
+      </p:cxnSp>
+      <p:cxnSp>
+        <p:nvCxnSpPr>
+          <p:cNvPr id="26" name="直接连接符 25"/>
+          <p:cNvCxnSpPr/>
+          <p:nvPr/>
+        </p:nvCxnSpPr>
+        <p:spPr>
+          <a:xfrm flipV="1">
+            <a:off x="5920509" y="5010605"/>
+            <a:ext cx="706582" cy="544945"/>
+          </a:xfrm>
+          <a:prstGeom prst="line">
+            <a:avLst/>
+          </a:prstGeom>
+          <a:ln w="28575">
+            <a:solidFill>
+              <a:schemeClr val="tx1"/>
+            </a:solidFill>
+            <a:prstDash val="dash"/>
+          </a:ln>
+        </p:spPr>
+        <p:style>
+          <a:lnRef idx="1">
+            <a:schemeClr val="accent1"/>
+          </a:lnRef>
+          <a:fillRef idx="0">
+            <a:schemeClr val="accent1"/>
+          </a:fillRef>
+          <a:effectRef idx="0">
+            <a:schemeClr val="accent1"/>
+          </a:effectRef>
+          <a:fontRef idx="minor">
+            <a:schemeClr val="tx1"/>
+          </a:fontRef>
+        </p:style>
+      </p:cxnSp>
+      <p:cxnSp>
+        <p:nvCxnSpPr>
+          <p:cNvPr id="27" name="直接连接符 26"/>
+          <p:cNvCxnSpPr/>
+          <p:nvPr/>
+        </p:nvCxnSpPr>
+        <p:spPr>
+          <a:xfrm>
+            <a:off x="5920509" y="4340968"/>
+            <a:ext cx="706582" cy="669637"/>
+          </a:xfrm>
+          <a:prstGeom prst="line">
+            <a:avLst/>
+          </a:prstGeom>
+          <a:ln w="28575">
+            <a:solidFill>
+              <a:schemeClr val="tx1"/>
+            </a:solidFill>
+            <a:prstDash val="dash"/>
+          </a:ln>
+        </p:spPr>
+        <p:style>
+          <a:lnRef idx="1">
+            <a:schemeClr val="accent1"/>
+          </a:lnRef>
+          <a:fillRef idx="0">
+            <a:schemeClr val="accent1"/>
+          </a:fillRef>
+          <a:effectRef idx="0">
+            <a:schemeClr val="accent1"/>
+          </a:effectRef>
+          <a:fontRef idx="minor">
+            <a:schemeClr val="tx1"/>
+          </a:fontRef>
+        </p:style>
+      </p:cxnSp>
+      <p:sp>
+        <p:nvSpPr>
+          <p:cNvPr id="28" name="文本框 27"/>
+          <p:cNvSpPr txBox="1"/>
+          <p:nvPr/>
+        </p:nvSpPr>
+        <p:spPr>
+          <a:xfrm>
+            <a:off x="6363960" y="4156301"/>
+            <a:ext cx="646331" cy="369332"/>
+          </a:xfrm>
+          <a:prstGeom prst="rect">
+            <a:avLst/>
+          </a:prstGeom>
+          <a:noFill/>
+        </p:spPr>
+        <p:txBody>
+          <a:bodyPr wrap="none" rtlCol="0">
+            <a:spAutoFit/>
+          </a:bodyPr>
+          <a:lstStyle/>
+          <a:p>
+            <a:r>
+              <a:rPr lang="zh-CN" altLang="en-US" dirty="0" smtClean="0"/>
+              <a:t>反键</a:t>
+            </a:r>
+            <a:endParaRPr lang="zh-CN" altLang="en-US" dirty="0"/>
+          </a:p>
+        </p:txBody>
+      </p:sp>
+      <p:sp>
+        <p:nvSpPr>
+          <p:cNvPr id="29" name="文本框 28"/>
+          <p:cNvSpPr txBox="1"/>
+          <p:nvPr/>
+        </p:nvSpPr>
+        <p:spPr>
+          <a:xfrm>
+            <a:off x="6363960" y="5347730"/>
+            <a:ext cx="646331" cy="369332"/>
+          </a:xfrm>
+          <a:prstGeom prst="rect">
+            <a:avLst/>
+          </a:prstGeom>
+          <a:noFill/>
+        </p:spPr>
+        <p:txBody>
+          <a:bodyPr wrap="none" rtlCol="0">
+            <a:spAutoFit/>
+          </a:bodyPr>
+          <a:lstStyle/>
+          <a:p>
+            <a:r>
+              <a:rPr lang="zh-CN" altLang="en-US" dirty="0"/>
+              <a:t>成</a:t>
+            </a:r>
+            <a:r>
+              <a:rPr lang="zh-CN" altLang="en-US" dirty="0" smtClean="0"/>
+              <a:t>键</a:t>
+            </a:r>
+            <a:endParaRPr lang="zh-CN" altLang="en-US" dirty="0"/>
+          </a:p>
+        </p:txBody>
+      </p:sp>
+      <p:sp>
+        <p:nvSpPr>
+          <p:cNvPr id="30" name="文本框 29"/>
+          <p:cNvSpPr txBox="1"/>
+          <p:nvPr/>
+        </p:nvSpPr>
+        <p:spPr>
+          <a:xfrm>
+            <a:off x="979054" y="583685"/>
+            <a:ext cx="417102" cy="584775"/>
+          </a:xfrm>
+          <a:prstGeom prst="rect">
+            <a:avLst/>
+          </a:prstGeom>
+          <a:noFill/>
+        </p:spPr>
+        <p:txBody>
+          <a:bodyPr wrap="none" rtlCol="0">
+            <a:spAutoFit/>
+          </a:bodyPr>
+          <a:lstStyle/>
+          <a:p>
+            <a:r>
+              <a:rPr lang="el-GR" altLang="zh-CN" sz="3200" dirty="0"/>
+              <a:t>σ</a:t>
+            </a:r>
+            <a:endParaRPr lang="zh-CN" altLang="en-US" sz="3200" dirty="0"/>
+          </a:p>
+        </p:txBody>
+      </p:sp>
+      <p:sp>
+        <p:nvSpPr>
+          <p:cNvPr id="31" name="文本框 30"/>
+          <p:cNvSpPr txBox="1"/>
+          <p:nvPr/>
+        </p:nvSpPr>
+        <p:spPr>
+          <a:xfrm>
+            <a:off x="979054" y="3682485"/>
+            <a:ext cx="439544" cy="584775"/>
+          </a:xfrm>
+          <a:prstGeom prst="rect">
+            <a:avLst/>
+          </a:prstGeom>
+          <a:noFill/>
+        </p:spPr>
+        <p:txBody>
+          <a:bodyPr wrap="none" rtlCol="0">
+            <a:spAutoFit/>
+          </a:bodyPr>
+          <a:lstStyle/>
+          <a:p>
+            <a:r>
+              <a:rPr lang="el-GR" altLang="zh-CN" sz="3200" dirty="0"/>
+              <a:t>π</a:t>
+            </a:r>
+            <a:endParaRPr lang="zh-CN" altLang="en-US" sz="3200" dirty="0"/>
+          </a:p>
+        </p:txBody>
+      </p:sp>
+      <p:sp>
+        <p:nvSpPr>
+          <p:cNvPr id="32" name="椭圆 31"/>
+          <p:cNvSpPr/>
+          <p:nvPr/>
+        </p:nvSpPr>
+        <p:spPr>
+          <a:xfrm>
+            <a:off x="2429165" y="1784928"/>
+            <a:ext cx="475672" cy="475672"/>
+          </a:xfrm>
+          <a:prstGeom prst="ellipse">
+            <a:avLst/>
+          </a:prstGeom>
+        </p:spPr>
+        <p:style>
+          <a:lnRef idx="2">
+            <a:schemeClr val="accent1">
+              <a:shade val="50000"/>
+            </a:schemeClr>
+          </a:lnRef>
+          <a:fillRef idx="1">
+            <a:schemeClr val="accent1"/>
+          </a:fillRef>
+          <a:effectRef idx="0">
+            <a:schemeClr val="accent1"/>
+          </a:effectRef>
+          <a:fontRef idx="minor">
+            <a:schemeClr val="lt1"/>
+          </a:fontRef>
+        </p:style>
+        <p:txBody>
+          <a:bodyPr rtlCol="0" anchor="ctr"/>
+          <a:lstStyle/>
+          <a:p>
+            <a:pPr algn="ctr"/>
+            <a:endParaRPr lang="zh-CN" altLang="en-US"/>
+          </a:p>
+        </p:txBody>
+      </p:sp>
+      <p:sp>
+        <p:nvSpPr>
+          <p:cNvPr id="33" name="文本框 32"/>
+          <p:cNvSpPr txBox="1"/>
+          <p:nvPr/>
+        </p:nvSpPr>
+        <p:spPr>
+          <a:xfrm>
+            <a:off x="1717794" y="1713606"/>
+            <a:ext cx="330540" cy="523220"/>
+          </a:xfrm>
+          <a:prstGeom prst="rect">
+            <a:avLst/>
+          </a:prstGeom>
+          <a:noFill/>
+        </p:spPr>
+        <p:txBody>
+          <a:bodyPr wrap="none" rtlCol="0">
+            <a:spAutoFit/>
+          </a:bodyPr>
+          <a:lstStyle/>
+          <a:p>
+            <a:r>
+              <a:rPr lang="en-US" altLang="zh-CN" sz="2800" dirty="0" smtClean="0"/>
+              <a:t>s</a:t>
+            </a:r>
+            <a:endParaRPr lang="zh-CN" altLang="en-US" sz="2800" dirty="0"/>
+          </a:p>
+        </p:txBody>
+      </p:sp>
+      <p:sp>
+        <p:nvSpPr>
+          <p:cNvPr id="34" name="文本框 33"/>
+          <p:cNvSpPr txBox="1"/>
+          <p:nvPr/>
+        </p:nvSpPr>
+        <p:spPr>
+          <a:xfrm>
+            <a:off x="8649858" y="1737380"/>
+            <a:ext cx="330540" cy="523220"/>
+          </a:xfrm>
+          <a:prstGeom prst="rect">
+            <a:avLst/>
+          </a:prstGeom>
+          <a:noFill/>
+        </p:spPr>
+        <p:txBody>
+          <a:bodyPr wrap="none" rtlCol="0">
+            <a:spAutoFit/>
+          </a:bodyPr>
+          <a:lstStyle/>
+          <a:p>
+            <a:r>
+              <a:rPr lang="en-US" altLang="zh-CN" sz="2800" dirty="0" smtClean="0"/>
+              <a:t>s</a:t>
+            </a:r>
+            <a:endParaRPr lang="zh-CN" altLang="en-US" sz="2800" dirty="0"/>
+          </a:p>
+        </p:txBody>
+      </p:sp>
+      <p:sp>
+        <p:nvSpPr>
+          <p:cNvPr id="35" name="椭圆 34"/>
+          <p:cNvSpPr/>
+          <p:nvPr/>
+        </p:nvSpPr>
+        <p:spPr>
+          <a:xfrm>
+            <a:off x="7719294" y="1761154"/>
+            <a:ext cx="475672" cy="475672"/>
+          </a:xfrm>
+          <a:prstGeom prst="ellipse">
+            <a:avLst/>
+          </a:prstGeom>
+        </p:spPr>
+        <p:style>
+          <a:lnRef idx="2">
+            <a:schemeClr val="accent1">
+              <a:shade val="50000"/>
+            </a:schemeClr>
+          </a:lnRef>
+          <a:fillRef idx="1">
+            <a:schemeClr val="accent1"/>
+          </a:fillRef>
+          <a:effectRef idx="0">
+            <a:schemeClr val="accent1"/>
+          </a:effectRef>
+          <a:fontRef idx="minor">
+            <a:schemeClr val="lt1"/>
+          </a:fontRef>
+        </p:style>
+        <p:txBody>
+          <a:bodyPr rtlCol="0" anchor="ctr"/>
+          <a:lstStyle/>
+          <a:p>
+            <a:pPr algn="ctr"/>
+            <a:endParaRPr lang="zh-CN" altLang="en-US"/>
+          </a:p>
+        </p:txBody>
+      </p:sp>
+      <p:sp>
+        <p:nvSpPr>
+          <p:cNvPr id="36" name="椭圆 35"/>
+          <p:cNvSpPr/>
+          <p:nvPr/>
+        </p:nvSpPr>
+        <p:spPr>
+          <a:xfrm>
+            <a:off x="4752108" y="2636798"/>
+            <a:ext cx="1089891" cy="457324"/>
+          </a:xfrm>
+          <a:prstGeom prst="ellipse">
+            <a:avLst/>
+          </a:prstGeom>
+        </p:spPr>
+        <p:style>
+          <a:lnRef idx="2">
+            <a:schemeClr val="accent1">
+              <a:shade val="50000"/>
+            </a:schemeClr>
+          </a:lnRef>
+          <a:fillRef idx="1">
+            <a:schemeClr val="accent1"/>
+          </a:fillRef>
+          <a:effectRef idx="0">
+            <a:schemeClr val="accent1"/>
+          </a:effectRef>
+          <a:fontRef idx="minor">
+            <a:schemeClr val="lt1"/>
+          </a:fontRef>
+        </p:style>
+        <p:txBody>
+          <a:bodyPr rtlCol="0" anchor="ctr"/>
+          <a:lstStyle/>
+          <a:p>
+            <a:pPr algn="ctr"/>
+            <a:endParaRPr lang="zh-CN" altLang="en-US"/>
+          </a:p>
+        </p:txBody>
+      </p:sp>
+      <p:sp>
+        <p:nvSpPr>
+          <p:cNvPr id="37" name="椭圆 36"/>
+          <p:cNvSpPr/>
+          <p:nvPr/>
+        </p:nvSpPr>
+        <p:spPr>
+          <a:xfrm>
+            <a:off x="4763706" y="1012553"/>
+            <a:ext cx="309419" cy="170933"/>
+          </a:xfrm>
+          <a:prstGeom prst="ellipse">
+            <a:avLst/>
+          </a:prstGeom>
+        </p:spPr>
+        <p:style>
+          <a:lnRef idx="2">
+            <a:schemeClr val="accent1">
+              <a:shade val="50000"/>
+            </a:schemeClr>
+          </a:lnRef>
+          <a:fillRef idx="1">
+            <a:schemeClr val="accent1"/>
+          </a:fillRef>
+          <a:effectRef idx="0">
+            <a:schemeClr val="accent1"/>
+          </a:effectRef>
+          <a:fontRef idx="minor">
+            <a:schemeClr val="lt1"/>
+          </a:fontRef>
+        </p:style>
+        <p:txBody>
+          <a:bodyPr rtlCol="0" anchor="ctr"/>
+          <a:lstStyle/>
+          <a:p>
+            <a:pPr algn="ctr"/>
+            <a:endParaRPr lang="zh-CN" altLang="en-US"/>
+          </a:p>
+        </p:txBody>
+      </p:sp>
+      <p:sp>
+        <p:nvSpPr>
+          <p:cNvPr id="38" name="椭圆 37"/>
+          <p:cNvSpPr/>
+          <p:nvPr/>
+        </p:nvSpPr>
+        <p:spPr>
+          <a:xfrm>
+            <a:off x="5449560" y="1013845"/>
+            <a:ext cx="309419" cy="170933"/>
+          </a:xfrm>
+          <a:prstGeom prst="ellipse">
+            <a:avLst/>
+          </a:prstGeom>
+          <a:solidFill>
+            <a:srgbClr val="FF0000"/>
+          </a:solidFill>
+        </p:spPr>
+        <p:style>
+          <a:lnRef idx="2">
+            <a:schemeClr val="accent1">
+              <a:shade val="50000"/>
+            </a:schemeClr>
+          </a:lnRef>
+          <a:fillRef idx="1">
+            <a:schemeClr val="accent1"/>
+          </a:fillRef>
+          <a:effectRef idx="0">
+            <a:schemeClr val="accent1"/>
+          </a:effectRef>
+          <a:fontRef idx="minor">
+            <a:schemeClr val="lt1"/>
+          </a:fontRef>
+        </p:style>
+        <p:txBody>
+          <a:bodyPr rtlCol="0" anchor="ctr"/>
+          <a:lstStyle/>
+          <a:p>
+            <a:pPr algn="ctr"/>
+            <a:endParaRPr lang="zh-CN" altLang="en-US"/>
+          </a:p>
+        </p:txBody>
+      </p:sp>
+    </p:spTree>
+    <p:extLst>
+      <p:ext uri="{BB962C8B-B14F-4D97-AF65-F5344CB8AC3E}">
+        <p14:creationId xmlns:p14="http://schemas.microsoft.com/office/powerpoint/2010/main" val="3848482840"/>
+      </p:ext>
+    </p:extLst>
+  </p:cSld>
+  <p:clrMapOvr>
+    <a:masterClrMapping/>
+  </p:clrMapOvr>
+</p:sld>
+</file>
+
+<file path=ppt/slides/slide3.xml><?xml version="1.0" encoding="utf-8"?>
+<p:sld xmlns:a="http://schemas.openxmlformats.org/drawingml/2006/main" xmlns:r="http://schemas.openxmlformats.org/officeDocument/2006/relationships" xmlns:p="http://schemas.openxmlformats.org/presentationml/2006/main">
+  <p:cSld>
+    <p:spTree>
+      <p:nvGrpSpPr>
+        <p:cNvPr id="1" name=""/>
+        <p:cNvGrpSpPr/>
+        <p:nvPr/>
+      </p:nvGrpSpPr>
+      <p:grpSpPr>
+        <a:xfrm>
+          <a:off x="0" y="0"/>
+          <a:ext cx="0" cy="0"/>
+          <a:chOff x="0" y="0"/>
+          <a:chExt cx="0" cy="0"/>
+        </a:xfrm>
+      </p:grpSpPr>
+      <p:cxnSp>
+        <p:nvCxnSpPr>
+          <p:cNvPr id="5" name="直接连接符 4"/>
+          <p:cNvCxnSpPr/>
+          <p:nvPr/>
+        </p:nvCxnSpPr>
+        <p:spPr>
+          <a:xfrm>
+            <a:off x="3195782" y="2022764"/>
+            <a:ext cx="692728" cy="0"/>
+          </a:xfrm>
+          <a:prstGeom prst="line">
+            <a:avLst/>
+          </a:prstGeom>
+          <a:ln w="28575">
+            <a:solidFill>
+              <a:schemeClr val="tx1"/>
+            </a:solidFill>
+          </a:ln>
+        </p:spPr>
+        <p:style>
+          <a:lnRef idx="1">
+            <a:schemeClr val="accent1"/>
+          </a:lnRef>
+          <a:fillRef idx="0">
+            <a:schemeClr val="accent1"/>
+          </a:fillRef>
+          <a:effectRef idx="0">
+            <a:schemeClr val="accent1"/>
+          </a:effectRef>
+          <a:fontRef idx="minor">
+            <a:schemeClr val="tx1"/>
+          </a:fontRef>
+        </p:style>
+      </p:cxnSp>
+      <p:cxnSp>
+        <p:nvCxnSpPr>
+          <p:cNvPr id="6" name="直接连接符 5"/>
+          <p:cNvCxnSpPr/>
+          <p:nvPr/>
+        </p:nvCxnSpPr>
+        <p:spPr>
+          <a:xfrm>
+            <a:off x="6627091" y="2022764"/>
+            <a:ext cx="692728" cy="0"/>
+          </a:xfrm>
+          <a:prstGeom prst="line">
+            <a:avLst/>
+          </a:prstGeom>
+          <a:ln w="28575">
+            <a:solidFill>
+              <a:schemeClr val="tx1"/>
+            </a:solidFill>
+          </a:ln>
+        </p:spPr>
+        <p:style>
+          <a:lnRef idx="1">
+            <a:schemeClr val="accent1"/>
+          </a:lnRef>
+          <a:fillRef idx="0">
+            <a:schemeClr val="accent1"/>
+          </a:fillRef>
+          <a:effectRef idx="0">
+            <a:schemeClr val="accent1"/>
+          </a:effectRef>
+          <a:fontRef idx="minor">
+            <a:schemeClr val="tx1"/>
+          </a:fontRef>
+        </p:style>
+      </p:cxnSp>
+      <p:cxnSp>
+        <p:nvCxnSpPr>
+          <p:cNvPr id="7" name="直接连接符 6"/>
+          <p:cNvCxnSpPr/>
+          <p:nvPr/>
+        </p:nvCxnSpPr>
+        <p:spPr>
+          <a:xfrm>
+            <a:off x="4655127" y="1353127"/>
+            <a:ext cx="1265382" cy="0"/>
+          </a:xfrm>
+          <a:prstGeom prst="line">
+            <a:avLst/>
+          </a:prstGeom>
+          <a:ln w="28575">
+            <a:solidFill>
+              <a:schemeClr val="tx1"/>
+            </a:solidFill>
+          </a:ln>
+        </p:spPr>
+        <p:style>
+          <a:lnRef idx="1">
+            <a:schemeClr val="accent1"/>
+          </a:lnRef>
+          <a:fillRef idx="0">
+            <a:schemeClr val="accent1"/>
+          </a:fillRef>
+          <a:effectRef idx="0">
+            <a:schemeClr val="accent1"/>
+          </a:effectRef>
+          <a:fontRef idx="minor">
+            <a:schemeClr val="tx1"/>
+          </a:fontRef>
+        </p:style>
+      </p:cxnSp>
+      <p:cxnSp>
+        <p:nvCxnSpPr>
+          <p:cNvPr id="9" name="直接连接符 8"/>
+          <p:cNvCxnSpPr/>
+          <p:nvPr/>
+        </p:nvCxnSpPr>
+        <p:spPr>
+          <a:xfrm>
+            <a:off x="4655127" y="2567709"/>
+            <a:ext cx="1265382" cy="0"/>
+          </a:xfrm>
+          <a:prstGeom prst="line">
+            <a:avLst/>
+          </a:prstGeom>
+          <a:ln w="28575">
+            <a:solidFill>
+              <a:schemeClr val="tx1"/>
+            </a:solidFill>
+          </a:ln>
+        </p:spPr>
+        <p:style>
+          <a:lnRef idx="1">
+            <a:schemeClr val="accent1"/>
+          </a:lnRef>
+          <a:fillRef idx="0">
+            <a:schemeClr val="accent1"/>
+          </a:fillRef>
+          <a:effectRef idx="0">
+            <a:schemeClr val="accent1"/>
+          </a:effectRef>
+          <a:fontRef idx="minor">
+            <a:schemeClr val="tx1"/>
+          </a:fontRef>
+        </p:style>
+      </p:cxnSp>
+      <p:cxnSp>
+        <p:nvCxnSpPr>
+          <p:cNvPr id="11" name="直接连接符 10"/>
+          <p:cNvCxnSpPr/>
+          <p:nvPr/>
+        </p:nvCxnSpPr>
+        <p:spPr>
+          <a:xfrm flipV="1">
+            <a:off x="3888510" y="1353127"/>
+            <a:ext cx="766617" cy="669637"/>
+          </a:xfrm>
+          <a:prstGeom prst="line">
+            <a:avLst/>
+          </a:prstGeom>
+          <a:ln w="28575">
+            <a:solidFill>
+              <a:schemeClr val="tx1"/>
+            </a:solidFill>
+            <a:prstDash val="dash"/>
+          </a:ln>
+        </p:spPr>
+        <p:style>
+          <a:lnRef idx="1">
+            <a:schemeClr val="accent1"/>
+          </a:lnRef>
+          <a:fillRef idx="0">
+            <a:schemeClr val="accent1"/>
+          </a:fillRef>
+          <a:effectRef idx="0">
+            <a:schemeClr val="accent1"/>
+          </a:effectRef>
+          <a:fontRef idx="minor">
+            <a:schemeClr val="tx1"/>
+          </a:fontRef>
+        </p:style>
+      </p:cxnSp>
+      <p:cxnSp>
+        <p:nvCxnSpPr>
+          <p:cNvPr id="13" name="直接连接符 12"/>
+          <p:cNvCxnSpPr/>
+          <p:nvPr/>
+        </p:nvCxnSpPr>
+        <p:spPr>
+          <a:xfrm>
+            <a:off x="3888510" y="2022764"/>
+            <a:ext cx="766617" cy="544945"/>
+          </a:xfrm>
+          <a:prstGeom prst="line">
+            <a:avLst/>
+          </a:prstGeom>
+          <a:ln w="28575">
+            <a:solidFill>
+              <a:schemeClr val="tx1"/>
+            </a:solidFill>
+            <a:prstDash val="dash"/>
+          </a:ln>
+        </p:spPr>
+        <p:style>
+          <a:lnRef idx="1">
+            <a:schemeClr val="accent1"/>
+          </a:lnRef>
+          <a:fillRef idx="0">
+            <a:schemeClr val="accent1"/>
+          </a:fillRef>
+          <a:effectRef idx="0">
+            <a:schemeClr val="accent1"/>
+          </a:effectRef>
+          <a:fontRef idx="minor">
+            <a:schemeClr val="tx1"/>
+          </a:fontRef>
+        </p:style>
+      </p:cxnSp>
+      <p:cxnSp>
+        <p:nvCxnSpPr>
+          <p:cNvPr id="15" name="直接连接符 14"/>
+          <p:cNvCxnSpPr/>
+          <p:nvPr/>
+        </p:nvCxnSpPr>
+        <p:spPr>
+          <a:xfrm flipV="1">
+            <a:off x="5920509" y="2022764"/>
+            <a:ext cx="706582" cy="544945"/>
+          </a:xfrm>
+          <a:prstGeom prst="line">
+            <a:avLst/>
+          </a:prstGeom>
+          <a:ln w="28575">
+            <a:solidFill>
+              <a:schemeClr val="tx1"/>
+            </a:solidFill>
+            <a:prstDash val="dash"/>
+          </a:ln>
+        </p:spPr>
+        <p:style>
+          <a:lnRef idx="1">
+            <a:schemeClr val="accent1"/>
+          </a:lnRef>
+          <a:fillRef idx="0">
+            <a:schemeClr val="accent1"/>
+          </a:fillRef>
+          <a:effectRef idx="0">
+            <a:schemeClr val="accent1"/>
+          </a:effectRef>
+          <a:fontRef idx="minor">
+            <a:schemeClr val="tx1"/>
+          </a:fontRef>
+        </p:style>
+      </p:cxnSp>
+      <p:cxnSp>
+        <p:nvCxnSpPr>
+          <p:cNvPr id="17" name="直接连接符 16"/>
+          <p:cNvCxnSpPr/>
+          <p:nvPr/>
+        </p:nvCxnSpPr>
+        <p:spPr>
+          <a:xfrm>
+            <a:off x="5920509" y="1353127"/>
+            <a:ext cx="706582" cy="669637"/>
+          </a:xfrm>
+          <a:prstGeom prst="line">
+            <a:avLst/>
+          </a:prstGeom>
+          <a:ln w="28575">
+            <a:solidFill>
+              <a:schemeClr val="tx1"/>
+            </a:solidFill>
+            <a:prstDash val="dash"/>
+          </a:ln>
+        </p:spPr>
+        <p:style>
+          <a:lnRef idx="1">
+            <a:schemeClr val="accent1"/>
+          </a:lnRef>
+          <a:fillRef idx="0">
+            <a:schemeClr val="accent1"/>
+          </a:fillRef>
+          <a:effectRef idx="0">
+            <a:schemeClr val="accent1"/>
+          </a:effectRef>
+          <a:fontRef idx="minor">
+            <a:schemeClr val="tx1"/>
+          </a:fontRef>
+        </p:style>
+      </p:cxnSp>
+      <p:sp>
+        <p:nvSpPr>
+          <p:cNvPr id="18" name="文本框 17"/>
+          <p:cNvSpPr txBox="1"/>
+          <p:nvPr/>
+        </p:nvSpPr>
+        <p:spPr>
+          <a:xfrm>
+            <a:off x="6363960" y="1168460"/>
+            <a:ext cx="646331" cy="369332"/>
+          </a:xfrm>
+          <a:prstGeom prst="rect">
+            <a:avLst/>
+          </a:prstGeom>
+          <a:noFill/>
+        </p:spPr>
+        <p:txBody>
+          <a:bodyPr wrap="none" rtlCol="0">
+            <a:spAutoFit/>
+          </a:bodyPr>
+          <a:lstStyle/>
+          <a:p>
+            <a:r>
+              <a:rPr lang="zh-CN" altLang="en-US" dirty="0" smtClean="0"/>
+              <a:t>反键</a:t>
+            </a:r>
+            <a:endParaRPr lang="zh-CN" altLang="en-US" dirty="0"/>
+          </a:p>
+        </p:txBody>
+      </p:sp>
+      <p:sp>
+        <p:nvSpPr>
+          <p:cNvPr id="19" name="文本框 18"/>
+          <p:cNvSpPr txBox="1"/>
+          <p:nvPr/>
+        </p:nvSpPr>
+        <p:spPr>
+          <a:xfrm>
+            <a:off x="6363960" y="2359889"/>
+            <a:ext cx="646331" cy="369332"/>
+          </a:xfrm>
+          <a:prstGeom prst="rect">
+            <a:avLst/>
+          </a:prstGeom>
+          <a:noFill/>
+        </p:spPr>
+        <p:txBody>
+          <a:bodyPr wrap="none" rtlCol="0">
+            <a:spAutoFit/>
+          </a:bodyPr>
+          <a:lstStyle/>
+          <a:p>
+            <a:r>
+              <a:rPr lang="zh-CN" altLang="en-US" dirty="0"/>
+              <a:t>成</a:t>
+            </a:r>
+            <a:r>
+              <a:rPr lang="zh-CN" altLang="en-US" dirty="0" smtClean="0"/>
+              <a:t>键</a:t>
+            </a:r>
+            <a:endParaRPr lang="zh-CN" altLang="en-US" dirty="0"/>
+          </a:p>
+        </p:txBody>
+      </p:sp>
+      <p:cxnSp>
+        <p:nvCxnSpPr>
+          <p:cNvPr id="20" name="直接连接符 19"/>
+          <p:cNvCxnSpPr/>
+          <p:nvPr/>
+        </p:nvCxnSpPr>
+        <p:spPr>
+          <a:xfrm>
+            <a:off x="3195782" y="5010605"/>
+            <a:ext cx="692728" cy="0"/>
+          </a:xfrm>
+          <a:prstGeom prst="line">
+            <a:avLst/>
+          </a:prstGeom>
+          <a:ln w="28575">
+            <a:solidFill>
+              <a:schemeClr val="tx1"/>
+            </a:solidFill>
+          </a:ln>
+        </p:spPr>
+        <p:style>
+          <a:lnRef idx="1">
+            <a:schemeClr val="accent1"/>
+          </a:lnRef>
+          <a:fillRef idx="0">
+            <a:schemeClr val="accent1"/>
+          </a:fillRef>
+          <a:effectRef idx="0">
+            <a:schemeClr val="accent1"/>
+          </a:effectRef>
+          <a:fontRef idx="minor">
+            <a:schemeClr val="tx1"/>
+          </a:fontRef>
+        </p:style>
+      </p:cxnSp>
+      <p:cxnSp>
+        <p:nvCxnSpPr>
+          <p:cNvPr id="21" name="直接连接符 20"/>
+          <p:cNvCxnSpPr/>
+          <p:nvPr/>
+        </p:nvCxnSpPr>
+        <p:spPr>
+          <a:xfrm>
+            <a:off x="6627091" y="5010605"/>
+            <a:ext cx="692728" cy="0"/>
+          </a:xfrm>
+          <a:prstGeom prst="line">
+            <a:avLst/>
+          </a:prstGeom>
+          <a:ln w="28575">
+            <a:solidFill>
+              <a:schemeClr val="tx1"/>
+            </a:solidFill>
+          </a:ln>
+        </p:spPr>
+        <p:style>
+          <a:lnRef idx="1">
+            <a:schemeClr val="accent1"/>
+          </a:lnRef>
+          <a:fillRef idx="0">
+            <a:schemeClr val="accent1"/>
+          </a:fillRef>
+          <a:effectRef idx="0">
+            <a:schemeClr val="accent1"/>
+          </a:effectRef>
+          <a:fontRef idx="minor">
+            <a:schemeClr val="tx1"/>
+          </a:fontRef>
+        </p:style>
+      </p:cxnSp>
+      <p:cxnSp>
+        <p:nvCxnSpPr>
+          <p:cNvPr id="22" name="直接连接符 21"/>
+          <p:cNvCxnSpPr/>
+          <p:nvPr/>
+        </p:nvCxnSpPr>
+        <p:spPr>
+          <a:xfrm>
+            <a:off x="4655127" y="4340968"/>
+            <a:ext cx="1265382" cy="0"/>
+          </a:xfrm>
+          <a:prstGeom prst="line">
+            <a:avLst/>
+          </a:prstGeom>
+          <a:ln w="28575">
+            <a:solidFill>
+              <a:schemeClr val="tx1"/>
+            </a:solidFill>
+          </a:ln>
+        </p:spPr>
+        <p:style>
+          <a:lnRef idx="1">
+            <a:schemeClr val="accent1"/>
+          </a:lnRef>
+          <a:fillRef idx="0">
+            <a:schemeClr val="accent1"/>
+          </a:fillRef>
+          <a:effectRef idx="0">
+            <a:schemeClr val="accent1"/>
+          </a:effectRef>
+          <a:fontRef idx="minor">
+            <a:schemeClr val="tx1"/>
+          </a:fontRef>
+        </p:style>
+      </p:cxnSp>
+      <p:cxnSp>
+        <p:nvCxnSpPr>
+          <p:cNvPr id="23" name="直接连接符 22"/>
+          <p:cNvCxnSpPr/>
+          <p:nvPr/>
+        </p:nvCxnSpPr>
+        <p:spPr>
+          <a:xfrm>
+            <a:off x="4655127" y="5555550"/>
+            <a:ext cx="1265382" cy="0"/>
+          </a:xfrm>
+          <a:prstGeom prst="line">
+            <a:avLst/>
+          </a:prstGeom>
+          <a:ln w="28575">
+            <a:solidFill>
+              <a:schemeClr val="tx1"/>
+            </a:solidFill>
+          </a:ln>
+        </p:spPr>
+        <p:style>
+          <a:lnRef idx="1">
+            <a:schemeClr val="accent1"/>
+          </a:lnRef>
+          <a:fillRef idx="0">
+            <a:schemeClr val="accent1"/>
+          </a:fillRef>
+          <a:effectRef idx="0">
+            <a:schemeClr val="accent1"/>
+          </a:effectRef>
+          <a:fontRef idx="minor">
+            <a:schemeClr val="tx1"/>
+          </a:fontRef>
+        </p:style>
+      </p:cxnSp>
+      <p:cxnSp>
+        <p:nvCxnSpPr>
+          <p:cNvPr id="24" name="直接连接符 23"/>
+          <p:cNvCxnSpPr/>
+          <p:nvPr/>
+        </p:nvCxnSpPr>
+        <p:spPr>
+          <a:xfrm flipV="1">
+            <a:off x="3888510" y="4340968"/>
+            <a:ext cx="766617" cy="669637"/>
+          </a:xfrm>
+          <a:prstGeom prst="line">
+            <a:avLst/>
+          </a:prstGeom>
+          <a:ln w="28575">
+            <a:solidFill>
+              <a:schemeClr val="tx1"/>
+            </a:solidFill>
+            <a:prstDash val="dash"/>
+          </a:ln>
+        </p:spPr>
+        <p:style>
+          <a:lnRef idx="1">
+            <a:schemeClr val="accent1"/>
+          </a:lnRef>
+          <a:fillRef idx="0">
+            <a:schemeClr val="accent1"/>
+          </a:fillRef>
+          <a:effectRef idx="0">
+            <a:schemeClr val="accent1"/>
+          </a:effectRef>
+          <a:fontRef idx="minor">
+            <a:schemeClr val="tx1"/>
+          </a:fontRef>
+        </p:style>
+      </p:cxnSp>
+      <p:cxnSp>
+        <p:nvCxnSpPr>
+          <p:cNvPr id="25" name="直接连接符 24"/>
+          <p:cNvCxnSpPr/>
+          <p:nvPr/>
+        </p:nvCxnSpPr>
+        <p:spPr>
+          <a:xfrm>
+            <a:off x="3888510" y="5010605"/>
+            <a:ext cx="766617" cy="544945"/>
+          </a:xfrm>
+          <a:prstGeom prst="line">
+            <a:avLst/>
+          </a:prstGeom>
+          <a:ln w="28575">
+            <a:solidFill>
+              <a:schemeClr val="tx1"/>
+            </a:solidFill>
+            <a:prstDash val="dash"/>
+          </a:ln>
+        </p:spPr>
+        <p:style>
+          <a:lnRef idx="1">
+            <a:schemeClr val="accent1"/>
+          </a:lnRef>
+          <a:fillRef idx="0">
+            <a:schemeClr val="accent1"/>
+          </a:fillRef>
+          <a:effectRef idx="0">
+            <a:schemeClr val="accent1"/>
+          </a:effectRef>
+          <a:fontRef idx="minor">
+            <a:schemeClr val="tx1"/>
+          </a:fontRef>
+        </p:style>
+      </p:cxnSp>
+      <p:cxnSp>
+        <p:nvCxnSpPr>
+          <p:cNvPr id="26" name="直接连接符 25"/>
+          <p:cNvCxnSpPr/>
+          <p:nvPr/>
+        </p:nvCxnSpPr>
+        <p:spPr>
+          <a:xfrm flipV="1">
+            <a:off x="5920509" y="5010605"/>
+            <a:ext cx="706582" cy="544945"/>
+          </a:xfrm>
+          <a:prstGeom prst="line">
+            <a:avLst/>
+          </a:prstGeom>
+          <a:ln w="28575">
+            <a:solidFill>
+              <a:schemeClr val="tx1"/>
+            </a:solidFill>
+            <a:prstDash val="dash"/>
+          </a:ln>
+        </p:spPr>
+        <p:style>
+          <a:lnRef idx="1">
+            <a:schemeClr val="accent1"/>
+          </a:lnRef>
+          <a:fillRef idx="0">
+            <a:schemeClr val="accent1"/>
+          </a:fillRef>
+          <a:effectRef idx="0">
+            <a:schemeClr val="accent1"/>
+          </a:effectRef>
+          <a:fontRef idx="minor">
+            <a:schemeClr val="tx1"/>
+          </a:fontRef>
+        </p:style>
+      </p:cxnSp>
+      <p:cxnSp>
+        <p:nvCxnSpPr>
+          <p:cNvPr id="27" name="直接连接符 26"/>
+          <p:cNvCxnSpPr/>
+          <p:nvPr/>
+        </p:nvCxnSpPr>
+        <p:spPr>
+          <a:xfrm>
+            <a:off x="5920509" y="4340968"/>
+            <a:ext cx="706582" cy="669637"/>
+          </a:xfrm>
+          <a:prstGeom prst="line">
+            <a:avLst/>
+          </a:prstGeom>
+          <a:ln w="28575">
+            <a:solidFill>
+              <a:schemeClr val="tx1"/>
+            </a:solidFill>
+            <a:prstDash val="dash"/>
+          </a:ln>
+        </p:spPr>
+        <p:style>
+          <a:lnRef idx="1">
+            <a:schemeClr val="accent1"/>
+          </a:lnRef>
+          <a:fillRef idx="0">
+            <a:schemeClr val="accent1"/>
+          </a:fillRef>
+          <a:effectRef idx="0">
+            <a:schemeClr val="accent1"/>
+          </a:effectRef>
+          <a:fontRef idx="minor">
+            <a:schemeClr val="tx1"/>
+          </a:fontRef>
+        </p:style>
+      </p:cxnSp>
+      <p:sp>
+        <p:nvSpPr>
+          <p:cNvPr id="28" name="文本框 27"/>
+          <p:cNvSpPr txBox="1"/>
+          <p:nvPr/>
+        </p:nvSpPr>
+        <p:spPr>
+          <a:xfrm>
+            <a:off x="6363960" y="4156301"/>
+            <a:ext cx="646331" cy="369332"/>
+          </a:xfrm>
+          <a:prstGeom prst="rect">
+            <a:avLst/>
+          </a:prstGeom>
+          <a:noFill/>
+        </p:spPr>
+        <p:txBody>
+          <a:bodyPr wrap="none" rtlCol="0">
+            <a:spAutoFit/>
+          </a:bodyPr>
+          <a:lstStyle/>
+          <a:p>
+            <a:r>
+              <a:rPr lang="zh-CN" altLang="en-US" dirty="0" smtClean="0"/>
+              <a:t>反键</a:t>
+            </a:r>
+            <a:endParaRPr lang="zh-CN" altLang="en-US" dirty="0"/>
+          </a:p>
+        </p:txBody>
+      </p:sp>
+      <p:sp>
+        <p:nvSpPr>
+          <p:cNvPr id="29" name="文本框 28"/>
+          <p:cNvSpPr txBox="1"/>
+          <p:nvPr/>
+        </p:nvSpPr>
+        <p:spPr>
+          <a:xfrm>
+            <a:off x="6363960" y="5347730"/>
+            <a:ext cx="646331" cy="369332"/>
+          </a:xfrm>
+          <a:prstGeom prst="rect">
+            <a:avLst/>
+          </a:prstGeom>
+          <a:noFill/>
+        </p:spPr>
+        <p:txBody>
+          <a:bodyPr wrap="none" rtlCol="0">
+            <a:spAutoFit/>
+          </a:bodyPr>
+          <a:lstStyle/>
+          <a:p>
+            <a:r>
+              <a:rPr lang="zh-CN" altLang="en-US" dirty="0"/>
+              <a:t>成</a:t>
+            </a:r>
+            <a:r>
+              <a:rPr lang="zh-CN" altLang="en-US" dirty="0" smtClean="0"/>
+              <a:t>键</a:t>
+            </a:r>
+            <a:endParaRPr lang="zh-CN" altLang="en-US" dirty="0"/>
+          </a:p>
+        </p:txBody>
+      </p:sp>
+      <p:sp>
+        <p:nvSpPr>
+          <p:cNvPr id="30" name="文本框 29"/>
+          <p:cNvSpPr txBox="1"/>
+          <p:nvPr/>
+        </p:nvSpPr>
+        <p:spPr>
+          <a:xfrm>
+            <a:off x="979054" y="583685"/>
+            <a:ext cx="417102" cy="584775"/>
+          </a:xfrm>
+          <a:prstGeom prst="rect">
+            <a:avLst/>
+          </a:prstGeom>
+          <a:noFill/>
+        </p:spPr>
+        <p:txBody>
+          <a:bodyPr wrap="none" rtlCol="0">
+            <a:spAutoFit/>
+          </a:bodyPr>
+          <a:lstStyle/>
+          <a:p>
+            <a:r>
+              <a:rPr lang="el-GR" altLang="zh-CN" sz="3200" dirty="0"/>
+              <a:t>σ</a:t>
+            </a:r>
+            <a:endParaRPr lang="zh-CN" altLang="en-US" sz="3200" dirty="0"/>
+          </a:p>
+        </p:txBody>
+      </p:sp>
+      <p:sp>
+        <p:nvSpPr>
+          <p:cNvPr id="31" name="文本框 30"/>
+          <p:cNvSpPr txBox="1"/>
+          <p:nvPr/>
+        </p:nvSpPr>
+        <p:spPr>
+          <a:xfrm>
+            <a:off x="979054" y="3682485"/>
+            <a:ext cx="439544" cy="584775"/>
+          </a:xfrm>
+          <a:prstGeom prst="rect">
+            <a:avLst/>
+          </a:prstGeom>
+          <a:noFill/>
+        </p:spPr>
+        <p:txBody>
+          <a:bodyPr wrap="none" rtlCol="0">
+            <a:spAutoFit/>
+          </a:bodyPr>
+          <a:lstStyle/>
+          <a:p>
+            <a:r>
+              <a:rPr lang="el-GR" altLang="zh-CN" sz="3200" dirty="0"/>
+              <a:t>π</a:t>
+            </a:r>
+            <a:endParaRPr lang="zh-CN" altLang="en-US" sz="3200" dirty="0"/>
+          </a:p>
+        </p:txBody>
+      </p:sp>
+      <p:sp>
+        <p:nvSpPr>
+          <p:cNvPr id="32" name="椭圆 31"/>
+          <p:cNvSpPr/>
+          <p:nvPr/>
+        </p:nvSpPr>
+        <p:spPr>
+          <a:xfrm>
+            <a:off x="2429165" y="1784928"/>
+            <a:ext cx="475672" cy="475672"/>
+          </a:xfrm>
+          <a:prstGeom prst="ellipse">
+            <a:avLst/>
+          </a:prstGeom>
+        </p:spPr>
+        <p:style>
+          <a:lnRef idx="2">
+            <a:schemeClr val="accent1">
+              <a:shade val="50000"/>
+            </a:schemeClr>
+          </a:lnRef>
+          <a:fillRef idx="1">
+            <a:schemeClr val="accent1"/>
+          </a:fillRef>
+          <a:effectRef idx="0">
+            <a:schemeClr val="accent1"/>
+          </a:effectRef>
+          <a:fontRef idx="minor">
+            <a:schemeClr val="lt1"/>
+          </a:fontRef>
+        </p:style>
+        <p:txBody>
+          <a:bodyPr rtlCol="0" anchor="ctr"/>
+          <a:lstStyle/>
+          <a:p>
+            <a:pPr algn="ctr"/>
+            <a:endParaRPr lang="zh-CN" altLang="en-US"/>
+          </a:p>
+        </p:txBody>
+      </p:sp>
+      <p:sp>
+        <p:nvSpPr>
+          <p:cNvPr id="33" name="文本框 32"/>
+          <p:cNvSpPr txBox="1"/>
+          <p:nvPr/>
+        </p:nvSpPr>
+        <p:spPr>
+          <a:xfrm>
+            <a:off x="1717794" y="1713606"/>
+            <a:ext cx="330540" cy="523220"/>
+          </a:xfrm>
+          <a:prstGeom prst="rect">
+            <a:avLst/>
+          </a:prstGeom>
+          <a:noFill/>
+        </p:spPr>
+        <p:txBody>
+          <a:bodyPr wrap="none" rtlCol="0">
+            <a:spAutoFit/>
+          </a:bodyPr>
+          <a:lstStyle/>
+          <a:p>
+            <a:r>
+              <a:rPr lang="en-US" altLang="zh-CN" sz="2800" dirty="0" smtClean="0"/>
+              <a:t>s</a:t>
+            </a:r>
+            <a:endParaRPr lang="zh-CN" altLang="en-US" sz="2800" dirty="0"/>
+          </a:p>
+        </p:txBody>
+      </p:sp>
+      <p:sp>
+        <p:nvSpPr>
+          <p:cNvPr id="34" name="文本框 33"/>
+          <p:cNvSpPr txBox="1"/>
+          <p:nvPr/>
+        </p:nvSpPr>
+        <p:spPr>
+          <a:xfrm>
+            <a:off x="9573495" y="1687945"/>
+            <a:ext cx="391454" cy="523220"/>
+          </a:xfrm>
+          <a:prstGeom prst="rect">
+            <a:avLst/>
+          </a:prstGeom>
+          <a:noFill/>
+        </p:spPr>
+        <p:txBody>
+          <a:bodyPr wrap="none" rtlCol="0">
+            <a:spAutoFit/>
+          </a:bodyPr>
+          <a:lstStyle/>
+          <a:p>
+            <a:r>
+              <a:rPr lang="en-US" altLang="zh-CN" sz="2800" dirty="0"/>
+              <a:t>p</a:t>
+            </a:r>
+            <a:endParaRPr lang="zh-CN" altLang="en-US" sz="2800" dirty="0"/>
+          </a:p>
+        </p:txBody>
+      </p:sp>
+      <p:sp>
+        <p:nvSpPr>
+          <p:cNvPr id="36" name="椭圆 35"/>
+          <p:cNvSpPr/>
+          <p:nvPr/>
+        </p:nvSpPr>
+        <p:spPr>
+          <a:xfrm>
+            <a:off x="4548908" y="2636798"/>
+            <a:ext cx="1089891" cy="457324"/>
+          </a:xfrm>
+          <a:prstGeom prst="ellipse">
+            <a:avLst/>
+          </a:prstGeom>
+        </p:spPr>
+        <p:style>
+          <a:lnRef idx="2">
+            <a:schemeClr val="accent1">
+              <a:shade val="50000"/>
+            </a:schemeClr>
+          </a:lnRef>
+          <a:fillRef idx="1">
+            <a:schemeClr val="accent1"/>
+          </a:fillRef>
+          <a:effectRef idx="0">
+            <a:schemeClr val="accent1"/>
+          </a:effectRef>
+          <a:fontRef idx="minor">
+            <a:schemeClr val="lt1"/>
+          </a:fontRef>
+        </p:style>
+        <p:txBody>
+          <a:bodyPr rtlCol="0" anchor="ctr"/>
+          <a:lstStyle/>
+          <a:p>
+            <a:pPr algn="ctr"/>
+            <a:endParaRPr lang="zh-CN" altLang="en-US"/>
+          </a:p>
+        </p:txBody>
+      </p:sp>
+      <p:sp>
+        <p:nvSpPr>
+          <p:cNvPr id="2" name="椭圆 1"/>
+          <p:cNvSpPr/>
+          <p:nvPr/>
+        </p:nvSpPr>
+        <p:spPr>
+          <a:xfrm>
+            <a:off x="5781962" y="838643"/>
+            <a:ext cx="374074" cy="252165"/>
+          </a:xfrm>
+          <a:prstGeom prst="ellipse">
+            <a:avLst/>
+          </a:prstGeom>
+        </p:spPr>
+        <p:style>
+          <a:lnRef idx="2">
+            <a:schemeClr val="accent1">
+              <a:shade val="50000"/>
+            </a:schemeClr>
+          </a:lnRef>
+          <a:fillRef idx="1">
+            <a:schemeClr val="accent1"/>
+          </a:fillRef>
+          <a:effectRef idx="0">
+            <a:schemeClr val="accent1"/>
+          </a:effectRef>
+          <a:fontRef idx="minor">
+            <a:schemeClr val="lt1"/>
+          </a:fontRef>
+        </p:style>
+        <p:txBody>
+          <a:bodyPr rtlCol="0" anchor="ctr"/>
+          <a:lstStyle/>
+          <a:p>
+            <a:pPr algn="ctr"/>
+            <a:endParaRPr lang="zh-CN" altLang="en-US"/>
+          </a:p>
+        </p:txBody>
+      </p:sp>
+      <p:sp>
+        <p:nvSpPr>
+          <p:cNvPr id="39" name="椭圆 38"/>
+          <p:cNvSpPr/>
+          <p:nvPr/>
+        </p:nvSpPr>
+        <p:spPr>
+          <a:xfrm>
+            <a:off x="5403269" y="838643"/>
+            <a:ext cx="374074" cy="252165"/>
+          </a:xfrm>
+          <a:prstGeom prst="ellipse">
+            <a:avLst/>
+          </a:prstGeom>
+          <a:solidFill>
+            <a:srgbClr val="FF0000"/>
+          </a:solidFill>
+        </p:spPr>
+        <p:style>
+          <a:lnRef idx="2">
+            <a:schemeClr val="accent1">
+              <a:shade val="50000"/>
+            </a:schemeClr>
+          </a:lnRef>
+          <a:fillRef idx="1">
+            <a:schemeClr val="accent1"/>
+          </a:fillRef>
+          <a:effectRef idx="0">
+            <a:schemeClr val="accent1"/>
+          </a:effectRef>
+          <a:fontRef idx="minor">
+            <a:schemeClr val="lt1"/>
+          </a:fontRef>
+        </p:style>
+        <p:txBody>
+          <a:bodyPr rtlCol="0" anchor="ctr"/>
+          <a:lstStyle/>
+          <a:p>
+            <a:pPr algn="ctr"/>
+            <a:endParaRPr lang="zh-CN" altLang="en-US"/>
+          </a:p>
+        </p:txBody>
+      </p:sp>
+      <p:sp>
+        <p:nvSpPr>
+          <p:cNvPr id="40" name="椭圆 39"/>
+          <p:cNvSpPr/>
+          <p:nvPr/>
+        </p:nvSpPr>
+        <p:spPr>
+          <a:xfrm>
+            <a:off x="5638799" y="2680668"/>
+            <a:ext cx="517237" cy="348672"/>
+          </a:xfrm>
+          <a:prstGeom prst="ellipse">
+            <a:avLst/>
+          </a:prstGeom>
+          <a:solidFill>
+            <a:srgbClr val="FF0000"/>
+          </a:solidFill>
+        </p:spPr>
+        <p:style>
+          <a:lnRef idx="2">
+            <a:schemeClr val="accent1">
+              <a:shade val="50000"/>
+            </a:schemeClr>
+          </a:lnRef>
+          <a:fillRef idx="1">
+            <a:schemeClr val="accent1"/>
+          </a:fillRef>
+          <a:effectRef idx="0">
+            <a:schemeClr val="accent1"/>
+          </a:effectRef>
+          <a:fontRef idx="minor">
+            <a:schemeClr val="lt1"/>
+          </a:fontRef>
+        </p:style>
+        <p:txBody>
+          <a:bodyPr rtlCol="0" anchor="ctr"/>
+          <a:lstStyle/>
+          <a:p>
+            <a:pPr algn="ctr"/>
+            <a:endParaRPr lang="zh-CN" altLang="en-US"/>
+          </a:p>
+        </p:txBody>
+      </p:sp>
+      <p:sp>
+        <p:nvSpPr>
+          <p:cNvPr id="41" name="椭圆 40"/>
+          <p:cNvSpPr/>
+          <p:nvPr/>
+        </p:nvSpPr>
+        <p:spPr>
+          <a:xfrm>
+            <a:off x="4708235" y="758359"/>
+            <a:ext cx="385618" cy="385618"/>
+          </a:xfrm>
+          <a:prstGeom prst="ellipse">
+            <a:avLst/>
+          </a:prstGeom>
+        </p:spPr>
+        <p:style>
+          <a:lnRef idx="2">
+            <a:schemeClr val="accent1">
+              <a:shade val="50000"/>
+            </a:schemeClr>
+          </a:lnRef>
+          <a:fillRef idx="1">
+            <a:schemeClr val="accent1"/>
+          </a:fillRef>
+          <a:effectRef idx="0">
+            <a:schemeClr val="accent1"/>
+          </a:effectRef>
+          <a:fontRef idx="minor">
+            <a:schemeClr val="lt1"/>
+          </a:fontRef>
+        </p:style>
+        <p:txBody>
+          <a:bodyPr rtlCol="0" anchor="ctr"/>
+          <a:lstStyle/>
+          <a:p>
+            <a:pPr algn="ctr"/>
+            <a:endParaRPr lang="zh-CN" altLang="en-US"/>
+          </a:p>
+        </p:txBody>
+      </p:sp>
+      <p:sp>
+        <p:nvSpPr>
+          <p:cNvPr id="42" name="椭圆 41"/>
+          <p:cNvSpPr/>
+          <p:nvPr/>
+        </p:nvSpPr>
+        <p:spPr>
+          <a:xfrm>
+            <a:off x="7805889" y="1848110"/>
+            <a:ext cx="611908" cy="412490"/>
+          </a:xfrm>
+          <a:prstGeom prst="ellipse">
+            <a:avLst/>
+          </a:prstGeom>
+        </p:spPr>
+        <p:style>
+          <a:lnRef idx="2">
+            <a:schemeClr val="accent1">
+              <a:shade val="50000"/>
+            </a:schemeClr>
+          </a:lnRef>
+          <a:fillRef idx="1">
+            <a:schemeClr val="accent1"/>
+          </a:fillRef>
+          <a:effectRef idx="0">
+            <a:schemeClr val="accent1"/>
+          </a:effectRef>
+          <a:fontRef idx="minor">
+            <a:schemeClr val="lt1"/>
+          </a:fontRef>
+        </p:style>
+        <p:txBody>
+          <a:bodyPr rtlCol="0" anchor="ctr"/>
+          <a:lstStyle/>
+          <a:p>
+            <a:pPr algn="ctr"/>
+            <a:endParaRPr lang="zh-CN" altLang="en-US"/>
+          </a:p>
+        </p:txBody>
+      </p:sp>
+      <p:sp>
+        <p:nvSpPr>
+          <p:cNvPr id="43" name="椭圆 42"/>
+          <p:cNvSpPr/>
+          <p:nvPr/>
+        </p:nvSpPr>
+        <p:spPr>
+          <a:xfrm>
+            <a:off x="8417797" y="1824336"/>
+            <a:ext cx="611908" cy="412490"/>
+          </a:xfrm>
+          <a:prstGeom prst="ellipse">
+            <a:avLst/>
+          </a:prstGeom>
+          <a:solidFill>
+            <a:srgbClr val="FF0000"/>
+          </a:solidFill>
+        </p:spPr>
+        <p:style>
+          <a:lnRef idx="2">
+            <a:schemeClr val="accent1">
+              <a:shade val="50000"/>
+            </a:schemeClr>
+          </a:lnRef>
+          <a:fillRef idx="1">
+            <a:schemeClr val="accent1"/>
+          </a:fillRef>
+          <a:effectRef idx="0">
+            <a:schemeClr val="accent1"/>
+          </a:effectRef>
+          <a:fontRef idx="minor">
+            <a:schemeClr val="lt1"/>
+          </a:fontRef>
+        </p:style>
+        <p:txBody>
+          <a:bodyPr rtlCol="0" anchor="ctr"/>
+          <a:lstStyle/>
+          <a:p>
+            <a:pPr algn="ctr"/>
+            <a:endParaRPr lang="zh-CN" altLang="en-US"/>
+          </a:p>
+        </p:txBody>
+      </p:sp>
+    </p:spTree>
+    <p:extLst>
+      <p:ext uri="{BB962C8B-B14F-4D97-AF65-F5344CB8AC3E}">
+        <p14:creationId xmlns:p14="http://schemas.microsoft.com/office/powerpoint/2010/main" val="2044269592"/>
+      </p:ext>
+    </p:extLst>
+  </p:cSld>
+  <p:clrMapOvr>
+    <a:masterClrMapping/>
+  </p:clrMapOvr>
+</p:sld>
+</file>
+
+<file path=ppt/slides/slide4.xml><?xml version="1.0" encoding="utf-8"?>
+<p:sld xmlns:a="http://schemas.openxmlformats.org/drawingml/2006/main" xmlns:r="http://schemas.openxmlformats.org/officeDocument/2006/relationships" xmlns:p="http://schemas.openxmlformats.org/presentationml/2006/main">
+  <p:cSld>
+    <p:spTree>
+      <p:nvGrpSpPr>
+        <p:cNvPr id="1" name=""/>
+        <p:cNvGrpSpPr/>
+        <p:nvPr/>
+      </p:nvGrpSpPr>
+      <p:grpSpPr>
+        <a:xfrm>
+          <a:off x="0" y="0"/>
+          <a:ext cx="0" cy="0"/>
+          <a:chOff x="0" y="0"/>
+          <a:chExt cx="0" cy="0"/>
+        </a:xfrm>
+      </p:grpSpPr>
+      <p:cxnSp>
+        <p:nvCxnSpPr>
+          <p:cNvPr id="5" name="直接连接符 4"/>
+          <p:cNvCxnSpPr/>
+          <p:nvPr/>
+        </p:nvCxnSpPr>
+        <p:spPr>
+          <a:xfrm>
+            <a:off x="3195782" y="2022764"/>
+            <a:ext cx="692728" cy="0"/>
+          </a:xfrm>
+          <a:prstGeom prst="line">
+            <a:avLst/>
+          </a:prstGeom>
+          <a:ln w="28575">
+            <a:solidFill>
+              <a:schemeClr val="tx1"/>
+            </a:solidFill>
+          </a:ln>
+        </p:spPr>
+        <p:style>
+          <a:lnRef idx="1">
+            <a:schemeClr val="accent1"/>
+          </a:lnRef>
+          <a:fillRef idx="0">
+            <a:schemeClr val="accent1"/>
+          </a:fillRef>
+          <a:effectRef idx="0">
+            <a:schemeClr val="accent1"/>
+          </a:effectRef>
+          <a:fontRef idx="minor">
+            <a:schemeClr val="tx1"/>
+          </a:fontRef>
+        </p:style>
+      </p:cxnSp>
+      <p:cxnSp>
+        <p:nvCxnSpPr>
+          <p:cNvPr id="6" name="直接连接符 5"/>
+          <p:cNvCxnSpPr/>
+          <p:nvPr/>
+        </p:nvCxnSpPr>
+        <p:spPr>
+          <a:xfrm>
+            <a:off x="6627091" y="2022764"/>
+            <a:ext cx="692728" cy="0"/>
+          </a:xfrm>
+          <a:prstGeom prst="line">
+            <a:avLst/>
+          </a:prstGeom>
+          <a:ln w="28575">
+            <a:solidFill>
+              <a:schemeClr val="tx1"/>
+            </a:solidFill>
+          </a:ln>
+        </p:spPr>
+        <p:style>
+          <a:lnRef idx="1">
+            <a:schemeClr val="accent1"/>
+          </a:lnRef>
+          <a:fillRef idx="0">
+            <a:schemeClr val="accent1"/>
+          </a:fillRef>
+          <a:effectRef idx="0">
+            <a:schemeClr val="accent1"/>
+          </a:effectRef>
+          <a:fontRef idx="minor">
+            <a:schemeClr val="tx1"/>
+          </a:fontRef>
+        </p:style>
+      </p:cxnSp>
+      <p:cxnSp>
+        <p:nvCxnSpPr>
+          <p:cNvPr id="7" name="直接连接符 6"/>
+          <p:cNvCxnSpPr/>
+          <p:nvPr/>
+        </p:nvCxnSpPr>
+        <p:spPr>
+          <a:xfrm>
+            <a:off x="4655127" y="1353127"/>
+            <a:ext cx="1265382" cy="0"/>
+          </a:xfrm>
+          <a:prstGeom prst="line">
+            <a:avLst/>
+          </a:prstGeom>
+          <a:ln w="28575">
+            <a:solidFill>
+              <a:schemeClr val="tx1"/>
+            </a:solidFill>
+          </a:ln>
+        </p:spPr>
+        <p:style>
+          <a:lnRef idx="1">
+            <a:schemeClr val="accent1"/>
+          </a:lnRef>
+          <a:fillRef idx="0">
+            <a:schemeClr val="accent1"/>
+          </a:fillRef>
+          <a:effectRef idx="0">
+            <a:schemeClr val="accent1"/>
+          </a:effectRef>
+          <a:fontRef idx="minor">
+            <a:schemeClr val="tx1"/>
+          </a:fontRef>
+        </p:style>
+      </p:cxnSp>
+      <p:cxnSp>
+        <p:nvCxnSpPr>
+          <p:cNvPr id="9" name="直接连接符 8"/>
+          <p:cNvCxnSpPr/>
+          <p:nvPr/>
+        </p:nvCxnSpPr>
+        <p:spPr>
+          <a:xfrm>
+            <a:off x="4655127" y="2567709"/>
+            <a:ext cx="1265382" cy="0"/>
+          </a:xfrm>
+          <a:prstGeom prst="line">
+            <a:avLst/>
+          </a:prstGeom>
+          <a:ln w="28575">
+            <a:solidFill>
+              <a:schemeClr val="tx1"/>
+            </a:solidFill>
+          </a:ln>
+        </p:spPr>
+        <p:style>
+          <a:lnRef idx="1">
+            <a:schemeClr val="accent1"/>
+          </a:lnRef>
+          <a:fillRef idx="0">
+            <a:schemeClr val="accent1"/>
+          </a:fillRef>
+          <a:effectRef idx="0">
+            <a:schemeClr val="accent1"/>
+          </a:effectRef>
+          <a:fontRef idx="minor">
+            <a:schemeClr val="tx1"/>
+          </a:fontRef>
+        </p:style>
+      </p:cxnSp>
+      <p:cxnSp>
+        <p:nvCxnSpPr>
+          <p:cNvPr id="11" name="直接连接符 10"/>
+          <p:cNvCxnSpPr/>
+          <p:nvPr/>
+        </p:nvCxnSpPr>
+        <p:spPr>
+          <a:xfrm flipV="1">
+            <a:off x="3888510" y="1353127"/>
+            <a:ext cx="766617" cy="669637"/>
+          </a:xfrm>
+          <a:prstGeom prst="line">
+            <a:avLst/>
+          </a:prstGeom>
+          <a:ln w="28575">
+            <a:solidFill>
+              <a:schemeClr val="tx1"/>
+            </a:solidFill>
+            <a:prstDash val="dash"/>
+          </a:ln>
+        </p:spPr>
+        <p:style>
+          <a:lnRef idx="1">
+            <a:schemeClr val="accent1"/>
+          </a:lnRef>
+          <a:fillRef idx="0">
+            <a:schemeClr val="accent1"/>
+          </a:fillRef>
+          <a:effectRef idx="0">
+            <a:schemeClr val="accent1"/>
+          </a:effectRef>
+          <a:fontRef idx="minor">
+            <a:schemeClr val="tx1"/>
+          </a:fontRef>
+        </p:style>
+      </p:cxnSp>
+      <p:cxnSp>
+        <p:nvCxnSpPr>
+          <p:cNvPr id="13" name="直接连接符 12"/>
+          <p:cNvCxnSpPr/>
+          <p:nvPr/>
+        </p:nvCxnSpPr>
+        <p:spPr>
+          <a:xfrm>
+            <a:off x="3888510" y="2022764"/>
+            <a:ext cx="766617" cy="544945"/>
+          </a:xfrm>
+          <a:prstGeom prst="line">
+            <a:avLst/>
+          </a:prstGeom>
+          <a:ln w="28575">
+            <a:solidFill>
+              <a:schemeClr val="tx1"/>
+            </a:solidFill>
+            <a:prstDash val="dash"/>
+          </a:ln>
+        </p:spPr>
+        <p:style>
+          <a:lnRef idx="1">
+            <a:schemeClr val="accent1"/>
+          </a:lnRef>
+          <a:fillRef idx="0">
+            <a:schemeClr val="accent1"/>
+          </a:fillRef>
+          <a:effectRef idx="0">
+            <a:schemeClr val="accent1"/>
+          </a:effectRef>
+          <a:fontRef idx="minor">
+            <a:schemeClr val="tx1"/>
+          </a:fontRef>
+        </p:style>
+      </p:cxnSp>
+      <p:cxnSp>
+        <p:nvCxnSpPr>
+          <p:cNvPr id="15" name="直接连接符 14"/>
+          <p:cNvCxnSpPr/>
+          <p:nvPr/>
+        </p:nvCxnSpPr>
+        <p:spPr>
+          <a:xfrm flipV="1">
+            <a:off x="5920509" y="2022764"/>
+            <a:ext cx="706582" cy="544945"/>
+          </a:xfrm>
+          <a:prstGeom prst="line">
+            <a:avLst/>
+          </a:prstGeom>
+          <a:ln w="28575">
+            <a:solidFill>
+              <a:schemeClr val="tx1"/>
+            </a:solidFill>
+            <a:prstDash val="dash"/>
+          </a:ln>
+        </p:spPr>
+        <p:style>
+          <a:lnRef idx="1">
+            <a:schemeClr val="accent1"/>
+          </a:lnRef>
+          <a:fillRef idx="0">
+            <a:schemeClr val="accent1"/>
+          </a:fillRef>
+          <a:effectRef idx="0">
+            <a:schemeClr val="accent1"/>
+          </a:effectRef>
+          <a:fontRef idx="minor">
+            <a:schemeClr val="tx1"/>
+          </a:fontRef>
+        </p:style>
+      </p:cxnSp>
+      <p:cxnSp>
+        <p:nvCxnSpPr>
+          <p:cNvPr id="17" name="直接连接符 16"/>
+          <p:cNvCxnSpPr/>
+          <p:nvPr/>
+        </p:nvCxnSpPr>
+        <p:spPr>
+          <a:xfrm>
+            <a:off x="5920509" y="1353127"/>
+            <a:ext cx="706582" cy="669637"/>
+          </a:xfrm>
+          <a:prstGeom prst="line">
+            <a:avLst/>
+          </a:prstGeom>
+          <a:ln w="28575">
+            <a:solidFill>
+              <a:schemeClr val="tx1"/>
+            </a:solidFill>
+            <a:prstDash val="dash"/>
+          </a:ln>
+        </p:spPr>
+        <p:style>
+          <a:lnRef idx="1">
+            <a:schemeClr val="accent1"/>
+          </a:lnRef>
+          <a:fillRef idx="0">
+            <a:schemeClr val="accent1"/>
+          </a:fillRef>
+          <a:effectRef idx="0">
+            <a:schemeClr val="accent1"/>
+          </a:effectRef>
+          <a:fontRef idx="minor">
+            <a:schemeClr val="tx1"/>
+          </a:fontRef>
+        </p:style>
+      </p:cxnSp>
+      <p:sp>
+        <p:nvSpPr>
+          <p:cNvPr id="18" name="文本框 17"/>
+          <p:cNvSpPr txBox="1"/>
+          <p:nvPr/>
+        </p:nvSpPr>
+        <p:spPr>
+          <a:xfrm>
+            <a:off x="6363960" y="1168460"/>
+            <a:ext cx="646331" cy="369332"/>
+          </a:xfrm>
+          <a:prstGeom prst="rect">
+            <a:avLst/>
+          </a:prstGeom>
+          <a:noFill/>
+        </p:spPr>
+        <p:txBody>
+          <a:bodyPr wrap="none" rtlCol="0">
+            <a:spAutoFit/>
+          </a:bodyPr>
+          <a:lstStyle/>
+          <a:p>
+            <a:r>
+              <a:rPr lang="zh-CN" altLang="en-US" dirty="0" smtClean="0"/>
+              <a:t>反键</a:t>
+            </a:r>
+            <a:endParaRPr lang="zh-CN" altLang="en-US" dirty="0"/>
+          </a:p>
+        </p:txBody>
+      </p:sp>
+      <p:sp>
+        <p:nvSpPr>
+          <p:cNvPr id="19" name="文本框 18"/>
+          <p:cNvSpPr txBox="1"/>
+          <p:nvPr/>
+        </p:nvSpPr>
+        <p:spPr>
+          <a:xfrm>
+            <a:off x="6363960" y="2359889"/>
+            <a:ext cx="646331" cy="369332"/>
+          </a:xfrm>
+          <a:prstGeom prst="rect">
+            <a:avLst/>
+          </a:prstGeom>
+          <a:noFill/>
+        </p:spPr>
+        <p:txBody>
+          <a:bodyPr wrap="none" rtlCol="0">
+            <a:spAutoFit/>
+          </a:bodyPr>
+          <a:lstStyle/>
+          <a:p>
+            <a:r>
+              <a:rPr lang="zh-CN" altLang="en-US" dirty="0"/>
+              <a:t>成</a:t>
+            </a:r>
+            <a:r>
+              <a:rPr lang="zh-CN" altLang="en-US" dirty="0" smtClean="0"/>
+              <a:t>键</a:t>
+            </a:r>
+            <a:endParaRPr lang="zh-CN" altLang="en-US" dirty="0"/>
+          </a:p>
+        </p:txBody>
+      </p:sp>
+      <p:cxnSp>
+        <p:nvCxnSpPr>
+          <p:cNvPr id="20" name="直接连接符 19"/>
+          <p:cNvCxnSpPr/>
+          <p:nvPr/>
+        </p:nvCxnSpPr>
+        <p:spPr>
+          <a:xfrm>
+            <a:off x="3195782" y="5010605"/>
+            <a:ext cx="692728" cy="0"/>
+          </a:xfrm>
+          <a:prstGeom prst="line">
+            <a:avLst/>
+          </a:prstGeom>
+          <a:ln w="28575">
+            <a:solidFill>
+              <a:schemeClr val="tx1"/>
+            </a:solidFill>
+          </a:ln>
+        </p:spPr>
+        <p:style>
+          <a:lnRef idx="1">
+            <a:schemeClr val="accent1"/>
+          </a:lnRef>
+          <a:fillRef idx="0">
+            <a:schemeClr val="accent1"/>
+          </a:fillRef>
+          <a:effectRef idx="0">
+            <a:schemeClr val="accent1"/>
+          </a:effectRef>
+          <a:fontRef idx="minor">
+            <a:schemeClr val="tx1"/>
+          </a:fontRef>
+        </p:style>
+      </p:cxnSp>
+      <p:cxnSp>
+        <p:nvCxnSpPr>
+          <p:cNvPr id="21" name="直接连接符 20"/>
+          <p:cNvCxnSpPr/>
+          <p:nvPr/>
+        </p:nvCxnSpPr>
+        <p:spPr>
+          <a:xfrm>
+            <a:off x="6627091" y="5010605"/>
+            <a:ext cx="692728" cy="0"/>
+          </a:xfrm>
+          <a:prstGeom prst="line">
+            <a:avLst/>
+          </a:prstGeom>
+          <a:ln w="28575">
+            <a:solidFill>
+              <a:schemeClr val="tx1"/>
+            </a:solidFill>
+          </a:ln>
+        </p:spPr>
+        <p:style>
+          <a:lnRef idx="1">
+            <a:schemeClr val="accent1"/>
+          </a:lnRef>
+          <a:fillRef idx="0">
+            <a:schemeClr val="accent1"/>
+          </a:fillRef>
+          <a:effectRef idx="0">
+            <a:schemeClr val="accent1"/>
+          </a:effectRef>
+          <a:fontRef idx="minor">
+            <a:schemeClr val="tx1"/>
+          </a:fontRef>
+        </p:style>
+      </p:cxnSp>
+      <p:cxnSp>
+        <p:nvCxnSpPr>
+          <p:cNvPr id="22" name="直接连接符 21"/>
+          <p:cNvCxnSpPr/>
+          <p:nvPr/>
+        </p:nvCxnSpPr>
+        <p:spPr>
+          <a:xfrm>
+            <a:off x="4655127" y="4340968"/>
+            <a:ext cx="1265382" cy="0"/>
+          </a:xfrm>
+          <a:prstGeom prst="line">
+            <a:avLst/>
+          </a:prstGeom>
+          <a:ln w="28575">
+            <a:solidFill>
+              <a:schemeClr val="tx1"/>
+            </a:solidFill>
+          </a:ln>
+        </p:spPr>
+        <p:style>
+          <a:lnRef idx="1">
+            <a:schemeClr val="accent1"/>
+          </a:lnRef>
+          <a:fillRef idx="0">
+            <a:schemeClr val="accent1"/>
+          </a:fillRef>
+          <a:effectRef idx="0">
+            <a:schemeClr val="accent1"/>
+          </a:effectRef>
+          <a:fontRef idx="minor">
+            <a:schemeClr val="tx1"/>
+          </a:fontRef>
+        </p:style>
+      </p:cxnSp>
+      <p:cxnSp>
+        <p:nvCxnSpPr>
+          <p:cNvPr id="23" name="直接连接符 22"/>
+          <p:cNvCxnSpPr/>
+          <p:nvPr/>
+        </p:nvCxnSpPr>
+        <p:spPr>
+          <a:xfrm>
+            <a:off x="4655127" y="5555550"/>
+            <a:ext cx="1265382" cy="0"/>
+          </a:xfrm>
+          <a:prstGeom prst="line">
+            <a:avLst/>
+          </a:prstGeom>
+          <a:ln w="28575">
+            <a:solidFill>
+              <a:schemeClr val="tx1"/>
+            </a:solidFill>
+          </a:ln>
+        </p:spPr>
+        <p:style>
+          <a:lnRef idx="1">
+            <a:schemeClr val="accent1"/>
+          </a:lnRef>
+          <a:fillRef idx="0">
+            <a:schemeClr val="accent1"/>
+          </a:fillRef>
+          <a:effectRef idx="0">
+            <a:schemeClr val="accent1"/>
+          </a:effectRef>
+          <a:fontRef idx="minor">
+            <a:schemeClr val="tx1"/>
+          </a:fontRef>
+        </p:style>
+      </p:cxnSp>
+      <p:cxnSp>
+        <p:nvCxnSpPr>
+          <p:cNvPr id="24" name="直接连接符 23"/>
+          <p:cNvCxnSpPr/>
+          <p:nvPr/>
+        </p:nvCxnSpPr>
+        <p:spPr>
+          <a:xfrm flipV="1">
+            <a:off x="3888510" y="4340968"/>
+            <a:ext cx="766617" cy="669637"/>
+          </a:xfrm>
+          <a:prstGeom prst="line">
+            <a:avLst/>
+          </a:prstGeom>
+          <a:ln w="28575">
+            <a:solidFill>
+              <a:schemeClr val="tx1"/>
+            </a:solidFill>
+            <a:prstDash val="dash"/>
+          </a:ln>
+        </p:spPr>
+        <p:style>
+          <a:lnRef idx="1">
+            <a:schemeClr val="accent1"/>
+          </a:lnRef>
+          <a:fillRef idx="0">
+            <a:schemeClr val="accent1"/>
+          </a:fillRef>
+          <a:effectRef idx="0">
+            <a:schemeClr val="accent1"/>
+          </a:effectRef>
+          <a:fontRef idx="minor">
+            <a:schemeClr val="tx1"/>
+          </a:fontRef>
+        </p:style>
+      </p:cxnSp>
+      <p:cxnSp>
+        <p:nvCxnSpPr>
+          <p:cNvPr id="25" name="直接连接符 24"/>
+          <p:cNvCxnSpPr/>
+          <p:nvPr/>
+        </p:nvCxnSpPr>
+        <p:spPr>
+          <a:xfrm>
+            <a:off x="3888510" y="5010605"/>
+            <a:ext cx="766617" cy="544945"/>
+          </a:xfrm>
+          <a:prstGeom prst="line">
+            <a:avLst/>
+          </a:prstGeom>
+          <a:ln w="28575">
+            <a:solidFill>
+              <a:schemeClr val="tx1"/>
+            </a:solidFill>
+            <a:prstDash val="dash"/>
+          </a:ln>
+        </p:spPr>
+        <p:style>
+          <a:lnRef idx="1">
+            <a:schemeClr val="accent1"/>
+          </a:lnRef>
+          <a:fillRef idx="0">
+            <a:schemeClr val="accent1"/>
+          </a:fillRef>
+          <a:effectRef idx="0">
+            <a:schemeClr val="accent1"/>
+          </a:effectRef>
+          <a:fontRef idx="minor">
+            <a:schemeClr val="tx1"/>
+          </a:fontRef>
+        </p:style>
+      </p:cxnSp>
+      <p:cxnSp>
+        <p:nvCxnSpPr>
+          <p:cNvPr id="26" name="直接连接符 25"/>
+          <p:cNvCxnSpPr/>
+          <p:nvPr/>
+        </p:nvCxnSpPr>
+        <p:spPr>
+          <a:xfrm flipV="1">
+            <a:off x="5920509" y="5010605"/>
+            <a:ext cx="706582" cy="544945"/>
+          </a:xfrm>
+          <a:prstGeom prst="line">
+            <a:avLst/>
+          </a:prstGeom>
+          <a:ln w="28575">
+            <a:solidFill>
+              <a:schemeClr val="tx1"/>
+            </a:solidFill>
+            <a:prstDash val="dash"/>
+          </a:ln>
+        </p:spPr>
+        <p:style>
+          <a:lnRef idx="1">
+            <a:schemeClr val="accent1"/>
+          </a:lnRef>
+          <a:fillRef idx="0">
+            <a:schemeClr val="accent1"/>
+          </a:fillRef>
+          <a:effectRef idx="0">
+            <a:schemeClr val="accent1"/>
+          </a:effectRef>
+          <a:fontRef idx="minor">
+            <a:schemeClr val="tx1"/>
+          </a:fontRef>
+        </p:style>
+      </p:cxnSp>
+      <p:cxnSp>
+        <p:nvCxnSpPr>
+          <p:cNvPr id="27" name="直接连接符 26"/>
+          <p:cNvCxnSpPr/>
+          <p:nvPr/>
+        </p:nvCxnSpPr>
+        <p:spPr>
+          <a:xfrm>
+            <a:off x="5920509" y="4340968"/>
+            <a:ext cx="706582" cy="669637"/>
+          </a:xfrm>
+          <a:prstGeom prst="line">
+            <a:avLst/>
+          </a:prstGeom>
+          <a:ln w="28575">
+            <a:solidFill>
+              <a:schemeClr val="tx1"/>
+            </a:solidFill>
+            <a:prstDash val="dash"/>
+          </a:ln>
+        </p:spPr>
+        <p:style>
+          <a:lnRef idx="1">
+            <a:schemeClr val="accent1"/>
+          </a:lnRef>
+          <a:fillRef idx="0">
+            <a:schemeClr val="accent1"/>
+          </a:fillRef>
+          <a:effectRef idx="0">
+            <a:schemeClr val="accent1"/>
+          </a:effectRef>
+          <a:fontRef idx="minor">
+            <a:schemeClr val="tx1"/>
+          </a:fontRef>
+        </p:style>
+      </p:cxnSp>
+      <p:sp>
+        <p:nvSpPr>
+          <p:cNvPr id="28" name="文本框 27"/>
+          <p:cNvSpPr txBox="1"/>
+          <p:nvPr/>
+        </p:nvSpPr>
+        <p:spPr>
+          <a:xfrm>
+            <a:off x="6363960" y="4156301"/>
+            <a:ext cx="646331" cy="369332"/>
+          </a:xfrm>
+          <a:prstGeom prst="rect">
+            <a:avLst/>
+          </a:prstGeom>
+          <a:noFill/>
+        </p:spPr>
+        <p:txBody>
+          <a:bodyPr wrap="none" rtlCol="0">
+            <a:spAutoFit/>
+          </a:bodyPr>
+          <a:lstStyle/>
+          <a:p>
+            <a:r>
+              <a:rPr lang="zh-CN" altLang="en-US" dirty="0" smtClean="0"/>
+              <a:t>反键</a:t>
+            </a:r>
+            <a:endParaRPr lang="zh-CN" altLang="en-US" dirty="0"/>
+          </a:p>
+        </p:txBody>
+      </p:sp>
+      <p:sp>
+        <p:nvSpPr>
+          <p:cNvPr id="29" name="文本框 28"/>
+          <p:cNvSpPr txBox="1"/>
+          <p:nvPr/>
+        </p:nvSpPr>
+        <p:spPr>
+          <a:xfrm>
+            <a:off x="6363960" y="5347730"/>
+            <a:ext cx="646331" cy="369332"/>
+          </a:xfrm>
+          <a:prstGeom prst="rect">
+            <a:avLst/>
+          </a:prstGeom>
+          <a:noFill/>
+        </p:spPr>
+        <p:txBody>
+          <a:bodyPr wrap="none" rtlCol="0">
+            <a:spAutoFit/>
+          </a:bodyPr>
+          <a:lstStyle/>
+          <a:p>
+            <a:r>
+              <a:rPr lang="zh-CN" altLang="en-US" dirty="0"/>
+              <a:t>成</a:t>
+            </a:r>
+            <a:r>
+              <a:rPr lang="zh-CN" altLang="en-US" dirty="0" smtClean="0"/>
+              <a:t>键</a:t>
+            </a:r>
+            <a:endParaRPr lang="zh-CN" altLang="en-US" dirty="0"/>
+          </a:p>
+        </p:txBody>
+      </p:sp>
+      <p:sp>
+        <p:nvSpPr>
+          <p:cNvPr id="30" name="文本框 29"/>
+          <p:cNvSpPr txBox="1"/>
+          <p:nvPr/>
+        </p:nvSpPr>
+        <p:spPr>
+          <a:xfrm>
+            <a:off x="979054" y="583685"/>
+            <a:ext cx="417102" cy="584775"/>
+          </a:xfrm>
+          <a:prstGeom prst="rect">
+            <a:avLst/>
+          </a:prstGeom>
+          <a:noFill/>
+        </p:spPr>
+        <p:txBody>
+          <a:bodyPr wrap="none" rtlCol="0">
+            <a:spAutoFit/>
+          </a:bodyPr>
+          <a:lstStyle/>
+          <a:p>
+            <a:r>
+              <a:rPr lang="el-GR" altLang="zh-CN" sz="3200" dirty="0"/>
+              <a:t>σ</a:t>
+            </a:r>
+            <a:endParaRPr lang="zh-CN" altLang="en-US" sz="3200" dirty="0"/>
+          </a:p>
+        </p:txBody>
+      </p:sp>
+      <p:sp>
+        <p:nvSpPr>
+          <p:cNvPr id="31" name="文本框 30"/>
+          <p:cNvSpPr txBox="1"/>
+          <p:nvPr/>
+        </p:nvSpPr>
+        <p:spPr>
+          <a:xfrm>
+            <a:off x="979054" y="3682485"/>
+            <a:ext cx="439544" cy="584775"/>
+          </a:xfrm>
+          <a:prstGeom prst="rect">
+            <a:avLst/>
+          </a:prstGeom>
+          <a:noFill/>
+        </p:spPr>
+        <p:txBody>
+          <a:bodyPr wrap="none" rtlCol="0">
+            <a:spAutoFit/>
+          </a:bodyPr>
+          <a:lstStyle/>
+          <a:p>
+            <a:r>
+              <a:rPr lang="el-GR" altLang="zh-CN" sz="3200" dirty="0"/>
+              <a:t>π</a:t>
+            </a:r>
+            <a:endParaRPr lang="zh-CN" altLang="en-US" sz="3200" dirty="0"/>
+          </a:p>
+        </p:txBody>
+      </p:sp>
+      <p:sp>
+        <p:nvSpPr>
+          <p:cNvPr id="34" name="文本框 33"/>
+          <p:cNvSpPr txBox="1"/>
+          <p:nvPr/>
+        </p:nvSpPr>
+        <p:spPr>
+          <a:xfrm>
+            <a:off x="9573495" y="1687945"/>
+            <a:ext cx="391454" cy="523220"/>
+          </a:xfrm>
+          <a:prstGeom prst="rect">
+            <a:avLst/>
+          </a:prstGeom>
+          <a:noFill/>
+        </p:spPr>
+        <p:txBody>
+          <a:bodyPr wrap="none" rtlCol="0">
+            <a:spAutoFit/>
+          </a:bodyPr>
+          <a:lstStyle/>
+          <a:p>
+            <a:r>
+              <a:rPr lang="en-US" altLang="zh-CN" sz="2800" dirty="0"/>
+              <a:t>p</a:t>
+            </a:r>
+            <a:endParaRPr lang="zh-CN" altLang="en-US" sz="2800" dirty="0"/>
+          </a:p>
+        </p:txBody>
+      </p:sp>
+      <p:sp>
+        <p:nvSpPr>
+          <p:cNvPr id="36" name="椭圆 35"/>
+          <p:cNvSpPr/>
+          <p:nvPr/>
+        </p:nvSpPr>
+        <p:spPr>
+          <a:xfrm>
+            <a:off x="4708235" y="2668907"/>
+            <a:ext cx="1089891" cy="457324"/>
+          </a:xfrm>
+          <a:prstGeom prst="ellipse">
+            <a:avLst/>
+          </a:prstGeom>
+        </p:spPr>
+        <p:style>
+          <a:lnRef idx="2">
+            <a:schemeClr val="accent1">
+              <a:shade val="50000"/>
+            </a:schemeClr>
+          </a:lnRef>
+          <a:fillRef idx="1">
+            <a:schemeClr val="accent1"/>
+          </a:fillRef>
+          <a:effectRef idx="0">
+            <a:schemeClr val="accent1"/>
+          </a:effectRef>
+          <a:fontRef idx="minor">
+            <a:schemeClr val="lt1"/>
+          </a:fontRef>
+        </p:style>
+        <p:txBody>
+          <a:bodyPr rtlCol="0" anchor="ctr"/>
+          <a:lstStyle/>
+          <a:p>
+            <a:pPr algn="ctr"/>
+            <a:endParaRPr lang="zh-CN" altLang="en-US"/>
+          </a:p>
+        </p:txBody>
+      </p:sp>
+      <p:sp>
+        <p:nvSpPr>
+          <p:cNvPr id="2" name="椭圆 1"/>
+          <p:cNvSpPr/>
+          <p:nvPr/>
+        </p:nvSpPr>
+        <p:spPr>
+          <a:xfrm>
+            <a:off x="5781962" y="838643"/>
+            <a:ext cx="374074" cy="252165"/>
+          </a:xfrm>
+          <a:prstGeom prst="ellipse">
+            <a:avLst/>
+          </a:prstGeom>
+        </p:spPr>
+        <p:style>
+          <a:lnRef idx="2">
+            <a:schemeClr val="accent1">
+              <a:shade val="50000"/>
+            </a:schemeClr>
+          </a:lnRef>
+          <a:fillRef idx="1">
+            <a:schemeClr val="accent1"/>
+          </a:fillRef>
+          <a:effectRef idx="0">
+            <a:schemeClr val="accent1"/>
+          </a:effectRef>
+          <a:fontRef idx="minor">
+            <a:schemeClr val="lt1"/>
+          </a:fontRef>
+        </p:style>
+        <p:txBody>
+          <a:bodyPr rtlCol="0" anchor="ctr"/>
+          <a:lstStyle/>
+          <a:p>
+            <a:pPr algn="ctr"/>
+            <a:endParaRPr lang="zh-CN" altLang="en-US"/>
+          </a:p>
+        </p:txBody>
+      </p:sp>
+      <p:sp>
+        <p:nvSpPr>
+          <p:cNvPr id="39" name="椭圆 38"/>
+          <p:cNvSpPr/>
+          <p:nvPr/>
+        </p:nvSpPr>
+        <p:spPr>
+          <a:xfrm>
+            <a:off x="5403269" y="838643"/>
+            <a:ext cx="374074" cy="252165"/>
+          </a:xfrm>
+          <a:prstGeom prst="ellipse">
+            <a:avLst/>
+          </a:prstGeom>
+          <a:solidFill>
+            <a:srgbClr val="FF0000"/>
+          </a:solidFill>
+        </p:spPr>
+        <p:style>
+          <a:lnRef idx="2">
+            <a:schemeClr val="accent1">
+              <a:shade val="50000"/>
+            </a:schemeClr>
+          </a:lnRef>
+          <a:fillRef idx="1">
+            <a:schemeClr val="accent1"/>
+          </a:fillRef>
+          <a:effectRef idx="0">
+            <a:schemeClr val="accent1"/>
+          </a:effectRef>
+          <a:fontRef idx="minor">
+            <a:schemeClr val="lt1"/>
+          </a:fontRef>
+        </p:style>
+        <p:txBody>
+          <a:bodyPr rtlCol="0" anchor="ctr"/>
+          <a:lstStyle/>
+          <a:p>
+            <a:pPr algn="ctr"/>
+            <a:endParaRPr lang="zh-CN" altLang="en-US"/>
+          </a:p>
+        </p:txBody>
+      </p:sp>
+      <p:sp>
+        <p:nvSpPr>
+          <p:cNvPr id="40" name="椭圆 39"/>
+          <p:cNvSpPr/>
+          <p:nvPr/>
+        </p:nvSpPr>
+        <p:spPr>
+          <a:xfrm>
+            <a:off x="5798126" y="2712777"/>
+            <a:ext cx="517237" cy="348672"/>
+          </a:xfrm>
+          <a:prstGeom prst="ellipse">
+            <a:avLst/>
+          </a:prstGeom>
+          <a:solidFill>
+            <a:srgbClr val="FF0000"/>
+          </a:solidFill>
+        </p:spPr>
+        <p:style>
+          <a:lnRef idx="2">
+            <a:schemeClr val="accent1">
+              <a:shade val="50000"/>
+            </a:schemeClr>
+          </a:lnRef>
+          <a:fillRef idx="1">
+            <a:schemeClr val="accent1"/>
+          </a:fillRef>
+          <a:effectRef idx="0">
+            <a:schemeClr val="accent1"/>
+          </a:effectRef>
+          <a:fontRef idx="minor">
+            <a:schemeClr val="lt1"/>
+          </a:fontRef>
+        </p:style>
+        <p:txBody>
+          <a:bodyPr rtlCol="0" anchor="ctr"/>
+          <a:lstStyle/>
+          <a:p>
+            <a:pPr algn="ctr"/>
+            <a:endParaRPr lang="zh-CN" altLang="en-US"/>
+          </a:p>
+        </p:txBody>
+      </p:sp>
+      <p:sp>
+        <p:nvSpPr>
+          <p:cNvPr id="42" name="椭圆 41"/>
+          <p:cNvSpPr/>
+          <p:nvPr/>
+        </p:nvSpPr>
+        <p:spPr>
+          <a:xfrm>
+            <a:off x="7805889" y="1848110"/>
+            <a:ext cx="611908" cy="412490"/>
+          </a:xfrm>
+          <a:prstGeom prst="ellipse">
+            <a:avLst/>
+          </a:prstGeom>
+        </p:spPr>
+        <p:style>
+          <a:lnRef idx="2">
+            <a:schemeClr val="accent1">
+              <a:shade val="50000"/>
+            </a:schemeClr>
+          </a:lnRef>
+          <a:fillRef idx="1">
+            <a:schemeClr val="accent1"/>
+          </a:fillRef>
+          <a:effectRef idx="0">
+            <a:schemeClr val="accent1"/>
+          </a:effectRef>
+          <a:fontRef idx="minor">
+            <a:schemeClr val="lt1"/>
+          </a:fontRef>
+        </p:style>
+        <p:txBody>
+          <a:bodyPr rtlCol="0" anchor="ctr"/>
+          <a:lstStyle/>
+          <a:p>
+            <a:pPr algn="ctr"/>
+            <a:endParaRPr lang="zh-CN" altLang="en-US"/>
+          </a:p>
+        </p:txBody>
+      </p:sp>
+      <p:sp>
+        <p:nvSpPr>
+          <p:cNvPr id="43" name="椭圆 42"/>
+          <p:cNvSpPr/>
+          <p:nvPr/>
+        </p:nvSpPr>
+        <p:spPr>
+          <a:xfrm>
+            <a:off x="8417797" y="1824336"/>
+            <a:ext cx="611908" cy="412490"/>
+          </a:xfrm>
+          <a:prstGeom prst="ellipse">
+            <a:avLst/>
+          </a:prstGeom>
+          <a:solidFill>
+            <a:srgbClr val="FF0000"/>
+          </a:solidFill>
+        </p:spPr>
+        <p:style>
+          <a:lnRef idx="2">
+            <a:schemeClr val="accent1">
+              <a:shade val="50000"/>
+            </a:schemeClr>
+          </a:lnRef>
+          <a:fillRef idx="1">
+            <a:schemeClr val="accent1"/>
+          </a:fillRef>
+          <a:effectRef idx="0">
+            <a:schemeClr val="accent1"/>
+          </a:effectRef>
+          <a:fontRef idx="minor">
+            <a:schemeClr val="lt1"/>
+          </a:fontRef>
+        </p:style>
+        <p:txBody>
+          <a:bodyPr rtlCol="0" anchor="ctr"/>
+          <a:lstStyle/>
+          <a:p>
+            <a:pPr algn="ctr"/>
+            <a:endParaRPr lang="zh-CN" altLang="en-US"/>
+          </a:p>
+        </p:txBody>
+      </p:sp>
+      <p:sp>
+        <p:nvSpPr>
+          <p:cNvPr id="35" name="文本框 34"/>
+          <p:cNvSpPr txBox="1"/>
+          <p:nvPr/>
+        </p:nvSpPr>
+        <p:spPr>
+          <a:xfrm>
+            <a:off x="955874" y="1713606"/>
+            <a:ext cx="391454" cy="523220"/>
+          </a:xfrm>
+          <a:prstGeom prst="rect">
+            <a:avLst/>
+          </a:prstGeom>
+          <a:noFill/>
+        </p:spPr>
+        <p:txBody>
+          <a:bodyPr wrap="none" rtlCol="0">
+            <a:spAutoFit/>
+          </a:bodyPr>
+          <a:lstStyle/>
+          <a:p>
+            <a:r>
+              <a:rPr lang="en-US" altLang="zh-CN" sz="2800" dirty="0"/>
+              <a:t>p</a:t>
+            </a:r>
+            <a:endParaRPr lang="zh-CN" altLang="en-US" sz="2800" dirty="0"/>
+          </a:p>
+        </p:txBody>
+      </p:sp>
+      <p:sp>
+        <p:nvSpPr>
+          <p:cNvPr id="37" name="椭圆 36"/>
+          <p:cNvSpPr/>
+          <p:nvPr/>
+        </p:nvSpPr>
+        <p:spPr>
+          <a:xfrm>
+            <a:off x="1619223" y="1835621"/>
+            <a:ext cx="611908" cy="412490"/>
+          </a:xfrm>
+          <a:prstGeom prst="ellipse">
+            <a:avLst/>
+          </a:prstGeom>
+        </p:spPr>
+        <p:style>
+          <a:lnRef idx="2">
+            <a:schemeClr val="accent1">
+              <a:shade val="50000"/>
+            </a:schemeClr>
+          </a:lnRef>
+          <a:fillRef idx="1">
+            <a:schemeClr val="accent1"/>
+          </a:fillRef>
+          <a:effectRef idx="0">
+            <a:schemeClr val="accent1"/>
+          </a:effectRef>
+          <a:fontRef idx="minor">
+            <a:schemeClr val="lt1"/>
+          </a:fontRef>
+        </p:style>
+        <p:txBody>
+          <a:bodyPr rtlCol="0" anchor="ctr"/>
+          <a:lstStyle/>
+          <a:p>
+            <a:pPr algn="ctr"/>
+            <a:endParaRPr lang="zh-CN" altLang="en-US"/>
+          </a:p>
+        </p:txBody>
+      </p:sp>
+      <p:sp>
+        <p:nvSpPr>
+          <p:cNvPr id="38" name="椭圆 37"/>
+          <p:cNvSpPr/>
+          <p:nvPr/>
+        </p:nvSpPr>
+        <p:spPr>
+          <a:xfrm>
+            <a:off x="2231131" y="1811847"/>
+            <a:ext cx="611908" cy="412490"/>
+          </a:xfrm>
+          <a:prstGeom prst="ellipse">
+            <a:avLst/>
+          </a:prstGeom>
+          <a:solidFill>
+            <a:srgbClr val="FF0000"/>
+          </a:solidFill>
+        </p:spPr>
+        <p:style>
+          <a:lnRef idx="2">
+            <a:schemeClr val="accent1">
+              <a:shade val="50000"/>
+            </a:schemeClr>
+          </a:lnRef>
+          <a:fillRef idx="1">
+            <a:schemeClr val="accent1"/>
+          </a:fillRef>
+          <a:effectRef idx="0">
+            <a:schemeClr val="accent1"/>
+          </a:effectRef>
+          <a:fontRef idx="minor">
+            <a:schemeClr val="lt1"/>
+          </a:fontRef>
+        </p:style>
+        <p:txBody>
+          <a:bodyPr rtlCol="0" anchor="ctr"/>
+          <a:lstStyle/>
+          <a:p>
+            <a:pPr algn="ctr"/>
+            <a:endParaRPr lang="zh-CN" altLang="en-US"/>
+          </a:p>
+        </p:txBody>
+      </p:sp>
+      <p:sp>
+        <p:nvSpPr>
+          <p:cNvPr id="44" name="椭圆 43"/>
+          <p:cNvSpPr/>
+          <p:nvPr/>
+        </p:nvSpPr>
+        <p:spPr>
+          <a:xfrm>
+            <a:off x="4177144" y="2717699"/>
+            <a:ext cx="517237" cy="348672"/>
+          </a:xfrm>
+          <a:prstGeom prst="ellipse">
+            <a:avLst/>
+          </a:prstGeom>
+          <a:solidFill>
+            <a:srgbClr val="FF0000"/>
+          </a:solidFill>
+        </p:spPr>
+        <p:style>
+          <a:lnRef idx="2">
+            <a:schemeClr val="accent1">
+              <a:shade val="50000"/>
+            </a:schemeClr>
+          </a:lnRef>
+          <a:fillRef idx="1">
+            <a:schemeClr val="accent1"/>
+          </a:fillRef>
+          <a:effectRef idx="0">
+            <a:schemeClr val="accent1"/>
+          </a:effectRef>
+          <a:fontRef idx="minor">
+            <a:schemeClr val="lt1"/>
+          </a:fontRef>
+        </p:style>
+        <p:txBody>
+          <a:bodyPr rtlCol="0" anchor="ctr"/>
+          <a:lstStyle/>
+          <a:p>
+            <a:pPr algn="ctr"/>
+            <a:endParaRPr lang="zh-CN" altLang="en-US"/>
+          </a:p>
+        </p:txBody>
+      </p:sp>
+      <p:sp>
+        <p:nvSpPr>
+          <p:cNvPr id="45" name="椭圆 44"/>
+          <p:cNvSpPr/>
+          <p:nvPr/>
+        </p:nvSpPr>
+        <p:spPr>
+          <a:xfrm>
+            <a:off x="4837539" y="848796"/>
+            <a:ext cx="374074" cy="252165"/>
+          </a:xfrm>
+          <a:prstGeom prst="ellipse">
+            <a:avLst/>
+          </a:prstGeom>
+        </p:spPr>
+        <p:style>
+          <a:lnRef idx="2">
+            <a:schemeClr val="accent1">
+              <a:shade val="50000"/>
+            </a:schemeClr>
+          </a:lnRef>
+          <a:fillRef idx="1">
+            <a:schemeClr val="accent1"/>
+          </a:fillRef>
+          <a:effectRef idx="0">
+            <a:schemeClr val="accent1"/>
+          </a:effectRef>
+          <a:fontRef idx="minor">
+            <a:schemeClr val="lt1"/>
+          </a:fontRef>
+        </p:style>
+        <p:txBody>
+          <a:bodyPr rtlCol="0" anchor="ctr"/>
+          <a:lstStyle/>
+          <a:p>
+            <a:pPr algn="ctr"/>
+            <a:endParaRPr lang="zh-CN" altLang="en-US"/>
+          </a:p>
+        </p:txBody>
+      </p:sp>
+      <p:sp>
+        <p:nvSpPr>
+          <p:cNvPr id="46" name="椭圆 45"/>
+          <p:cNvSpPr/>
+          <p:nvPr/>
+        </p:nvSpPr>
+        <p:spPr>
+          <a:xfrm>
+            <a:off x="4458846" y="848796"/>
+            <a:ext cx="374074" cy="252165"/>
+          </a:xfrm>
+          <a:prstGeom prst="ellipse">
+            <a:avLst/>
+          </a:prstGeom>
+          <a:solidFill>
+            <a:srgbClr val="FF0000"/>
+          </a:solidFill>
+        </p:spPr>
+        <p:style>
+          <a:lnRef idx="2">
+            <a:schemeClr val="accent1">
+              <a:shade val="50000"/>
+            </a:schemeClr>
+          </a:lnRef>
+          <a:fillRef idx="1">
+            <a:schemeClr val="accent1"/>
+          </a:fillRef>
+          <a:effectRef idx="0">
+            <a:schemeClr val="accent1"/>
+          </a:effectRef>
+          <a:fontRef idx="minor">
+            <a:schemeClr val="lt1"/>
+          </a:fontRef>
+        </p:style>
+        <p:txBody>
+          <a:bodyPr rtlCol="0" anchor="ctr"/>
+          <a:lstStyle/>
+          <a:p>
+            <a:pPr algn="ctr"/>
+            <a:endParaRPr lang="zh-CN" altLang="en-US"/>
+          </a:p>
+        </p:txBody>
+      </p:sp>
+      <p:sp>
+        <p:nvSpPr>
+          <p:cNvPr id="47" name="文本框 46"/>
+          <p:cNvSpPr txBox="1"/>
+          <p:nvPr/>
+        </p:nvSpPr>
+        <p:spPr>
+          <a:xfrm>
+            <a:off x="1187605" y="4675786"/>
+            <a:ext cx="391454" cy="523220"/>
+          </a:xfrm>
+          <a:prstGeom prst="rect">
+            <a:avLst/>
+          </a:prstGeom>
+          <a:noFill/>
+        </p:spPr>
+        <p:txBody>
+          <a:bodyPr wrap="none" rtlCol="0">
+            <a:spAutoFit/>
+          </a:bodyPr>
+          <a:lstStyle/>
+          <a:p>
+            <a:r>
+              <a:rPr lang="en-US" altLang="zh-CN" sz="2800" dirty="0"/>
+              <a:t>p</a:t>
+            </a:r>
+            <a:endParaRPr lang="zh-CN" altLang="en-US" sz="2800" dirty="0"/>
+          </a:p>
+        </p:txBody>
+      </p:sp>
+      <p:sp>
+        <p:nvSpPr>
+          <p:cNvPr id="48" name="椭圆 47"/>
+          <p:cNvSpPr/>
+          <p:nvPr/>
+        </p:nvSpPr>
+        <p:spPr>
+          <a:xfrm rot="5400000">
+            <a:off x="1982876" y="4498406"/>
+            <a:ext cx="611908" cy="412490"/>
+          </a:xfrm>
+          <a:prstGeom prst="ellipse">
+            <a:avLst/>
+          </a:prstGeom>
+        </p:spPr>
+        <p:style>
+          <a:lnRef idx="2">
+            <a:schemeClr val="accent1">
+              <a:shade val="50000"/>
+            </a:schemeClr>
+          </a:lnRef>
+          <a:fillRef idx="1">
+            <a:schemeClr val="accent1"/>
+          </a:fillRef>
+          <a:effectRef idx="0">
+            <a:schemeClr val="accent1"/>
+          </a:effectRef>
+          <a:fontRef idx="minor">
+            <a:schemeClr val="lt1"/>
+          </a:fontRef>
+        </p:style>
+        <p:txBody>
+          <a:bodyPr rtlCol="0" anchor="ctr"/>
+          <a:lstStyle/>
+          <a:p>
+            <a:pPr algn="ctr"/>
+            <a:endParaRPr lang="zh-CN" altLang="en-US"/>
+          </a:p>
+        </p:txBody>
+      </p:sp>
+      <p:sp>
+        <p:nvSpPr>
+          <p:cNvPr id="49" name="椭圆 48"/>
+          <p:cNvSpPr/>
+          <p:nvPr/>
+        </p:nvSpPr>
+        <p:spPr>
+          <a:xfrm rot="5400000">
+            <a:off x="1978942" y="5110314"/>
+            <a:ext cx="611908" cy="412490"/>
+          </a:xfrm>
+          <a:prstGeom prst="ellipse">
+            <a:avLst/>
+          </a:prstGeom>
+          <a:solidFill>
+            <a:srgbClr val="FF0000"/>
+          </a:solidFill>
+        </p:spPr>
+        <p:style>
+          <a:lnRef idx="2">
+            <a:schemeClr val="accent1">
+              <a:shade val="50000"/>
+            </a:schemeClr>
+          </a:lnRef>
+          <a:fillRef idx="1">
+            <a:schemeClr val="accent1"/>
+          </a:fillRef>
+          <a:effectRef idx="0">
+            <a:schemeClr val="accent1"/>
+          </a:effectRef>
+          <a:fontRef idx="minor">
+            <a:schemeClr val="lt1"/>
+          </a:fontRef>
+        </p:style>
+        <p:txBody>
+          <a:bodyPr rtlCol="0" anchor="ctr"/>
+          <a:lstStyle/>
+          <a:p>
+            <a:pPr algn="ctr"/>
+            <a:endParaRPr lang="zh-CN" altLang="en-US"/>
+          </a:p>
+        </p:txBody>
+      </p:sp>
+      <p:sp>
+        <p:nvSpPr>
+          <p:cNvPr id="50" name="椭圆 49"/>
+          <p:cNvSpPr/>
+          <p:nvPr/>
+        </p:nvSpPr>
+        <p:spPr>
+          <a:xfrm rot="5400000">
+            <a:off x="7823725" y="4440677"/>
+            <a:ext cx="611908" cy="412490"/>
+          </a:xfrm>
+          <a:prstGeom prst="ellipse">
+            <a:avLst/>
+          </a:prstGeom>
+        </p:spPr>
+        <p:style>
+          <a:lnRef idx="2">
+            <a:schemeClr val="accent1">
+              <a:shade val="50000"/>
+            </a:schemeClr>
+          </a:lnRef>
+          <a:fillRef idx="1">
+            <a:schemeClr val="accent1"/>
+          </a:fillRef>
+          <a:effectRef idx="0">
+            <a:schemeClr val="accent1"/>
+          </a:effectRef>
+          <a:fontRef idx="minor">
+            <a:schemeClr val="lt1"/>
+          </a:fontRef>
+        </p:style>
+        <p:txBody>
+          <a:bodyPr rtlCol="0" anchor="ctr"/>
+          <a:lstStyle/>
+          <a:p>
+            <a:pPr algn="ctr"/>
+            <a:endParaRPr lang="zh-CN" altLang="en-US"/>
+          </a:p>
+        </p:txBody>
+      </p:sp>
+      <p:sp>
+        <p:nvSpPr>
+          <p:cNvPr id="51" name="椭圆 50"/>
+          <p:cNvSpPr/>
+          <p:nvPr/>
+        </p:nvSpPr>
+        <p:spPr>
+          <a:xfrm rot="5400000">
+            <a:off x="7819791" y="5052585"/>
+            <a:ext cx="611908" cy="412490"/>
+          </a:xfrm>
+          <a:prstGeom prst="ellipse">
+            <a:avLst/>
+          </a:prstGeom>
+          <a:solidFill>
+            <a:srgbClr val="FF0000"/>
+          </a:solidFill>
+        </p:spPr>
+        <p:style>
+          <a:lnRef idx="2">
+            <a:schemeClr val="accent1">
+              <a:shade val="50000"/>
+            </a:schemeClr>
+          </a:lnRef>
+          <a:fillRef idx="1">
+            <a:schemeClr val="accent1"/>
+          </a:fillRef>
+          <a:effectRef idx="0">
+            <a:schemeClr val="accent1"/>
+          </a:effectRef>
+          <a:fontRef idx="minor">
+            <a:schemeClr val="lt1"/>
+          </a:fontRef>
+        </p:style>
+        <p:txBody>
+          <a:bodyPr rtlCol="0" anchor="ctr"/>
+          <a:lstStyle/>
+          <a:p>
+            <a:pPr algn="ctr"/>
+            <a:endParaRPr lang="zh-CN" altLang="en-US"/>
+          </a:p>
+        </p:txBody>
+      </p:sp>
+      <p:sp>
+        <p:nvSpPr>
+          <p:cNvPr id="52" name="文本框 51"/>
+          <p:cNvSpPr txBox="1"/>
+          <p:nvPr/>
+        </p:nvSpPr>
+        <p:spPr>
+          <a:xfrm>
+            <a:off x="9045473" y="4704651"/>
+            <a:ext cx="391454" cy="523220"/>
+          </a:xfrm>
+          <a:prstGeom prst="rect">
+            <a:avLst/>
+          </a:prstGeom>
+          <a:noFill/>
+        </p:spPr>
+        <p:txBody>
+          <a:bodyPr wrap="none" rtlCol="0">
+            <a:spAutoFit/>
+          </a:bodyPr>
+          <a:lstStyle/>
+          <a:p>
+            <a:r>
+              <a:rPr lang="en-US" altLang="zh-CN" sz="2800" dirty="0"/>
+              <a:t>p</a:t>
+            </a:r>
+            <a:endParaRPr lang="zh-CN" altLang="en-US" sz="2800" dirty="0"/>
+          </a:p>
+        </p:txBody>
+      </p:sp>
+      <p:sp>
+        <p:nvSpPr>
+          <p:cNvPr id="53" name="椭圆 52"/>
+          <p:cNvSpPr/>
+          <p:nvPr/>
+        </p:nvSpPr>
+        <p:spPr>
+          <a:xfrm>
+            <a:off x="4830610" y="5615566"/>
+            <a:ext cx="1063834" cy="412490"/>
+          </a:xfrm>
+          <a:prstGeom prst="ellipse">
+            <a:avLst/>
+          </a:prstGeom>
+        </p:spPr>
+        <p:style>
+          <a:lnRef idx="2">
+            <a:schemeClr val="accent1">
+              <a:shade val="50000"/>
+            </a:schemeClr>
+          </a:lnRef>
+          <a:fillRef idx="1">
+            <a:schemeClr val="accent1"/>
+          </a:fillRef>
+          <a:effectRef idx="0">
+            <a:schemeClr val="accent1"/>
+          </a:effectRef>
+          <a:fontRef idx="minor">
+            <a:schemeClr val="lt1"/>
+          </a:fontRef>
+        </p:style>
+        <p:txBody>
+          <a:bodyPr rtlCol="0" anchor="ctr"/>
+          <a:lstStyle/>
+          <a:p>
+            <a:pPr algn="ctr"/>
+            <a:endParaRPr lang="zh-CN" altLang="en-US"/>
+          </a:p>
+        </p:txBody>
+      </p:sp>
+      <p:sp>
+        <p:nvSpPr>
+          <p:cNvPr id="54" name="椭圆 53"/>
+          <p:cNvSpPr/>
+          <p:nvPr/>
+        </p:nvSpPr>
+        <p:spPr>
+          <a:xfrm>
+            <a:off x="4852741" y="6100495"/>
+            <a:ext cx="1067768" cy="412490"/>
+          </a:xfrm>
+          <a:prstGeom prst="ellipse">
+            <a:avLst/>
+          </a:prstGeom>
+          <a:solidFill>
+            <a:srgbClr val="FF0000"/>
+          </a:solidFill>
+        </p:spPr>
+        <p:style>
+          <a:lnRef idx="2">
+            <a:schemeClr val="accent1">
+              <a:shade val="50000"/>
+            </a:schemeClr>
+          </a:lnRef>
+          <a:fillRef idx="1">
+            <a:schemeClr val="accent1"/>
+          </a:fillRef>
+          <a:effectRef idx="0">
+            <a:schemeClr val="accent1"/>
+          </a:effectRef>
+          <a:fontRef idx="minor">
+            <a:schemeClr val="lt1"/>
+          </a:fontRef>
+        </p:style>
+        <p:txBody>
+          <a:bodyPr rtlCol="0" anchor="ctr"/>
+          <a:lstStyle/>
+          <a:p>
+            <a:pPr algn="ctr"/>
+            <a:endParaRPr lang="zh-CN" altLang="en-US"/>
+          </a:p>
+        </p:txBody>
+      </p:sp>
+      <p:sp>
+        <p:nvSpPr>
+          <p:cNvPr id="55" name="椭圆 54"/>
+          <p:cNvSpPr/>
+          <p:nvPr/>
+        </p:nvSpPr>
+        <p:spPr>
+          <a:xfrm rot="19510065">
+            <a:off x="4798282" y="3942413"/>
+            <a:ext cx="374074" cy="252165"/>
+          </a:xfrm>
+          <a:prstGeom prst="ellipse">
+            <a:avLst/>
+          </a:prstGeom>
+        </p:spPr>
+        <p:style>
+          <a:lnRef idx="2">
+            <a:schemeClr val="accent1">
+              <a:shade val="50000"/>
+            </a:schemeClr>
+          </a:lnRef>
+          <a:fillRef idx="1">
+            <a:schemeClr val="accent1"/>
+          </a:fillRef>
+          <a:effectRef idx="0">
+            <a:schemeClr val="accent1"/>
+          </a:effectRef>
+          <a:fontRef idx="minor">
+            <a:schemeClr val="lt1"/>
+          </a:fontRef>
+        </p:style>
+        <p:txBody>
+          <a:bodyPr rtlCol="0" anchor="ctr"/>
+          <a:lstStyle/>
+          <a:p>
+            <a:pPr algn="ctr"/>
+            <a:endParaRPr lang="zh-CN" altLang="en-US"/>
+          </a:p>
+        </p:txBody>
+      </p:sp>
+      <p:sp>
+        <p:nvSpPr>
+          <p:cNvPr id="56" name="椭圆 55"/>
+          <p:cNvSpPr/>
+          <p:nvPr/>
+        </p:nvSpPr>
+        <p:spPr>
+          <a:xfrm rot="1683287">
+            <a:off x="4798282" y="3572341"/>
+            <a:ext cx="374074" cy="252165"/>
+          </a:xfrm>
+          <a:prstGeom prst="ellipse">
+            <a:avLst/>
+          </a:prstGeom>
+          <a:solidFill>
+            <a:srgbClr val="FF0000"/>
+          </a:solidFill>
+        </p:spPr>
+        <p:style>
+          <a:lnRef idx="2">
+            <a:schemeClr val="accent1">
+              <a:shade val="50000"/>
+            </a:schemeClr>
+          </a:lnRef>
+          <a:fillRef idx="1">
+            <a:schemeClr val="accent1"/>
+          </a:fillRef>
+          <a:effectRef idx="0">
+            <a:schemeClr val="accent1"/>
+          </a:effectRef>
+          <a:fontRef idx="minor">
+            <a:schemeClr val="lt1"/>
+          </a:fontRef>
+        </p:style>
+        <p:txBody>
+          <a:bodyPr rtlCol="0" anchor="ctr"/>
+          <a:lstStyle/>
+          <a:p>
+            <a:pPr algn="ctr"/>
+            <a:endParaRPr lang="zh-CN" altLang="en-US"/>
+          </a:p>
+        </p:txBody>
+      </p:sp>
+      <p:sp>
+        <p:nvSpPr>
+          <p:cNvPr id="57" name="椭圆 56"/>
+          <p:cNvSpPr/>
+          <p:nvPr/>
+        </p:nvSpPr>
+        <p:spPr>
+          <a:xfrm rot="19510065">
+            <a:off x="5441773" y="3569043"/>
+            <a:ext cx="374074" cy="252165"/>
+          </a:xfrm>
+          <a:prstGeom prst="ellipse">
+            <a:avLst/>
+          </a:prstGeom>
+        </p:spPr>
+        <p:style>
+          <a:lnRef idx="2">
+            <a:schemeClr val="accent1">
+              <a:shade val="50000"/>
+            </a:schemeClr>
+          </a:lnRef>
+          <a:fillRef idx="1">
+            <a:schemeClr val="accent1"/>
+          </a:fillRef>
+          <a:effectRef idx="0">
+            <a:schemeClr val="accent1"/>
+          </a:effectRef>
+          <a:fontRef idx="minor">
+            <a:schemeClr val="lt1"/>
+          </a:fontRef>
+        </p:style>
+        <p:txBody>
+          <a:bodyPr rtlCol="0" anchor="ctr"/>
+          <a:lstStyle/>
+          <a:p>
+            <a:pPr algn="ctr"/>
+            <a:endParaRPr lang="zh-CN" altLang="en-US"/>
+          </a:p>
+        </p:txBody>
+      </p:sp>
+      <p:sp>
+        <p:nvSpPr>
+          <p:cNvPr id="58" name="椭圆 57"/>
+          <p:cNvSpPr/>
+          <p:nvPr/>
+        </p:nvSpPr>
+        <p:spPr>
+          <a:xfrm rot="1683287">
+            <a:off x="5444383" y="3956399"/>
+            <a:ext cx="374074" cy="252165"/>
+          </a:xfrm>
+          <a:prstGeom prst="ellipse">
+            <a:avLst/>
+          </a:prstGeom>
+          <a:solidFill>
+            <a:srgbClr val="FF0000"/>
+          </a:solidFill>
+        </p:spPr>
+        <p:style>
+          <a:lnRef idx="2">
+            <a:schemeClr val="accent1">
+              <a:shade val="50000"/>
+            </a:schemeClr>
+          </a:lnRef>
+          <a:fillRef idx="1">
+            <a:schemeClr val="accent1"/>
+          </a:fillRef>
+          <a:effectRef idx="0">
+            <a:schemeClr val="accent1"/>
+          </a:effectRef>
+          <a:fontRef idx="minor">
+            <a:schemeClr val="lt1"/>
+          </a:fontRef>
+        </p:style>
+        <p:txBody>
+          <a:bodyPr rtlCol="0" anchor="ctr"/>
+          <a:lstStyle/>
+          <a:p>
+            <a:pPr algn="ctr"/>
+            <a:endParaRPr lang="zh-CN" altLang="en-US"/>
+          </a:p>
+        </p:txBody>
+      </p:sp>
+    </p:spTree>
+    <p:extLst>
+      <p:ext uri="{BB962C8B-B14F-4D97-AF65-F5344CB8AC3E}">
+        <p14:creationId xmlns:p14="http://schemas.microsoft.com/office/powerpoint/2010/main" val="2102111375"/>
+      </p:ext>
+    </p:extLst>
+  </p:cSld>
+  <p:clrMapOvr>
+    <a:masterClrMapping/>
+  </p:clrMapOvr>
+</p:sld>
+</file>
+
+<file path=ppt/slides/slide5.xml><?xml version="1.0" encoding="utf-8"?>
+<p:sld xmlns:a="http://schemas.openxmlformats.org/drawingml/2006/main" xmlns:r="http://schemas.openxmlformats.org/officeDocument/2006/relationships" xmlns:p="http://schemas.openxmlformats.org/presentationml/2006/main">
+  <p:cSld>
+    <p:spTree>
+      <p:nvGrpSpPr>
+        <p:cNvPr id="1" name=""/>
+        <p:cNvGrpSpPr/>
+        <p:nvPr/>
+      </p:nvGrpSpPr>
+      <p:grpSpPr>
+        <a:xfrm>
+          <a:off x="0" y="0"/>
+          <a:ext cx="0" cy="0"/>
+          <a:chOff x="0" y="0"/>
+          <a:chExt cx="0" cy="0"/>
+        </a:xfrm>
+      </p:grpSpPr>
+      <p:cxnSp>
+        <p:nvCxnSpPr>
+          <p:cNvPr id="5" name="直接连接符 4"/>
+          <p:cNvCxnSpPr/>
+          <p:nvPr/>
+        </p:nvCxnSpPr>
+        <p:spPr>
+          <a:xfrm>
+            <a:off x="3195782" y="2022764"/>
+            <a:ext cx="692728" cy="0"/>
+          </a:xfrm>
+          <a:prstGeom prst="line">
+            <a:avLst/>
+          </a:prstGeom>
+          <a:ln w="28575">
+            <a:solidFill>
+              <a:schemeClr val="tx1"/>
+            </a:solidFill>
+          </a:ln>
+        </p:spPr>
+        <p:style>
+          <a:lnRef idx="1">
+            <a:schemeClr val="accent1"/>
+          </a:lnRef>
+          <a:fillRef idx="0">
+            <a:schemeClr val="accent1"/>
+          </a:fillRef>
+          <a:effectRef idx="0">
+            <a:schemeClr val="accent1"/>
+          </a:effectRef>
+          <a:fontRef idx="minor">
+            <a:schemeClr val="tx1"/>
+          </a:fontRef>
+        </p:style>
+      </p:cxnSp>
+      <p:cxnSp>
+        <p:nvCxnSpPr>
+          <p:cNvPr id="6" name="直接连接符 5"/>
+          <p:cNvCxnSpPr/>
+          <p:nvPr/>
+        </p:nvCxnSpPr>
+        <p:spPr>
+          <a:xfrm>
+            <a:off x="6627091" y="2022764"/>
+            <a:ext cx="692728" cy="0"/>
+          </a:xfrm>
+          <a:prstGeom prst="line">
+            <a:avLst/>
+          </a:prstGeom>
+          <a:ln w="28575">
+            <a:solidFill>
+              <a:schemeClr val="tx1"/>
+            </a:solidFill>
+          </a:ln>
+        </p:spPr>
+        <p:style>
+          <a:lnRef idx="1">
+            <a:schemeClr val="accent1"/>
+          </a:lnRef>
+          <a:fillRef idx="0">
+            <a:schemeClr val="accent1"/>
+          </a:fillRef>
+          <a:effectRef idx="0">
+            <a:schemeClr val="accent1"/>
+          </a:effectRef>
+          <a:fontRef idx="minor">
+            <a:schemeClr val="tx1"/>
+          </a:fontRef>
+        </p:style>
+      </p:cxnSp>
+      <p:cxnSp>
+        <p:nvCxnSpPr>
+          <p:cNvPr id="7" name="直接连接符 6"/>
+          <p:cNvCxnSpPr/>
+          <p:nvPr/>
+        </p:nvCxnSpPr>
+        <p:spPr>
+          <a:xfrm>
+            <a:off x="4655127" y="1353127"/>
+            <a:ext cx="1265382" cy="0"/>
+          </a:xfrm>
+          <a:prstGeom prst="line">
+            <a:avLst/>
+          </a:prstGeom>
+          <a:ln w="28575">
+            <a:solidFill>
+              <a:schemeClr val="tx1"/>
+            </a:solidFill>
+          </a:ln>
+        </p:spPr>
+        <p:style>
+          <a:lnRef idx="1">
+            <a:schemeClr val="accent1"/>
+          </a:lnRef>
+          <a:fillRef idx="0">
+            <a:schemeClr val="accent1"/>
+          </a:fillRef>
+          <a:effectRef idx="0">
+            <a:schemeClr val="accent1"/>
+          </a:effectRef>
+          <a:fontRef idx="minor">
+            <a:schemeClr val="tx1"/>
+          </a:fontRef>
+        </p:style>
+      </p:cxnSp>
+      <p:cxnSp>
+        <p:nvCxnSpPr>
+          <p:cNvPr id="9" name="直接连接符 8"/>
+          <p:cNvCxnSpPr/>
+          <p:nvPr/>
+        </p:nvCxnSpPr>
+        <p:spPr>
+          <a:xfrm>
+            <a:off x="4655127" y="2567709"/>
+            <a:ext cx="1265382" cy="0"/>
+          </a:xfrm>
+          <a:prstGeom prst="line">
+            <a:avLst/>
+          </a:prstGeom>
+          <a:ln w="28575">
+            <a:solidFill>
+              <a:schemeClr val="tx1"/>
+            </a:solidFill>
+          </a:ln>
+        </p:spPr>
+        <p:style>
+          <a:lnRef idx="1">
+            <a:schemeClr val="accent1"/>
+          </a:lnRef>
+          <a:fillRef idx="0">
+            <a:schemeClr val="accent1"/>
+          </a:fillRef>
+          <a:effectRef idx="0">
+            <a:schemeClr val="accent1"/>
+          </a:effectRef>
+          <a:fontRef idx="minor">
+            <a:schemeClr val="tx1"/>
+          </a:fontRef>
+        </p:style>
+      </p:cxnSp>
+      <p:cxnSp>
+        <p:nvCxnSpPr>
+          <p:cNvPr id="11" name="直接连接符 10"/>
+          <p:cNvCxnSpPr/>
+          <p:nvPr/>
+        </p:nvCxnSpPr>
+        <p:spPr>
+          <a:xfrm flipV="1">
+            <a:off x="3888510" y="1353127"/>
+            <a:ext cx="766617" cy="669637"/>
+          </a:xfrm>
+          <a:prstGeom prst="line">
+            <a:avLst/>
+          </a:prstGeom>
+          <a:ln w="28575">
+            <a:solidFill>
+              <a:schemeClr val="tx1"/>
+            </a:solidFill>
+            <a:prstDash val="dash"/>
+          </a:ln>
+        </p:spPr>
+        <p:style>
+          <a:lnRef idx="1">
+            <a:schemeClr val="accent1"/>
+          </a:lnRef>
+          <a:fillRef idx="0">
+            <a:schemeClr val="accent1"/>
+          </a:fillRef>
+          <a:effectRef idx="0">
+            <a:schemeClr val="accent1"/>
+          </a:effectRef>
+          <a:fontRef idx="minor">
+            <a:schemeClr val="tx1"/>
+          </a:fontRef>
+        </p:style>
+      </p:cxnSp>
+      <p:cxnSp>
+        <p:nvCxnSpPr>
+          <p:cNvPr id="13" name="直接连接符 12"/>
+          <p:cNvCxnSpPr/>
+          <p:nvPr/>
+        </p:nvCxnSpPr>
+        <p:spPr>
+          <a:xfrm>
+            <a:off x="3888510" y="2022764"/>
+            <a:ext cx="766617" cy="544945"/>
+          </a:xfrm>
+          <a:prstGeom prst="line">
+            <a:avLst/>
+          </a:prstGeom>
+          <a:ln w="28575">
+            <a:solidFill>
+              <a:schemeClr val="tx1"/>
+            </a:solidFill>
+            <a:prstDash val="dash"/>
+          </a:ln>
+        </p:spPr>
+        <p:style>
+          <a:lnRef idx="1">
+            <a:schemeClr val="accent1"/>
+          </a:lnRef>
+          <a:fillRef idx="0">
+            <a:schemeClr val="accent1"/>
+          </a:fillRef>
+          <a:effectRef idx="0">
+            <a:schemeClr val="accent1"/>
+          </a:effectRef>
+          <a:fontRef idx="minor">
+            <a:schemeClr val="tx1"/>
+          </a:fontRef>
+        </p:style>
+      </p:cxnSp>
+      <p:cxnSp>
+        <p:nvCxnSpPr>
+          <p:cNvPr id="15" name="直接连接符 14"/>
+          <p:cNvCxnSpPr/>
+          <p:nvPr/>
+        </p:nvCxnSpPr>
+        <p:spPr>
+          <a:xfrm flipV="1">
+            <a:off x="5920509" y="2022764"/>
+            <a:ext cx="706582" cy="544945"/>
+          </a:xfrm>
+          <a:prstGeom prst="line">
+            <a:avLst/>
+          </a:prstGeom>
+          <a:ln w="28575">
+            <a:solidFill>
+              <a:schemeClr val="tx1"/>
+            </a:solidFill>
+            <a:prstDash val="dash"/>
+          </a:ln>
+        </p:spPr>
+        <p:style>
+          <a:lnRef idx="1">
+            <a:schemeClr val="accent1"/>
+          </a:lnRef>
+          <a:fillRef idx="0">
+            <a:schemeClr val="accent1"/>
+          </a:fillRef>
+          <a:effectRef idx="0">
+            <a:schemeClr val="accent1"/>
+          </a:effectRef>
+          <a:fontRef idx="minor">
+            <a:schemeClr val="tx1"/>
+          </a:fontRef>
+        </p:style>
+      </p:cxnSp>
+      <p:cxnSp>
+        <p:nvCxnSpPr>
+          <p:cNvPr id="17" name="直接连接符 16"/>
+          <p:cNvCxnSpPr/>
+          <p:nvPr/>
+        </p:nvCxnSpPr>
+        <p:spPr>
+          <a:xfrm>
+            <a:off x="5920509" y="1353127"/>
+            <a:ext cx="706582" cy="669637"/>
+          </a:xfrm>
+          <a:prstGeom prst="line">
+            <a:avLst/>
+          </a:prstGeom>
+          <a:ln w="28575">
+            <a:solidFill>
+              <a:schemeClr val="tx1"/>
+            </a:solidFill>
+            <a:prstDash val="dash"/>
+          </a:ln>
+        </p:spPr>
+        <p:style>
+          <a:lnRef idx="1">
+            <a:schemeClr val="accent1"/>
+          </a:lnRef>
+          <a:fillRef idx="0">
+            <a:schemeClr val="accent1"/>
+          </a:fillRef>
+          <a:effectRef idx="0">
+            <a:schemeClr val="accent1"/>
+          </a:effectRef>
+          <a:fontRef idx="minor">
+            <a:schemeClr val="tx1"/>
+          </a:fontRef>
+        </p:style>
+      </p:cxnSp>
+      <p:sp>
+        <p:nvSpPr>
+          <p:cNvPr id="18" name="文本框 17"/>
+          <p:cNvSpPr txBox="1"/>
+          <p:nvPr/>
+        </p:nvSpPr>
+        <p:spPr>
+          <a:xfrm>
+            <a:off x="6363960" y="1168460"/>
+            <a:ext cx="646331" cy="369332"/>
+          </a:xfrm>
+          <a:prstGeom prst="rect">
+            <a:avLst/>
+          </a:prstGeom>
+          <a:noFill/>
+        </p:spPr>
+        <p:txBody>
+          <a:bodyPr wrap="none" rtlCol="0">
+            <a:spAutoFit/>
+          </a:bodyPr>
+          <a:lstStyle/>
+          <a:p>
+            <a:r>
+              <a:rPr lang="zh-CN" altLang="en-US" dirty="0" smtClean="0"/>
+              <a:t>反键</a:t>
+            </a:r>
+            <a:endParaRPr lang="zh-CN" altLang="en-US" dirty="0"/>
+          </a:p>
+        </p:txBody>
+      </p:sp>
+      <p:sp>
+        <p:nvSpPr>
+          <p:cNvPr id="19" name="文本框 18"/>
+          <p:cNvSpPr txBox="1"/>
+          <p:nvPr/>
+        </p:nvSpPr>
+        <p:spPr>
+          <a:xfrm>
+            <a:off x="6363960" y="2359889"/>
+            <a:ext cx="646331" cy="369332"/>
+          </a:xfrm>
+          <a:prstGeom prst="rect">
+            <a:avLst/>
+          </a:prstGeom>
+          <a:noFill/>
+        </p:spPr>
+        <p:txBody>
+          <a:bodyPr wrap="none" rtlCol="0">
+            <a:spAutoFit/>
+          </a:bodyPr>
+          <a:lstStyle/>
+          <a:p>
+            <a:r>
+              <a:rPr lang="zh-CN" altLang="en-US" dirty="0"/>
+              <a:t>成</a:t>
+            </a:r>
+            <a:r>
+              <a:rPr lang="zh-CN" altLang="en-US" dirty="0" smtClean="0"/>
+              <a:t>键</a:t>
+            </a:r>
+            <a:endParaRPr lang="zh-CN" altLang="en-US" dirty="0"/>
+          </a:p>
+        </p:txBody>
+      </p:sp>
+      <p:cxnSp>
+        <p:nvCxnSpPr>
+          <p:cNvPr id="20" name="直接连接符 19"/>
+          <p:cNvCxnSpPr/>
+          <p:nvPr/>
+        </p:nvCxnSpPr>
+        <p:spPr>
+          <a:xfrm>
+            <a:off x="3195782" y="5010605"/>
+            <a:ext cx="692728" cy="0"/>
+          </a:xfrm>
+          <a:prstGeom prst="line">
+            <a:avLst/>
+          </a:prstGeom>
+          <a:ln w="28575">
+            <a:solidFill>
+              <a:schemeClr val="tx1"/>
+            </a:solidFill>
+          </a:ln>
+        </p:spPr>
+        <p:style>
+          <a:lnRef idx="1">
+            <a:schemeClr val="accent1"/>
+          </a:lnRef>
+          <a:fillRef idx="0">
+            <a:schemeClr val="accent1"/>
+          </a:fillRef>
+          <a:effectRef idx="0">
+            <a:schemeClr val="accent1"/>
+          </a:effectRef>
+          <a:fontRef idx="minor">
+            <a:schemeClr val="tx1"/>
+          </a:fontRef>
+        </p:style>
+      </p:cxnSp>
+      <p:cxnSp>
+        <p:nvCxnSpPr>
+          <p:cNvPr id="21" name="直接连接符 20"/>
+          <p:cNvCxnSpPr/>
+          <p:nvPr/>
+        </p:nvCxnSpPr>
+        <p:spPr>
+          <a:xfrm>
+            <a:off x="6627091" y="5010605"/>
+            <a:ext cx="692728" cy="0"/>
+          </a:xfrm>
+          <a:prstGeom prst="line">
+            <a:avLst/>
+          </a:prstGeom>
+          <a:ln w="28575">
+            <a:solidFill>
+              <a:schemeClr val="tx1"/>
+            </a:solidFill>
+          </a:ln>
+        </p:spPr>
+        <p:style>
+          <a:lnRef idx="1">
+            <a:schemeClr val="accent1"/>
+          </a:lnRef>
+          <a:fillRef idx="0">
+            <a:schemeClr val="accent1"/>
+          </a:fillRef>
+          <a:effectRef idx="0">
+            <a:schemeClr val="accent1"/>
+          </a:effectRef>
+          <a:fontRef idx="minor">
+            <a:schemeClr val="tx1"/>
+          </a:fontRef>
+        </p:style>
+      </p:cxnSp>
+      <p:cxnSp>
+        <p:nvCxnSpPr>
+          <p:cNvPr id="22" name="直接连接符 21"/>
+          <p:cNvCxnSpPr/>
+          <p:nvPr/>
+        </p:nvCxnSpPr>
+        <p:spPr>
+          <a:xfrm>
+            <a:off x="4655127" y="4340968"/>
+            <a:ext cx="1265382" cy="0"/>
+          </a:xfrm>
+          <a:prstGeom prst="line">
+            <a:avLst/>
+          </a:prstGeom>
+          <a:ln w="28575">
+            <a:solidFill>
+              <a:schemeClr val="tx1"/>
+            </a:solidFill>
+          </a:ln>
+        </p:spPr>
+        <p:style>
+          <a:lnRef idx="1">
+            <a:schemeClr val="accent1"/>
+          </a:lnRef>
+          <a:fillRef idx="0">
+            <a:schemeClr val="accent1"/>
+          </a:fillRef>
+          <a:effectRef idx="0">
+            <a:schemeClr val="accent1"/>
+          </a:effectRef>
+          <a:fontRef idx="minor">
+            <a:schemeClr val="tx1"/>
+          </a:fontRef>
+        </p:style>
+      </p:cxnSp>
+      <p:cxnSp>
+        <p:nvCxnSpPr>
+          <p:cNvPr id="23" name="直接连接符 22"/>
+          <p:cNvCxnSpPr/>
+          <p:nvPr/>
+        </p:nvCxnSpPr>
+        <p:spPr>
+          <a:xfrm>
+            <a:off x="4655127" y="5555550"/>
+            <a:ext cx="1265382" cy="0"/>
+          </a:xfrm>
+          <a:prstGeom prst="line">
+            <a:avLst/>
+          </a:prstGeom>
+          <a:ln w="28575">
+            <a:solidFill>
+              <a:schemeClr val="tx1"/>
+            </a:solidFill>
+          </a:ln>
+        </p:spPr>
+        <p:style>
+          <a:lnRef idx="1">
+            <a:schemeClr val="accent1"/>
+          </a:lnRef>
+          <a:fillRef idx="0">
+            <a:schemeClr val="accent1"/>
+          </a:fillRef>
+          <a:effectRef idx="0">
+            <a:schemeClr val="accent1"/>
+          </a:effectRef>
+          <a:fontRef idx="minor">
+            <a:schemeClr val="tx1"/>
+          </a:fontRef>
+        </p:style>
+      </p:cxnSp>
+      <p:cxnSp>
+        <p:nvCxnSpPr>
+          <p:cNvPr id="24" name="直接连接符 23"/>
+          <p:cNvCxnSpPr/>
+          <p:nvPr/>
+        </p:nvCxnSpPr>
+        <p:spPr>
+          <a:xfrm flipV="1">
+            <a:off x="3888510" y="4340968"/>
+            <a:ext cx="766617" cy="669637"/>
+          </a:xfrm>
+          <a:prstGeom prst="line">
+            <a:avLst/>
+          </a:prstGeom>
+          <a:ln w="28575">
+            <a:solidFill>
+              <a:schemeClr val="tx1"/>
+            </a:solidFill>
+            <a:prstDash val="dash"/>
+          </a:ln>
+        </p:spPr>
+        <p:style>
+          <a:lnRef idx="1">
+            <a:schemeClr val="accent1"/>
+          </a:lnRef>
+          <a:fillRef idx="0">
+            <a:schemeClr val="accent1"/>
+          </a:fillRef>
+          <a:effectRef idx="0">
+            <a:schemeClr val="accent1"/>
+          </a:effectRef>
+          <a:fontRef idx="minor">
+            <a:schemeClr val="tx1"/>
+          </a:fontRef>
+        </p:style>
+      </p:cxnSp>
+      <p:cxnSp>
+        <p:nvCxnSpPr>
+          <p:cNvPr id="25" name="直接连接符 24"/>
+          <p:cNvCxnSpPr/>
+          <p:nvPr/>
+        </p:nvCxnSpPr>
+        <p:spPr>
+          <a:xfrm>
+            <a:off x="3888510" y="5010605"/>
+            <a:ext cx="766617" cy="544945"/>
+          </a:xfrm>
+          <a:prstGeom prst="line">
+            <a:avLst/>
+          </a:prstGeom>
+          <a:ln w="28575">
+            <a:solidFill>
+              <a:schemeClr val="tx1"/>
+            </a:solidFill>
+            <a:prstDash val="dash"/>
+          </a:ln>
+        </p:spPr>
+        <p:style>
+          <a:lnRef idx="1">
+            <a:schemeClr val="accent1"/>
+          </a:lnRef>
+          <a:fillRef idx="0">
+            <a:schemeClr val="accent1"/>
+          </a:fillRef>
+          <a:effectRef idx="0">
+            <a:schemeClr val="accent1"/>
+          </a:effectRef>
+          <a:fontRef idx="minor">
+            <a:schemeClr val="tx1"/>
+          </a:fontRef>
+        </p:style>
+      </p:cxnSp>
+      <p:cxnSp>
+        <p:nvCxnSpPr>
+          <p:cNvPr id="26" name="直接连接符 25"/>
+          <p:cNvCxnSpPr/>
+          <p:nvPr/>
+        </p:nvCxnSpPr>
+        <p:spPr>
+          <a:xfrm flipV="1">
+            <a:off x="5920509" y="5010605"/>
+            <a:ext cx="706582" cy="544945"/>
+          </a:xfrm>
+          <a:prstGeom prst="line">
+            <a:avLst/>
+          </a:prstGeom>
+          <a:ln w="28575">
+            <a:solidFill>
+              <a:schemeClr val="tx1"/>
+            </a:solidFill>
+            <a:prstDash val="dash"/>
+          </a:ln>
+        </p:spPr>
+        <p:style>
+          <a:lnRef idx="1">
+            <a:schemeClr val="accent1"/>
+          </a:lnRef>
+          <a:fillRef idx="0">
+            <a:schemeClr val="accent1"/>
+          </a:fillRef>
+          <a:effectRef idx="0">
+            <a:schemeClr val="accent1"/>
+          </a:effectRef>
+          <a:fontRef idx="minor">
+            <a:schemeClr val="tx1"/>
+          </a:fontRef>
+        </p:style>
+      </p:cxnSp>
+      <p:cxnSp>
+        <p:nvCxnSpPr>
+          <p:cNvPr id="27" name="直接连接符 26"/>
+          <p:cNvCxnSpPr/>
+          <p:nvPr/>
+        </p:nvCxnSpPr>
+        <p:spPr>
+          <a:xfrm>
+            <a:off x="5920509" y="4340968"/>
+            <a:ext cx="706582" cy="669637"/>
+          </a:xfrm>
+          <a:prstGeom prst="line">
+            <a:avLst/>
+          </a:prstGeom>
+          <a:ln w="28575">
+            <a:solidFill>
+              <a:schemeClr val="tx1"/>
+            </a:solidFill>
+            <a:prstDash val="dash"/>
+          </a:ln>
+        </p:spPr>
+        <p:style>
+          <a:lnRef idx="1">
+            <a:schemeClr val="accent1"/>
+          </a:lnRef>
+          <a:fillRef idx="0">
+            <a:schemeClr val="accent1"/>
+          </a:fillRef>
+          <a:effectRef idx="0">
+            <a:schemeClr val="accent1"/>
+          </a:effectRef>
+          <a:fontRef idx="minor">
+            <a:schemeClr val="tx1"/>
+          </a:fontRef>
+        </p:style>
+      </p:cxnSp>
+      <p:sp>
+        <p:nvSpPr>
+          <p:cNvPr id="28" name="文本框 27"/>
+          <p:cNvSpPr txBox="1"/>
+          <p:nvPr/>
+        </p:nvSpPr>
+        <p:spPr>
+          <a:xfrm>
+            <a:off x="6363960" y="4156301"/>
+            <a:ext cx="646331" cy="369332"/>
+          </a:xfrm>
+          <a:prstGeom prst="rect">
+            <a:avLst/>
+          </a:prstGeom>
+          <a:noFill/>
+        </p:spPr>
+        <p:txBody>
+          <a:bodyPr wrap="none" rtlCol="0">
+            <a:spAutoFit/>
+          </a:bodyPr>
+          <a:lstStyle/>
+          <a:p>
+            <a:r>
+              <a:rPr lang="zh-CN" altLang="en-US" dirty="0" smtClean="0"/>
+              <a:t>反键</a:t>
+            </a:r>
+            <a:endParaRPr lang="zh-CN" altLang="en-US" dirty="0"/>
+          </a:p>
+        </p:txBody>
+      </p:sp>
+      <p:sp>
+        <p:nvSpPr>
+          <p:cNvPr id="29" name="文本框 28"/>
+          <p:cNvSpPr txBox="1"/>
+          <p:nvPr/>
+        </p:nvSpPr>
+        <p:spPr>
+          <a:xfrm>
+            <a:off x="6363960" y="5347730"/>
+            <a:ext cx="646331" cy="369332"/>
+          </a:xfrm>
+          <a:prstGeom prst="rect">
+            <a:avLst/>
+          </a:prstGeom>
+          <a:noFill/>
+        </p:spPr>
+        <p:txBody>
+          <a:bodyPr wrap="none" rtlCol="0">
+            <a:spAutoFit/>
+          </a:bodyPr>
+          <a:lstStyle/>
+          <a:p>
+            <a:r>
+              <a:rPr lang="zh-CN" altLang="en-US" dirty="0"/>
+              <a:t>成</a:t>
+            </a:r>
+            <a:r>
+              <a:rPr lang="zh-CN" altLang="en-US" dirty="0" smtClean="0"/>
+              <a:t>键</a:t>
+            </a:r>
+            <a:endParaRPr lang="zh-CN" altLang="en-US" dirty="0"/>
+          </a:p>
+        </p:txBody>
+      </p:sp>
+      <p:sp>
+        <p:nvSpPr>
+          <p:cNvPr id="30" name="文本框 29"/>
+          <p:cNvSpPr txBox="1"/>
+          <p:nvPr/>
+        </p:nvSpPr>
+        <p:spPr>
+          <a:xfrm>
+            <a:off x="979054" y="583685"/>
+            <a:ext cx="417102" cy="584775"/>
+          </a:xfrm>
+          <a:prstGeom prst="rect">
+            <a:avLst/>
+          </a:prstGeom>
+          <a:noFill/>
+        </p:spPr>
+        <p:txBody>
+          <a:bodyPr wrap="none" rtlCol="0">
+            <a:spAutoFit/>
+          </a:bodyPr>
+          <a:lstStyle/>
+          <a:p>
+            <a:r>
+              <a:rPr lang="el-GR" altLang="zh-CN" sz="3200" dirty="0"/>
+              <a:t>σ</a:t>
+            </a:r>
+            <a:endParaRPr lang="zh-CN" altLang="en-US" sz="3200" dirty="0"/>
+          </a:p>
+        </p:txBody>
+      </p:sp>
+      <p:sp>
+        <p:nvSpPr>
+          <p:cNvPr id="31" name="文本框 30"/>
+          <p:cNvSpPr txBox="1"/>
+          <p:nvPr/>
+        </p:nvSpPr>
+        <p:spPr>
+          <a:xfrm>
+            <a:off x="979054" y="3682485"/>
+            <a:ext cx="439544" cy="584775"/>
+          </a:xfrm>
+          <a:prstGeom prst="rect">
+            <a:avLst/>
+          </a:prstGeom>
+          <a:noFill/>
+        </p:spPr>
+        <p:txBody>
+          <a:bodyPr wrap="none" rtlCol="0">
+            <a:spAutoFit/>
+          </a:bodyPr>
+          <a:lstStyle/>
+          <a:p>
+            <a:r>
+              <a:rPr lang="el-GR" altLang="zh-CN" sz="3200" dirty="0"/>
+              <a:t>π</a:t>
+            </a:r>
+            <a:endParaRPr lang="zh-CN" altLang="en-US" sz="3200" dirty="0"/>
+          </a:p>
+        </p:txBody>
+      </p:sp>
+      <p:sp>
+        <p:nvSpPr>
+          <p:cNvPr id="33" name="文本框 32"/>
+          <p:cNvSpPr txBox="1"/>
+          <p:nvPr/>
+        </p:nvSpPr>
+        <p:spPr>
+          <a:xfrm>
+            <a:off x="1038720" y="1737380"/>
+            <a:ext cx="726481" cy="523220"/>
+          </a:xfrm>
+          <a:prstGeom prst="rect">
+            <a:avLst/>
+          </a:prstGeom>
+          <a:noFill/>
+        </p:spPr>
+        <p:txBody>
+          <a:bodyPr wrap="none" rtlCol="0">
+            <a:spAutoFit/>
+          </a:bodyPr>
+          <a:lstStyle/>
+          <a:p>
+            <a:r>
+              <a:rPr lang="en-US" altLang="zh-CN" sz="2800" dirty="0" smtClean="0"/>
+              <a:t>sp3</a:t>
+            </a:r>
+            <a:endParaRPr lang="zh-CN" altLang="en-US" sz="2800" dirty="0"/>
+          </a:p>
+        </p:txBody>
+      </p:sp>
+      <p:sp>
+        <p:nvSpPr>
+          <p:cNvPr id="2" name="椭圆 1"/>
+          <p:cNvSpPr/>
+          <p:nvPr/>
+        </p:nvSpPr>
+        <p:spPr>
+          <a:xfrm>
+            <a:off x="5618132" y="900263"/>
+            <a:ext cx="374074" cy="252165"/>
+          </a:xfrm>
+          <a:prstGeom prst="ellipse">
+            <a:avLst/>
+          </a:prstGeom>
+        </p:spPr>
+        <p:style>
+          <a:lnRef idx="2">
+            <a:schemeClr val="accent1">
+              <a:shade val="50000"/>
+            </a:schemeClr>
+          </a:lnRef>
+          <a:fillRef idx="1">
+            <a:schemeClr val="accent1"/>
+          </a:fillRef>
+          <a:effectRef idx="0">
+            <a:schemeClr val="accent1"/>
+          </a:effectRef>
+          <a:fontRef idx="minor">
+            <a:schemeClr val="lt1"/>
+          </a:fontRef>
+        </p:style>
+        <p:txBody>
+          <a:bodyPr rtlCol="0" anchor="ctr"/>
+          <a:lstStyle/>
+          <a:p>
+            <a:pPr algn="ctr"/>
+            <a:endParaRPr lang="zh-CN" altLang="en-US"/>
+          </a:p>
+        </p:txBody>
+      </p:sp>
+      <p:sp>
+        <p:nvSpPr>
+          <p:cNvPr id="39" name="椭圆 38"/>
+          <p:cNvSpPr/>
+          <p:nvPr/>
+        </p:nvSpPr>
+        <p:spPr>
+          <a:xfrm>
+            <a:off x="5432243" y="949192"/>
+            <a:ext cx="181270" cy="154306"/>
+          </a:xfrm>
+          <a:prstGeom prst="ellipse">
+            <a:avLst/>
+          </a:prstGeom>
+          <a:solidFill>
+            <a:srgbClr val="FF0000"/>
+          </a:solidFill>
+        </p:spPr>
+        <p:style>
+          <a:lnRef idx="2">
+            <a:schemeClr val="accent1">
+              <a:shade val="50000"/>
+            </a:schemeClr>
+          </a:lnRef>
+          <a:fillRef idx="1">
+            <a:schemeClr val="accent1"/>
+          </a:fillRef>
+          <a:effectRef idx="0">
+            <a:schemeClr val="accent1"/>
+          </a:effectRef>
+          <a:fontRef idx="minor">
+            <a:schemeClr val="lt1"/>
+          </a:fontRef>
+        </p:style>
+        <p:txBody>
+          <a:bodyPr rtlCol="0" anchor="ctr"/>
+          <a:lstStyle/>
+          <a:p>
+            <a:pPr algn="ctr"/>
+            <a:endParaRPr lang="zh-CN" altLang="en-US" dirty="0"/>
+          </a:p>
+        </p:txBody>
+      </p:sp>
+      <p:sp>
+        <p:nvSpPr>
+          <p:cNvPr id="37" name="椭圆 36"/>
+          <p:cNvSpPr/>
+          <p:nvPr/>
+        </p:nvSpPr>
+        <p:spPr>
+          <a:xfrm>
+            <a:off x="1860428" y="1912750"/>
+            <a:ext cx="287973" cy="220027"/>
+          </a:xfrm>
+          <a:prstGeom prst="ellipse">
+            <a:avLst/>
+          </a:prstGeom>
+        </p:spPr>
+        <p:style>
+          <a:lnRef idx="2">
+            <a:schemeClr val="accent1">
+              <a:shade val="50000"/>
+            </a:schemeClr>
+          </a:lnRef>
+          <a:fillRef idx="1">
+            <a:schemeClr val="accent1"/>
+          </a:fillRef>
+          <a:effectRef idx="0">
+            <a:schemeClr val="accent1"/>
+          </a:effectRef>
+          <a:fontRef idx="minor">
+            <a:schemeClr val="lt1"/>
+          </a:fontRef>
+        </p:style>
+        <p:txBody>
+          <a:bodyPr rtlCol="0" anchor="ctr"/>
+          <a:lstStyle/>
+          <a:p>
+            <a:pPr algn="ctr"/>
+            <a:endParaRPr lang="zh-CN" altLang="en-US"/>
+          </a:p>
+        </p:txBody>
+      </p:sp>
+      <p:sp>
+        <p:nvSpPr>
+          <p:cNvPr id="38" name="椭圆 37"/>
+          <p:cNvSpPr/>
+          <p:nvPr/>
+        </p:nvSpPr>
+        <p:spPr>
+          <a:xfrm>
+            <a:off x="2148401" y="1764673"/>
+            <a:ext cx="735682" cy="495927"/>
+          </a:xfrm>
+          <a:prstGeom prst="ellipse">
+            <a:avLst/>
+          </a:prstGeom>
+          <a:solidFill>
+            <a:srgbClr val="FF0000"/>
+          </a:solidFill>
+        </p:spPr>
+        <p:style>
+          <a:lnRef idx="2">
+            <a:schemeClr val="accent1">
+              <a:shade val="50000"/>
+            </a:schemeClr>
+          </a:lnRef>
+          <a:fillRef idx="1">
+            <a:schemeClr val="accent1"/>
+          </a:fillRef>
+          <a:effectRef idx="0">
+            <a:schemeClr val="accent1"/>
+          </a:effectRef>
+          <a:fontRef idx="minor">
+            <a:schemeClr val="lt1"/>
+          </a:fontRef>
+        </p:style>
+        <p:txBody>
+          <a:bodyPr rtlCol="0" anchor="ctr"/>
+          <a:lstStyle/>
+          <a:p>
+            <a:pPr algn="ctr"/>
+            <a:endParaRPr lang="zh-CN" altLang="en-US"/>
+          </a:p>
+        </p:txBody>
+      </p:sp>
+      <p:sp>
+        <p:nvSpPr>
+          <p:cNvPr id="44" name="文本框 43"/>
+          <p:cNvSpPr txBox="1"/>
+          <p:nvPr/>
+        </p:nvSpPr>
+        <p:spPr>
+          <a:xfrm>
+            <a:off x="8867000" y="1687945"/>
+            <a:ext cx="726481" cy="523220"/>
+          </a:xfrm>
+          <a:prstGeom prst="rect">
+            <a:avLst/>
+          </a:prstGeom>
+          <a:noFill/>
+        </p:spPr>
+        <p:txBody>
+          <a:bodyPr wrap="none" rtlCol="0">
+            <a:spAutoFit/>
+          </a:bodyPr>
+          <a:lstStyle/>
+          <a:p>
+            <a:r>
+              <a:rPr lang="en-US" altLang="zh-CN" sz="2800" dirty="0" smtClean="0"/>
+              <a:t>sp3</a:t>
+            </a:r>
+            <a:endParaRPr lang="zh-CN" altLang="en-US" sz="2800" dirty="0"/>
+          </a:p>
+        </p:txBody>
+      </p:sp>
+      <p:sp>
+        <p:nvSpPr>
+          <p:cNvPr id="45" name="椭圆 44"/>
+          <p:cNvSpPr/>
+          <p:nvPr/>
+        </p:nvSpPr>
+        <p:spPr>
+          <a:xfrm>
+            <a:off x="8394242" y="1888975"/>
+            <a:ext cx="287973" cy="220027"/>
+          </a:xfrm>
+          <a:prstGeom prst="ellipse">
+            <a:avLst/>
+          </a:prstGeom>
+        </p:spPr>
+        <p:style>
+          <a:lnRef idx="2">
+            <a:schemeClr val="accent1">
+              <a:shade val="50000"/>
+            </a:schemeClr>
+          </a:lnRef>
+          <a:fillRef idx="1">
+            <a:schemeClr val="accent1"/>
+          </a:fillRef>
+          <a:effectRef idx="0">
+            <a:schemeClr val="accent1"/>
+          </a:effectRef>
+          <a:fontRef idx="minor">
+            <a:schemeClr val="lt1"/>
+          </a:fontRef>
+        </p:style>
+        <p:txBody>
+          <a:bodyPr rtlCol="0" anchor="ctr"/>
+          <a:lstStyle/>
+          <a:p>
+            <a:pPr algn="ctr"/>
+            <a:endParaRPr lang="zh-CN" altLang="en-US"/>
+          </a:p>
+        </p:txBody>
+      </p:sp>
+      <p:sp>
+        <p:nvSpPr>
+          <p:cNvPr id="46" name="椭圆 45"/>
+          <p:cNvSpPr/>
+          <p:nvPr/>
+        </p:nvSpPr>
+        <p:spPr>
+          <a:xfrm>
+            <a:off x="7658560" y="1751026"/>
+            <a:ext cx="735682" cy="495927"/>
+          </a:xfrm>
+          <a:prstGeom prst="ellipse">
+            <a:avLst/>
+          </a:prstGeom>
+          <a:solidFill>
+            <a:srgbClr val="FF0000"/>
+          </a:solidFill>
+        </p:spPr>
+        <p:style>
+          <a:lnRef idx="2">
+            <a:schemeClr val="accent1">
+              <a:shade val="50000"/>
+            </a:schemeClr>
+          </a:lnRef>
+          <a:fillRef idx="1">
+            <a:schemeClr val="accent1"/>
+          </a:fillRef>
+          <a:effectRef idx="0">
+            <a:schemeClr val="accent1"/>
+          </a:effectRef>
+          <a:fontRef idx="minor">
+            <a:schemeClr val="lt1"/>
+          </a:fontRef>
+        </p:style>
+        <p:txBody>
+          <a:bodyPr rtlCol="0" anchor="ctr"/>
+          <a:lstStyle/>
+          <a:p>
+            <a:pPr algn="ctr"/>
+            <a:endParaRPr lang="zh-CN" altLang="en-US"/>
+          </a:p>
+        </p:txBody>
+      </p:sp>
+      <p:sp>
+        <p:nvSpPr>
+          <p:cNvPr id="47" name="椭圆 46"/>
+          <p:cNvSpPr/>
+          <p:nvPr/>
+        </p:nvSpPr>
+        <p:spPr>
+          <a:xfrm>
+            <a:off x="5777343" y="2768408"/>
+            <a:ext cx="287973" cy="220027"/>
+          </a:xfrm>
+          <a:prstGeom prst="ellipse">
+            <a:avLst/>
+          </a:prstGeom>
+        </p:spPr>
+        <p:style>
+          <a:lnRef idx="2">
+            <a:schemeClr val="accent1">
+              <a:shade val="50000"/>
+            </a:schemeClr>
+          </a:lnRef>
+          <a:fillRef idx="1">
+            <a:schemeClr val="accent1"/>
+          </a:fillRef>
+          <a:effectRef idx="0">
+            <a:schemeClr val="accent1"/>
+          </a:effectRef>
+          <a:fontRef idx="minor">
+            <a:schemeClr val="lt1"/>
+          </a:fontRef>
+        </p:style>
+        <p:txBody>
+          <a:bodyPr rtlCol="0" anchor="ctr"/>
+          <a:lstStyle/>
+          <a:p>
+            <a:pPr algn="ctr"/>
+            <a:endParaRPr lang="zh-CN" altLang="en-US"/>
+          </a:p>
+        </p:txBody>
+      </p:sp>
+      <p:sp>
+        <p:nvSpPr>
+          <p:cNvPr id="48" name="椭圆 47"/>
+          <p:cNvSpPr/>
+          <p:nvPr/>
+        </p:nvSpPr>
+        <p:spPr>
+          <a:xfrm>
+            <a:off x="4779354" y="2630459"/>
+            <a:ext cx="997989" cy="495927"/>
+          </a:xfrm>
+          <a:prstGeom prst="ellipse">
+            <a:avLst/>
+          </a:prstGeom>
+          <a:solidFill>
+            <a:srgbClr val="FF0000"/>
+          </a:solidFill>
+        </p:spPr>
+        <p:style>
+          <a:lnRef idx="2">
+            <a:schemeClr val="accent1">
+              <a:shade val="50000"/>
+            </a:schemeClr>
+          </a:lnRef>
+          <a:fillRef idx="1">
+            <a:schemeClr val="accent1"/>
+          </a:fillRef>
+          <a:effectRef idx="0">
+            <a:schemeClr val="accent1"/>
+          </a:effectRef>
+          <a:fontRef idx="minor">
+            <a:schemeClr val="lt1"/>
+          </a:fontRef>
+        </p:style>
+        <p:txBody>
+          <a:bodyPr rtlCol="0" anchor="ctr"/>
+          <a:lstStyle/>
+          <a:p>
+            <a:pPr algn="ctr"/>
+            <a:endParaRPr lang="zh-CN" altLang="en-US"/>
+          </a:p>
+        </p:txBody>
+      </p:sp>
+      <p:sp>
+        <p:nvSpPr>
+          <p:cNvPr id="49" name="椭圆 48"/>
+          <p:cNvSpPr/>
+          <p:nvPr/>
+        </p:nvSpPr>
+        <p:spPr>
+          <a:xfrm>
+            <a:off x="4488955" y="2777074"/>
+            <a:ext cx="287973" cy="220027"/>
+          </a:xfrm>
+          <a:prstGeom prst="ellipse">
+            <a:avLst/>
+          </a:prstGeom>
+        </p:spPr>
+        <p:style>
+          <a:lnRef idx="2">
+            <a:schemeClr val="accent1">
+              <a:shade val="50000"/>
+            </a:schemeClr>
+          </a:lnRef>
+          <a:fillRef idx="1">
+            <a:schemeClr val="accent1"/>
+          </a:fillRef>
+          <a:effectRef idx="0">
+            <a:schemeClr val="accent1"/>
+          </a:effectRef>
+          <a:fontRef idx="minor">
+            <a:schemeClr val="lt1"/>
+          </a:fontRef>
+        </p:style>
+        <p:txBody>
+          <a:bodyPr rtlCol="0" anchor="ctr"/>
+          <a:lstStyle/>
+          <a:p>
+            <a:pPr algn="ctr"/>
+            <a:endParaRPr lang="zh-CN" altLang="en-US"/>
+          </a:p>
+        </p:txBody>
+      </p:sp>
+      <p:sp>
+        <p:nvSpPr>
+          <p:cNvPr id="50" name="椭圆 49"/>
+          <p:cNvSpPr/>
+          <p:nvPr/>
+        </p:nvSpPr>
+        <p:spPr>
+          <a:xfrm>
+            <a:off x="4508823" y="894115"/>
+            <a:ext cx="374074" cy="252165"/>
+          </a:xfrm>
+          <a:prstGeom prst="ellipse">
+            <a:avLst/>
+          </a:prstGeom>
+          <a:solidFill>
+            <a:srgbClr val="FF0000"/>
+          </a:solidFill>
+        </p:spPr>
+        <p:style>
+          <a:lnRef idx="2">
+            <a:schemeClr val="accent1">
+              <a:shade val="50000"/>
+            </a:schemeClr>
+          </a:lnRef>
+          <a:fillRef idx="1">
+            <a:schemeClr val="accent1"/>
+          </a:fillRef>
+          <a:effectRef idx="0">
+            <a:schemeClr val="accent1"/>
+          </a:effectRef>
+          <a:fontRef idx="minor">
+            <a:schemeClr val="lt1"/>
+          </a:fontRef>
+        </p:style>
+        <p:txBody>
+          <a:bodyPr rtlCol="0" anchor="ctr"/>
+          <a:lstStyle/>
+          <a:p>
+            <a:pPr algn="ctr"/>
+            <a:endParaRPr lang="zh-CN" altLang="en-US"/>
+          </a:p>
+        </p:txBody>
+      </p:sp>
+      <p:sp>
+        <p:nvSpPr>
+          <p:cNvPr id="51" name="椭圆 50"/>
+          <p:cNvSpPr/>
+          <p:nvPr/>
+        </p:nvSpPr>
+        <p:spPr>
+          <a:xfrm>
+            <a:off x="4887516" y="949192"/>
+            <a:ext cx="181270" cy="154306"/>
+          </a:xfrm>
+          <a:prstGeom prst="ellipse">
+            <a:avLst/>
+          </a:prstGeom>
+          <a:solidFill>
+            <a:srgbClr val="5B9BD5"/>
+          </a:solidFill>
+        </p:spPr>
+        <p:style>
+          <a:lnRef idx="2">
+            <a:schemeClr val="accent1">
+              <a:shade val="50000"/>
+            </a:schemeClr>
+          </a:lnRef>
+          <a:fillRef idx="1">
+            <a:schemeClr val="accent1"/>
+          </a:fillRef>
+          <a:effectRef idx="0">
+            <a:schemeClr val="accent1"/>
+          </a:effectRef>
+          <a:fontRef idx="minor">
+            <a:schemeClr val="lt1"/>
+          </a:fontRef>
+        </p:style>
+        <p:txBody>
+          <a:bodyPr rtlCol="0" anchor="ctr"/>
+          <a:lstStyle/>
+          <a:p>
+            <a:pPr algn="ctr"/>
+            <a:endParaRPr lang="zh-CN" altLang="en-US" dirty="0"/>
+          </a:p>
+        </p:txBody>
+      </p:sp>
+    </p:spTree>
+    <p:extLst>
+      <p:ext uri="{BB962C8B-B14F-4D97-AF65-F5344CB8AC3E}">
+        <p14:creationId xmlns:p14="http://schemas.microsoft.com/office/powerpoint/2010/main" val="1772817094"/>
+      </p:ext>
+    </p:extLst>
+  </p:cSld>
+  <p:clrMapOvr>
+    <a:masterClrMapping/>
+  </p:clrMapOvr>
+</p:sld>
+</file>
+
+<file path=ppt/slides/slide6.xml><?xml version="1.0" encoding="utf-8"?>
+<p:sld xmlns:a="http://schemas.openxmlformats.org/drawingml/2006/main" xmlns:r="http://schemas.openxmlformats.org/officeDocument/2006/relationships" xmlns:p="http://schemas.openxmlformats.org/presentationml/2006/main">
+  <p:cSld>
+    <p:spTree>
+      <p:nvGrpSpPr>
+        <p:cNvPr id="1" name=""/>
+        <p:cNvGrpSpPr/>
+        <p:nvPr/>
+      </p:nvGrpSpPr>
+      <p:grpSpPr>
+        <a:xfrm>
+          <a:off x="0" y="0"/>
+          <a:ext cx="0" cy="0"/>
+          <a:chOff x="0" y="0"/>
+          <a:chExt cx="0" cy="0"/>
+        </a:xfrm>
+      </p:grpSpPr>
+      <p:cxnSp>
+        <p:nvCxnSpPr>
+          <p:cNvPr id="5" name="直接连接符 4"/>
+          <p:cNvCxnSpPr/>
+          <p:nvPr/>
+        </p:nvCxnSpPr>
+        <p:spPr>
+          <a:xfrm>
+            <a:off x="3195782" y="2022764"/>
+            <a:ext cx="692728" cy="0"/>
+          </a:xfrm>
+          <a:prstGeom prst="line">
+            <a:avLst/>
+          </a:prstGeom>
+          <a:ln w="28575">
+            <a:solidFill>
+              <a:schemeClr val="tx1"/>
+            </a:solidFill>
+          </a:ln>
+        </p:spPr>
+        <p:style>
+          <a:lnRef idx="1">
+            <a:schemeClr val="accent1"/>
+          </a:lnRef>
+          <a:fillRef idx="0">
+            <a:schemeClr val="accent1"/>
+          </a:fillRef>
+          <a:effectRef idx="0">
+            <a:schemeClr val="accent1"/>
+          </a:effectRef>
+          <a:fontRef idx="minor">
+            <a:schemeClr val="tx1"/>
+          </a:fontRef>
+        </p:style>
+      </p:cxnSp>
+      <p:cxnSp>
+        <p:nvCxnSpPr>
+          <p:cNvPr id="6" name="直接连接符 5"/>
+          <p:cNvCxnSpPr/>
+          <p:nvPr/>
+        </p:nvCxnSpPr>
+        <p:spPr>
+          <a:xfrm>
+            <a:off x="6627091" y="2022764"/>
+            <a:ext cx="692728" cy="0"/>
+          </a:xfrm>
+          <a:prstGeom prst="line">
+            <a:avLst/>
+          </a:prstGeom>
+          <a:ln w="28575">
+            <a:solidFill>
+              <a:schemeClr val="tx1"/>
+            </a:solidFill>
+          </a:ln>
+        </p:spPr>
+        <p:style>
+          <a:lnRef idx="1">
+            <a:schemeClr val="accent1"/>
+          </a:lnRef>
+          <a:fillRef idx="0">
+            <a:schemeClr val="accent1"/>
+          </a:fillRef>
+          <a:effectRef idx="0">
+            <a:schemeClr val="accent1"/>
+          </a:effectRef>
+          <a:fontRef idx="minor">
+            <a:schemeClr val="tx1"/>
+          </a:fontRef>
+        </p:style>
+      </p:cxnSp>
+      <p:cxnSp>
+        <p:nvCxnSpPr>
+          <p:cNvPr id="7" name="直接连接符 6"/>
+          <p:cNvCxnSpPr/>
+          <p:nvPr/>
+        </p:nvCxnSpPr>
+        <p:spPr>
+          <a:xfrm>
+            <a:off x="4655127" y="1353127"/>
+            <a:ext cx="1265382" cy="0"/>
+          </a:xfrm>
+          <a:prstGeom prst="line">
+            <a:avLst/>
+          </a:prstGeom>
+          <a:ln w="28575">
+            <a:solidFill>
+              <a:schemeClr val="tx1"/>
+            </a:solidFill>
+          </a:ln>
+        </p:spPr>
+        <p:style>
+          <a:lnRef idx="1">
+            <a:schemeClr val="accent1"/>
+          </a:lnRef>
+          <a:fillRef idx="0">
+            <a:schemeClr val="accent1"/>
+          </a:fillRef>
+          <a:effectRef idx="0">
+            <a:schemeClr val="accent1"/>
+          </a:effectRef>
+          <a:fontRef idx="minor">
+            <a:schemeClr val="tx1"/>
+          </a:fontRef>
+        </p:style>
+      </p:cxnSp>
+      <p:cxnSp>
+        <p:nvCxnSpPr>
+          <p:cNvPr id="9" name="直接连接符 8"/>
+          <p:cNvCxnSpPr/>
+          <p:nvPr/>
+        </p:nvCxnSpPr>
+        <p:spPr>
+          <a:xfrm>
+            <a:off x="4655127" y="2567709"/>
+            <a:ext cx="1265382" cy="0"/>
+          </a:xfrm>
+          <a:prstGeom prst="line">
+            <a:avLst/>
+          </a:prstGeom>
+          <a:ln w="28575">
+            <a:solidFill>
+              <a:schemeClr val="tx1"/>
+            </a:solidFill>
+          </a:ln>
+        </p:spPr>
+        <p:style>
+          <a:lnRef idx="1">
+            <a:schemeClr val="accent1"/>
+          </a:lnRef>
+          <a:fillRef idx="0">
+            <a:schemeClr val="accent1"/>
+          </a:fillRef>
+          <a:effectRef idx="0">
+            <a:schemeClr val="accent1"/>
+          </a:effectRef>
+          <a:fontRef idx="minor">
+            <a:schemeClr val="tx1"/>
+          </a:fontRef>
+        </p:style>
+      </p:cxnSp>
+      <p:cxnSp>
+        <p:nvCxnSpPr>
+          <p:cNvPr id="11" name="直接连接符 10"/>
+          <p:cNvCxnSpPr/>
+          <p:nvPr/>
+        </p:nvCxnSpPr>
+        <p:spPr>
+          <a:xfrm flipV="1">
+            <a:off x="3888510" y="1353127"/>
+            <a:ext cx="766617" cy="669637"/>
+          </a:xfrm>
+          <a:prstGeom prst="line">
+            <a:avLst/>
+          </a:prstGeom>
+          <a:ln w="28575">
+            <a:solidFill>
+              <a:schemeClr val="tx1"/>
+            </a:solidFill>
+            <a:prstDash val="dash"/>
+          </a:ln>
+        </p:spPr>
+        <p:style>
+          <a:lnRef idx="1">
+            <a:schemeClr val="accent1"/>
+          </a:lnRef>
+          <a:fillRef idx="0">
+            <a:schemeClr val="accent1"/>
+          </a:fillRef>
+          <a:effectRef idx="0">
+            <a:schemeClr val="accent1"/>
+          </a:effectRef>
+          <a:fontRef idx="minor">
+            <a:schemeClr val="tx1"/>
+          </a:fontRef>
+        </p:style>
+      </p:cxnSp>
+      <p:cxnSp>
+        <p:nvCxnSpPr>
+          <p:cNvPr id="13" name="直接连接符 12"/>
+          <p:cNvCxnSpPr/>
+          <p:nvPr/>
+        </p:nvCxnSpPr>
+        <p:spPr>
+          <a:xfrm>
+            <a:off x="3888510" y="2022764"/>
+            <a:ext cx="766617" cy="544945"/>
+          </a:xfrm>
+          <a:prstGeom prst="line">
+            <a:avLst/>
+          </a:prstGeom>
+          <a:ln w="28575">
+            <a:solidFill>
+              <a:schemeClr val="tx1"/>
+            </a:solidFill>
+            <a:prstDash val="dash"/>
+          </a:ln>
+        </p:spPr>
+        <p:style>
+          <a:lnRef idx="1">
+            <a:schemeClr val="accent1"/>
+          </a:lnRef>
+          <a:fillRef idx="0">
+            <a:schemeClr val="accent1"/>
+          </a:fillRef>
+          <a:effectRef idx="0">
+            <a:schemeClr val="accent1"/>
+          </a:effectRef>
+          <a:fontRef idx="minor">
+            <a:schemeClr val="tx1"/>
+          </a:fontRef>
+        </p:style>
+      </p:cxnSp>
+      <p:cxnSp>
+        <p:nvCxnSpPr>
+          <p:cNvPr id="15" name="直接连接符 14"/>
+          <p:cNvCxnSpPr/>
+          <p:nvPr/>
+        </p:nvCxnSpPr>
+        <p:spPr>
+          <a:xfrm flipV="1">
+            <a:off x="5920509" y="2022764"/>
+            <a:ext cx="706582" cy="544945"/>
+          </a:xfrm>
+          <a:prstGeom prst="line">
+            <a:avLst/>
+          </a:prstGeom>
+          <a:ln w="28575">
+            <a:solidFill>
+              <a:schemeClr val="tx1"/>
+            </a:solidFill>
+            <a:prstDash val="dash"/>
+          </a:ln>
+        </p:spPr>
+        <p:style>
+          <a:lnRef idx="1">
+            <a:schemeClr val="accent1"/>
+          </a:lnRef>
+          <a:fillRef idx="0">
+            <a:schemeClr val="accent1"/>
+          </a:fillRef>
+          <a:effectRef idx="0">
+            <a:schemeClr val="accent1"/>
+          </a:effectRef>
+          <a:fontRef idx="minor">
+            <a:schemeClr val="tx1"/>
+          </a:fontRef>
+        </p:style>
+      </p:cxnSp>
+      <p:cxnSp>
+        <p:nvCxnSpPr>
+          <p:cNvPr id="17" name="直接连接符 16"/>
+          <p:cNvCxnSpPr/>
+          <p:nvPr/>
+        </p:nvCxnSpPr>
+        <p:spPr>
+          <a:xfrm>
+            <a:off x="5920509" y="1353127"/>
+            <a:ext cx="706582" cy="669637"/>
+          </a:xfrm>
+          <a:prstGeom prst="line">
+            <a:avLst/>
+          </a:prstGeom>
+          <a:ln w="28575">
+            <a:solidFill>
+              <a:schemeClr val="tx1"/>
+            </a:solidFill>
+            <a:prstDash val="dash"/>
+          </a:ln>
+        </p:spPr>
+        <p:style>
+          <a:lnRef idx="1">
+            <a:schemeClr val="accent1"/>
+          </a:lnRef>
+          <a:fillRef idx="0">
+            <a:schemeClr val="accent1"/>
+          </a:fillRef>
+          <a:effectRef idx="0">
+            <a:schemeClr val="accent1"/>
+          </a:effectRef>
+          <a:fontRef idx="minor">
+            <a:schemeClr val="tx1"/>
+          </a:fontRef>
+        </p:style>
+      </p:cxnSp>
+      <p:sp>
+        <p:nvSpPr>
+          <p:cNvPr id="18" name="文本框 17"/>
+          <p:cNvSpPr txBox="1"/>
+          <p:nvPr/>
+        </p:nvSpPr>
+        <p:spPr>
+          <a:xfrm>
+            <a:off x="6363960" y="1168460"/>
+            <a:ext cx="646331" cy="369332"/>
+          </a:xfrm>
+          <a:prstGeom prst="rect">
+            <a:avLst/>
+          </a:prstGeom>
+          <a:noFill/>
+        </p:spPr>
+        <p:txBody>
+          <a:bodyPr wrap="none" rtlCol="0">
+            <a:spAutoFit/>
+          </a:bodyPr>
+          <a:lstStyle/>
+          <a:p>
+            <a:r>
+              <a:rPr lang="zh-CN" altLang="en-US" dirty="0" smtClean="0"/>
+              <a:t>反键</a:t>
+            </a:r>
+            <a:endParaRPr lang="zh-CN" altLang="en-US" dirty="0"/>
+          </a:p>
+        </p:txBody>
+      </p:sp>
+      <p:sp>
+        <p:nvSpPr>
+          <p:cNvPr id="19" name="文本框 18"/>
+          <p:cNvSpPr txBox="1"/>
+          <p:nvPr/>
+        </p:nvSpPr>
+        <p:spPr>
+          <a:xfrm>
+            <a:off x="6363960" y="2359889"/>
+            <a:ext cx="646331" cy="369332"/>
+          </a:xfrm>
+          <a:prstGeom prst="rect">
+            <a:avLst/>
+          </a:prstGeom>
+          <a:noFill/>
+        </p:spPr>
+        <p:txBody>
+          <a:bodyPr wrap="none" rtlCol="0">
+            <a:spAutoFit/>
+          </a:bodyPr>
+          <a:lstStyle/>
+          <a:p>
+            <a:r>
+              <a:rPr lang="zh-CN" altLang="en-US" dirty="0"/>
+              <a:t>成</a:t>
+            </a:r>
+            <a:r>
+              <a:rPr lang="zh-CN" altLang="en-US" dirty="0" smtClean="0"/>
+              <a:t>键</a:t>
+            </a:r>
+            <a:endParaRPr lang="zh-CN" altLang="en-US" dirty="0"/>
+          </a:p>
+        </p:txBody>
+      </p:sp>
+      <p:cxnSp>
+        <p:nvCxnSpPr>
+          <p:cNvPr id="20" name="直接连接符 19"/>
+          <p:cNvCxnSpPr/>
+          <p:nvPr/>
+        </p:nvCxnSpPr>
+        <p:spPr>
+          <a:xfrm>
+            <a:off x="3195782" y="5010605"/>
+            <a:ext cx="692728" cy="0"/>
+          </a:xfrm>
+          <a:prstGeom prst="line">
+            <a:avLst/>
+          </a:prstGeom>
+          <a:ln w="28575">
+            <a:solidFill>
+              <a:schemeClr val="tx1"/>
+            </a:solidFill>
+          </a:ln>
+        </p:spPr>
+        <p:style>
+          <a:lnRef idx="1">
+            <a:schemeClr val="accent1"/>
+          </a:lnRef>
+          <a:fillRef idx="0">
+            <a:schemeClr val="accent1"/>
+          </a:fillRef>
+          <a:effectRef idx="0">
+            <a:schemeClr val="accent1"/>
+          </a:effectRef>
+          <a:fontRef idx="minor">
+            <a:schemeClr val="tx1"/>
+          </a:fontRef>
+        </p:style>
+      </p:cxnSp>
+      <p:cxnSp>
+        <p:nvCxnSpPr>
+          <p:cNvPr id="21" name="直接连接符 20"/>
+          <p:cNvCxnSpPr/>
+          <p:nvPr/>
+        </p:nvCxnSpPr>
+        <p:spPr>
+          <a:xfrm>
+            <a:off x="6627091" y="5010605"/>
+            <a:ext cx="692728" cy="0"/>
+          </a:xfrm>
+          <a:prstGeom prst="line">
+            <a:avLst/>
+          </a:prstGeom>
+          <a:ln w="28575">
+            <a:solidFill>
+              <a:schemeClr val="tx1"/>
+            </a:solidFill>
+          </a:ln>
+        </p:spPr>
+        <p:style>
+          <a:lnRef idx="1">
+            <a:schemeClr val="accent1"/>
+          </a:lnRef>
+          <a:fillRef idx="0">
+            <a:schemeClr val="accent1"/>
+          </a:fillRef>
+          <a:effectRef idx="0">
+            <a:schemeClr val="accent1"/>
+          </a:effectRef>
+          <a:fontRef idx="minor">
+            <a:schemeClr val="tx1"/>
+          </a:fontRef>
+        </p:style>
+      </p:cxnSp>
+      <p:cxnSp>
+        <p:nvCxnSpPr>
+          <p:cNvPr id="22" name="直接连接符 21"/>
+          <p:cNvCxnSpPr/>
+          <p:nvPr/>
+        </p:nvCxnSpPr>
+        <p:spPr>
+          <a:xfrm>
+            <a:off x="4655127" y="4340968"/>
+            <a:ext cx="1265382" cy="0"/>
+          </a:xfrm>
+          <a:prstGeom prst="line">
+            <a:avLst/>
+          </a:prstGeom>
+          <a:ln w="28575">
+            <a:solidFill>
+              <a:schemeClr val="tx1"/>
+            </a:solidFill>
+          </a:ln>
+        </p:spPr>
+        <p:style>
+          <a:lnRef idx="1">
+            <a:schemeClr val="accent1"/>
+          </a:lnRef>
+          <a:fillRef idx="0">
+            <a:schemeClr val="accent1"/>
+          </a:fillRef>
+          <a:effectRef idx="0">
+            <a:schemeClr val="accent1"/>
+          </a:effectRef>
+          <a:fontRef idx="minor">
+            <a:schemeClr val="tx1"/>
+          </a:fontRef>
+        </p:style>
+      </p:cxnSp>
+      <p:cxnSp>
+        <p:nvCxnSpPr>
+          <p:cNvPr id="23" name="直接连接符 22"/>
+          <p:cNvCxnSpPr/>
+          <p:nvPr/>
+        </p:nvCxnSpPr>
+        <p:spPr>
+          <a:xfrm>
+            <a:off x="4655127" y="5555550"/>
+            <a:ext cx="1265382" cy="0"/>
+          </a:xfrm>
+          <a:prstGeom prst="line">
+            <a:avLst/>
+          </a:prstGeom>
+          <a:ln w="28575">
+            <a:solidFill>
+              <a:schemeClr val="tx1"/>
+            </a:solidFill>
+          </a:ln>
+        </p:spPr>
+        <p:style>
+          <a:lnRef idx="1">
+            <a:schemeClr val="accent1"/>
+          </a:lnRef>
+          <a:fillRef idx="0">
+            <a:schemeClr val="accent1"/>
+          </a:fillRef>
+          <a:effectRef idx="0">
+            <a:schemeClr val="accent1"/>
+          </a:effectRef>
+          <a:fontRef idx="minor">
+            <a:schemeClr val="tx1"/>
+          </a:fontRef>
+        </p:style>
+      </p:cxnSp>
+      <p:cxnSp>
+        <p:nvCxnSpPr>
+          <p:cNvPr id="24" name="直接连接符 23"/>
+          <p:cNvCxnSpPr/>
+          <p:nvPr/>
+        </p:nvCxnSpPr>
+        <p:spPr>
+          <a:xfrm flipV="1">
+            <a:off x="3888510" y="4340968"/>
+            <a:ext cx="766617" cy="669637"/>
+          </a:xfrm>
+          <a:prstGeom prst="line">
+            <a:avLst/>
+          </a:prstGeom>
+          <a:ln w="28575">
+            <a:solidFill>
+              <a:schemeClr val="tx1"/>
+            </a:solidFill>
+            <a:prstDash val="dash"/>
+          </a:ln>
+        </p:spPr>
+        <p:style>
+          <a:lnRef idx="1">
+            <a:schemeClr val="accent1"/>
+          </a:lnRef>
+          <a:fillRef idx="0">
+            <a:schemeClr val="accent1"/>
+          </a:fillRef>
+          <a:effectRef idx="0">
+            <a:schemeClr val="accent1"/>
+          </a:effectRef>
+          <a:fontRef idx="minor">
+            <a:schemeClr val="tx1"/>
+          </a:fontRef>
+        </p:style>
+      </p:cxnSp>
+      <p:cxnSp>
+        <p:nvCxnSpPr>
+          <p:cNvPr id="25" name="直接连接符 24"/>
+          <p:cNvCxnSpPr/>
+          <p:nvPr/>
+        </p:nvCxnSpPr>
+        <p:spPr>
+          <a:xfrm>
+            <a:off x="3888510" y="5010605"/>
+            <a:ext cx="766617" cy="544945"/>
+          </a:xfrm>
+          <a:prstGeom prst="line">
+            <a:avLst/>
+          </a:prstGeom>
+          <a:ln w="28575">
+            <a:solidFill>
+              <a:schemeClr val="tx1"/>
+            </a:solidFill>
+            <a:prstDash val="dash"/>
+          </a:ln>
+        </p:spPr>
+        <p:style>
+          <a:lnRef idx="1">
+            <a:schemeClr val="accent1"/>
+          </a:lnRef>
+          <a:fillRef idx="0">
+            <a:schemeClr val="accent1"/>
+          </a:fillRef>
+          <a:effectRef idx="0">
+            <a:schemeClr val="accent1"/>
+          </a:effectRef>
+          <a:fontRef idx="minor">
+            <a:schemeClr val="tx1"/>
+          </a:fontRef>
+        </p:style>
+      </p:cxnSp>
+      <p:cxnSp>
+        <p:nvCxnSpPr>
+          <p:cNvPr id="26" name="直接连接符 25"/>
+          <p:cNvCxnSpPr/>
+          <p:nvPr/>
+        </p:nvCxnSpPr>
+        <p:spPr>
+          <a:xfrm flipV="1">
+            <a:off x="5920509" y="5010605"/>
+            <a:ext cx="706582" cy="544945"/>
+          </a:xfrm>
+          <a:prstGeom prst="line">
+            <a:avLst/>
+          </a:prstGeom>
+          <a:ln w="28575">
+            <a:solidFill>
+              <a:schemeClr val="tx1"/>
+            </a:solidFill>
+            <a:prstDash val="dash"/>
+          </a:ln>
+        </p:spPr>
+        <p:style>
+          <a:lnRef idx="1">
+            <a:schemeClr val="accent1"/>
+          </a:lnRef>
+          <a:fillRef idx="0">
+            <a:schemeClr val="accent1"/>
+          </a:fillRef>
+          <a:effectRef idx="0">
+            <a:schemeClr val="accent1"/>
+          </a:effectRef>
+          <a:fontRef idx="minor">
+            <a:schemeClr val="tx1"/>
+          </a:fontRef>
+        </p:style>
+      </p:cxnSp>
+      <p:cxnSp>
+        <p:nvCxnSpPr>
+          <p:cNvPr id="27" name="直接连接符 26"/>
+          <p:cNvCxnSpPr/>
+          <p:nvPr/>
+        </p:nvCxnSpPr>
+        <p:spPr>
+          <a:xfrm>
+            <a:off x="5920509" y="4340968"/>
+            <a:ext cx="706582" cy="669637"/>
+          </a:xfrm>
+          <a:prstGeom prst="line">
+            <a:avLst/>
+          </a:prstGeom>
+          <a:ln w="28575">
+            <a:solidFill>
+              <a:schemeClr val="tx1"/>
+            </a:solidFill>
+            <a:prstDash val="dash"/>
+          </a:ln>
+        </p:spPr>
+        <p:style>
+          <a:lnRef idx="1">
+            <a:schemeClr val="accent1"/>
+          </a:lnRef>
+          <a:fillRef idx="0">
+            <a:schemeClr val="accent1"/>
+          </a:fillRef>
+          <a:effectRef idx="0">
+            <a:schemeClr val="accent1"/>
+          </a:effectRef>
+          <a:fontRef idx="minor">
+            <a:schemeClr val="tx1"/>
+          </a:fontRef>
+        </p:style>
+      </p:cxnSp>
+      <p:sp>
+        <p:nvSpPr>
+          <p:cNvPr id="28" name="文本框 27"/>
+          <p:cNvSpPr txBox="1"/>
+          <p:nvPr/>
+        </p:nvSpPr>
+        <p:spPr>
+          <a:xfrm>
+            <a:off x="6363960" y="4156301"/>
+            <a:ext cx="646331" cy="369332"/>
+          </a:xfrm>
+          <a:prstGeom prst="rect">
+            <a:avLst/>
+          </a:prstGeom>
+          <a:noFill/>
+        </p:spPr>
+        <p:txBody>
+          <a:bodyPr wrap="none" rtlCol="0">
+            <a:spAutoFit/>
+          </a:bodyPr>
+          <a:lstStyle/>
+          <a:p>
+            <a:r>
+              <a:rPr lang="zh-CN" altLang="en-US" dirty="0" smtClean="0"/>
+              <a:t>反键</a:t>
+            </a:r>
+            <a:endParaRPr lang="zh-CN" altLang="en-US" dirty="0"/>
+          </a:p>
+        </p:txBody>
+      </p:sp>
+      <p:sp>
+        <p:nvSpPr>
+          <p:cNvPr id="29" name="文本框 28"/>
+          <p:cNvSpPr txBox="1"/>
+          <p:nvPr/>
+        </p:nvSpPr>
+        <p:spPr>
+          <a:xfrm>
+            <a:off x="6363960" y="5347730"/>
+            <a:ext cx="646331" cy="369332"/>
+          </a:xfrm>
+          <a:prstGeom prst="rect">
+            <a:avLst/>
+          </a:prstGeom>
+          <a:noFill/>
+        </p:spPr>
+        <p:txBody>
+          <a:bodyPr wrap="none" rtlCol="0">
+            <a:spAutoFit/>
+          </a:bodyPr>
+          <a:lstStyle/>
+          <a:p>
+            <a:r>
+              <a:rPr lang="zh-CN" altLang="en-US" dirty="0"/>
+              <a:t>成</a:t>
+            </a:r>
+            <a:r>
+              <a:rPr lang="zh-CN" altLang="en-US" dirty="0" smtClean="0"/>
+              <a:t>键</a:t>
+            </a:r>
+            <a:endParaRPr lang="zh-CN" altLang="en-US" dirty="0"/>
+          </a:p>
+        </p:txBody>
+      </p:sp>
+      <p:sp>
+        <p:nvSpPr>
+          <p:cNvPr id="30" name="文本框 29"/>
+          <p:cNvSpPr txBox="1"/>
+          <p:nvPr/>
+        </p:nvSpPr>
+        <p:spPr>
+          <a:xfrm>
+            <a:off x="979054" y="583685"/>
+            <a:ext cx="417102" cy="584775"/>
+          </a:xfrm>
+          <a:prstGeom prst="rect">
+            <a:avLst/>
+          </a:prstGeom>
+          <a:noFill/>
+        </p:spPr>
+        <p:txBody>
+          <a:bodyPr wrap="none" rtlCol="0">
+            <a:spAutoFit/>
+          </a:bodyPr>
+          <a:lstStyle/>
+          <a:p>
+            <a:r>
+              <a:rPr lang="el-GR" altLang="zh-CN" sz="3200" dirty="0"/>
+              <a:t>σ</a:t>
+            </a:r>
+            <a:endParaRPr lang="zh-CN" altLang="en-US" sz="3200" dirty="0"/>
+          </a:p>
+        </p:txBody>
+      </p:sp>
+      <p:sp>
+        <p:nvSpPr>
+          <p:cNvPr id="31" name="文本框 30"/>
+          <p:cNvSpPr txBox="1"/>
+          <p:nvPr/>
+        </p:nvSpPr>
+        <p:spPr>
+          <a:xfrm>
+            <a:off x="979054" y="3682485"/>
+            <a:ext cx="439544" cy="584775"/>
+          </a:xfrm>
+          <a:prstGeom prst="rect">
+            <a:avLst/>
+          </a:prstGeom>
+          <a:noFill/>
+        </p:spPr>
+        <p:txBody>
+          <a:bodyPr wrap="none" rtlCol="0">
+            <a:spAutoFit/>
+          </a:bodyPr>
+          <a:lstStyle/>
+          <a:p>
+            <a:r>
+              <a:rPr lang="el-GR" altLang="zh-CN" sz="3200" dirty="0"/>
+              <a:t>π</a:t>
+            </a:r>
+            <a:endParaRPr lang="zh-CN" altLang="en-US" sz="3200" dirty="0"/>
+          </a:p>
+        </p:txBody>
+      </p:sp>
+      <p:sp>
+        <p:nvSpPr>
+          <p:cNvPr id="33" name="文本框 32"/>
+          <p:cNvSpPr txBox="1"/>
+          <p:nvPr/>
+        </p:nvSpPr>
+        <p:spPr>
+          <a:xfrm>
+            <a:off x="1599860" y="1687945"/>
+            <a:ext cx="330540" cy="523220"/>
+          </a:xfrm>
+          <a:prstGeom prst="rect">
+            <a:avLst/>
+          </a:prstGeom>
+          <a:noFill/>
+        </p:spPr>
+        <p:txBody>
+          <a:bodyPr wrap="none" rtlCol="0">
+            <a:spAutoFit/>
+          </a:bodyPr>
+          <a:lstStyle/>
+          <a:p>
+            <a:r>
+              <a:rPr lang="en-US" altLang="zh-CN" sz="2800" dirty="0" smtClean="0"/>
+              <a:t>s</a:t>
+            </a:r>
+            <a:endParaRPr lang="zh-CN" altLang="en-US" sz="2800" dirty="0"/>
+          </a:p>
+        </p:txBody>
+      </p:sp>
+      <p:sp>
+        <p:nvSpPr>
+          <p:cNvPr id="2" name="椭圆 1"/>
+          <p:cNvSpPr/>
+          <p:nvPr/>
+        </p:nvSpPr>
+        <p:spPr>
+          <a:xfrm>
+            <a:off x="5618132" y="900263"/>
+            <a:ext cx="374074" cy="252165"/>
+          </a:xfrm>
+          <a:prstGeom prst="ellipse">
+            <a:avLst/>
+          </a:prstGeom>
+          <a:solidFill>
+            <a:srgbClr val="FF0000"/>
+          </a:solidFill>
+        </p:spPr>
+        <p:style>
+          <a:lnRef idx="2">
+            <a:schemeClr val="accent1">
+              <a:shade val="50000"/>
+            </a:schemeClr>
+          </a:lnRef>
+          <a:fillRef idx="1">
+            <a:schemeClr val="accent1"/>
+          </a:fillRef>
+          <a:effectRef idx="0">
+            <a:schemeClr val="accent1"/>
+          </a:effectRef>
+          <a:fontRef idx="minor">
+            <a:schemeClr val="lt1"/>
+          </a:fontRef>
+        </p:style>
+        <p:txBody>
+          <a:bodyPr rtlCol="0" anchor="ctr"/>
+          <a:lstStyle/>
+          <a:p>
+            <a:pPr algn="ctr"/>
+            <a:endParaRPr lang="zh-CN" altLang="en-US"/>
+          </a:p>
+        </p:txBody>
+      </p:sp>
+      <p:sp>
+        <p:nvSpPr>
+          <p:cNvPr id="39" name="椭圆 38"/>
+          <p:cNvSpPr/>
+          <p:nvPr/>
+        </p:nvSpPr>
+        <p:spPr>
+          <a:xfrm>
+            <a:off x="5432243" y="949192"/>
+            <a:ext cx="181270" cy="154306"/>
+          </a:xfrm>
+          <a:prstGeom prst="ellipse">
+            <a:avLst/>
+          </a:prstGeom>
+          <a:solidFill>
+            <a:srgbClr val="5B9BD5"/>
+          </a:solidFill>
+        </p:spPr>
+        <p:style>
+          <a:lnRef idx="2">
+            <a:schemeClr val="accent1">
+              <a:shade val="50000"/>
+            </a:schemeClr>
+          </a:lnRef>
+          <a:fillRef idx="1">
+            <a:schemeClr val="accent1"/>
+          </a:fillRef>
+          <a:effectRef idx="0">
+            <a:schemeClr val="accent1"/>
+          </a:effectRef>
+          <a:fontRef idx="minor">
+            <a:schemeClr val="lt1"/>
+          </a:fontRef>
+        </p:style>
+        <p:txBody>
+          <a:bodyPr rtlCol="0" anchor="ctr"/>
+          <a:lstStyle/>
+          <a:p>
+            <a:pPr algn="ctr"/>
+            <a:endParaRPr lang="zh-CN" altLang="en-US" dirty="0"/>
+          </a:p>
+        </p:txBody>
+      </p:sp>
+      <p:sp>
+        <p:nvSpPr>
+          <p:cNvPr id="38" name="椭圆 37"/>
+          <p:cNvSpPr/>
+          <p:nvPr/>
+        </p:nvSpPr>
+        <p:spPr>
+          <a:xfrm>
+            <a:off x="2369819" y="1764673"/>
+            <a:ext cx="514263" cy="495927"/>
+          </a:xfrm>
+          <a:prstGeom prst="ellipse">
+            <a:avLst/>
+          </a:prstGeom>
+          <a:solidFill>
+            <a:srgbClr val="FF0000"/>
+          </a:solidFill>
+        </p:spPr>
+        <p:style>
+          <a:lnRef idx="2">
+            <a:schemeClr val="accent1">
+              <a:shade val="50000"/>
+            </a:schemeClr>
+          </a:lnRef>
+          <a:fillRef idx="1">
+            <a:schemeClr val="accent1"/>
+          </a:fillRef>
+          <a:effectRef idx="0">
+            <a:schemeClr val="accent1"/>
+          </a:effectRef>
+          <a:fontRef idx="minor">
+            <a:schemeClr val="lt1"/>
+          </a:fontRef>
+        </p:style>
+        <p:txBody>
+          <a:bodyPr rtlCol="0" anchor="ctr"/>
+          <a:lstStyle/>
+          <a:p>
+            <a:pPr algn="ctr"/>
+            <a:endParaRPr lang="zh-CN" altLang="en-US"/>
+          </a:p>
+        </p:txBody>
+      </p:sp>
+      <p:sp>
+        <p:nvSpPr>
+          <p:cNvPr id="44" name="文本框 43"/>
+          <p:cNvSpPr txBox="1"/>
+          <p:nvPr/>
+        </p:nvSpPr>
+        <p:spPr>
+          <a:xfrm>
+            <a:off x="8867000" y="1687945"/>
+            <a:ext cx="726481" cy="523220"/>
+          </a:xfrm>
+          <a:prstGeom prst="rect">
+            <a:avLst/>
+          </a:prstGeom>
+          <a:noFill/>
+        </p:spPr>
+        <p:txBody>
+          <a:bodyPr wrap="none" rtlCol="0">
+            <a:spAutoFit/>
+          </a:bodyPr>
+          <a:lstStyle/>
+          <a:p>
+            <a:r>
+              <a:rPr lang="en-US" altLang="zh-CN" sz="2800" dirty="0" smtClean="0"/>
+              <a:t>sp3</a:t>
+            </a:r>
+            <a:endParaRPr lang="zh-CN" altLang="en-US" sz="2800" dirty="0"/>
+          </a:p>
+        </p:txBody>
+      </p:sp>
+      <p:sp>
+        <p:nvSpPr>
+          <p:cNvPr id="45" name="椭圆 44"/>
+          <p:cNvSpPr/>
+          <p:nvPr/>
+        </p:nvSpPr>
+        <p:spPr>
+          <a:xfrm>
+            <a:off x="8394242" y="1888975"/>
+            <a:ext cx="287973" cy="220027"/>
+          </a:xfrm>
+          <a:prstGeom prst="ellipse">
+            <a:avLst/>
+          </a:prstGeom>
+        </p:spPr>
+        <p:style>
+          <a:lnRef idx="2">
+            <a:schemeClr val="accent1">
+              <a:shade val="50000"/>
+            </a:schemeClr>
+          </a:lnRef>
+          <a:fillRef idx="1">
+            <a:schemeClr val="accent1"/>
+          </a:fillRef>
+          <a:effectRef idx="0">
+            <a:schemeClr val="accent1"/>
+          </a:effectRef>
+          <a:fontRef idx="minor">
+            <a:schemeClr val="lt1"/>
+          </a:fontRef>
+        </p:style>
+        <p:txBody>
+          <a:bodyPr rtlCol="0" anchor="ctr"/>
+          <a:lstStyle/>
+          <a:p>
+            <a:pPr algn="ctr"/>
+            <a:endParaRPr lang="zh-CN" altLang="en-US"/>
+          </a:p>
+        </p:txBody>
+      </p:sp>
+      <p:sp>
+        <p:nvSpPr>
+          <p:cNvPr id="46" name="椭圆 45"/>
+          <p:cNvSpPr/>
+          <p:nvPr/>
+        </p:nvSpPr>
+        <p:spPr>
+          <a:xfrm>
+            <a:off x="7658560" y="1751026"/>
+            <a:ext cx="735682" cy="495927"/>
+          </a:xfrm>
+          <a:prstGeom prst="ellipse">
+            <a:avLst/>
+          </a:prstGeom>
+          <a:solidFill>
+            <a:srgbClr val="FF0000"/>
+          </a:solidFill>
+        </p:spPr>
+        <p:style>
+          <a:lnRef idx="2">
+            <a:schemeClr val="accent1">
+              <a:shade val="50000"/>
+            </a:schemeClr>
+          </a:lnRef>
+          <a:fillRef idx="1">
+            <a:schemeClr val="accent1"/>
+          </a:fillRef>
+          <a:effectRef idx="0">
+            <a:schemeClr val="accent1"/>
+          </a:effectRef>
+          <a:fontRef idx="minor">
+            <a:schemeClr val="lt1"/>
+          </a:fontRef>
+        </p:style>
+        <p:txBody>
+          <a:bodyPr rtlCol="0" anchor="ctr"/>
+          <a:lstStyle/>
+          <a:p>
+            <a:pPr algn="ctr"/>
+            <a:endParaRPr lang="zh-CN" altLang="en-US"/>
+          </a:p>
+        </p:txBody>
+      </p:sp>
+      <p:sp>
+        <p:nvSpPr>
+          <p:cNvPr id="47" name="椭圆 46"/>
+          <p:cNvSpPr/>
+          <p:nvPr/>
+        </p:nvSpPr>
+        <p:spPr>
+          <a:xfrm>
+            <a:off x="5777343" y="2768408"/>
+            <a:ext cx="287973" cy="220027"/>
+          </a:xfrm>
+          <a:prstGeom prst="ellipse">
+            <a:avLst/>
+          </a:prstGeom>
+        </p:spPr>
+        <p:style>
+          <a:lnRef idx="2">
+            <a:schemeClr val="accent1">
+              <a:shade val="50000"/>
+            </a:schemeClr>
+          </a:lnRef>
+          <a:fillRef idx="1">
+            <a:schemeClr val="accent1"/>
+          </a:fillRef>
+          <a:effectRef idx="0">
+            <a:schemeClr val="accent1"/>
+          </a:effectRef>
+          <a:fontRef idx="minor">
+            <a:schemeClr val="lt1"/>
+          </a:fontRef>
+        </p:style>
+        <p:txBody>
+          <a:bodyPr rtlCol="0" anchor="ctr"/>
+          <a:lstStyle/>
+          <a:p>
+            <a:pPr algn="ctr"/>
+            <a:endParaRPr lang="zh-CN" altLang="en-US"/>
+          </a:p>
+        </p:txBody>
+      </p:sp>
+      <p:sp>
+        <p:nvSpPr>
+          <p:cNvPr id="48" name="椭圆 47"/>
+          <p:cNvSpPr/>
+          <p:nvPr/>
+        </p:nvSpPr>
+        <p:spPr>
+          <a:xfrm>
+            <a:off x="4655128" y="2630459"/>
+            <a:ext cx="1122216" cy="495927"/>
+          </a:xfrm>
+          <a:prstGeom prst="ellipse">
+            <a:avLst/>
+          </a:prstGeom>
+          <a:solidFill>
+            <a:srgbClr val="FF0000"/>
+          </a:solidFill>
+        </p:spPr>
+        <p:style>
+          <a:lnRef idx="2">
+            <a:schemeClr val="accent1">
+              <a:shade val="50000"/>
+            </a:schemeClr>
+          </a:lnRef>
+          <a:fillRef idx="1">
+            <a:schemeClr val="accent1"/>
+          </a:fillRef>
+          <a:effectRef idx="0">
+            <a:schemeClr val="accent1"/>
+          </a:effectRef>
+          <a:fontRef idx="minor">
+            <a:schemeClr val="lt1"/>
+          </a:fontRef>
+        </p:style>
+        <p:txBody>
+          <a:bodyPr rtlCol="0" anchor="ctr"/>
+          <a:lstStyle/>
+          <a:p>
+            <a:pPr algn="ctr"/>
+            <a:endParaRPr lang="zh-CN" altLang="en-US"/>
+          </a:p>
+        </p:txBody>
+      </p:sp>
+      <p:sp>
+        <p:nvSpPr>
+          <p:cNvPr id="50" name="椭圆 49"/>
+          <p:cNvSpPr/>
+          <p:nvPr/>
+        </p:nvSpPr>
+        <p:spPr>
+          <a:xfrm>
+            <a:off x="4655127" y="894115"/>
+            <a:ext cx="227770" cy="252165"/>
+          </a:xfrm>
+          <a:prstGeom prst="ellipse">
+            <a:avLst/>
+          </a:prstGeom>
+          <a:solidFill>
+            <a:srgbClr val="FF0000"/>
+          </a:solidFill>
+        </p:spPr>
+        <p:style>
+          <a:lnRef idx="2">
+            <a:schemeClr val="accent1">
+              <a:shade val="50000"/>
+            </a:schemeClr>
+          </a:lnRef>
+          <a:fillRef idx="1">
+            <a:schemeClr val="accent1"/>
+          </a:fillRef>
+          <a:effectRef idx="0">
+            <a:schemeClr val="accent1"/>
+          </a:effectRef>
+          <a:fontRef idx="minor">
+            <a:schemeClr val="lt1"/>
+          </a:fontRef>
+        </p:style>
+        <p:txBody>
+          <a:bodyPr rtlCol="0" anchor="ctr"/>
+          <a:lstStyle/>
+          <a:p>
+            <a:pPr algn="ctr"/>
+            <a:endParaRPr lang="zh-CN" altLang="en-US"/>
+          </a:p>
+        </p:txBody>
+      </p:sp>
+    </p:spTree>
+    <p:extLst>
+      <p:ext uri="{BB962C8B-B14F-4D97-AF65-F5344CB8AC3E}">
+        <p14:creationId xmlns:p14="http://schemas.microsoft.com/office/powerpoint/2010/main" val="427096251"/>
+      </p:ext>
+    </p:extLst>
+  </p:cSld>
+  <p:clrMapOvr>
+    <a:masterClrMapping/>
+  </p:clrMapOvr>
+</p:sld>
+</file>
+
+<file path=ppt/slides/slide7.xml><?xml version="1.0" encoding="utf-8"?>
+<p:sld xmlns:a="http://schemas.openxmlformats.org/drawingml/2006/main" xmlns:r="http://schemas.openxmlformats.org/officeDocument/2006/relationships" xmlns:p="http://schemas.openxmlformats.org/presentationml/2006/main">
+  <p:cSld>
+    <p:spTree>
+      <p:nvGrpSpPr>
+        <p:cNvPr id="1" name=""/>
+        <p:cNvGrpSpPr/>
+        <p:nvPr/>
+      </p:nvGrpSpPr>
+      <p:grpSpPr>
+        <a:xfrm>
+          <a:off x="0" y="0"/>
+          <a:ext cx="0" cy="0"/>
+          <a:chOff x="0" y="0"/>
+          <a:chExt cx="0" cy="0"/>
+        </a:xfrm>
+      </p:grpSpPr>
+      <p:pic>
+        <p:nvPicPr>
+          <p:cNvPr id="5" name="图片 4"/>
+          <p:cNvPicPr>
+            <a:picLocks noChangeAspect="1"/>
+          </p:cNvPicPr>
+          <p:nvPr/>
+        </p:nvPicPr>
+        <p:blipFill>
+          <a:blip r:embed="rId2">
+            <a:extLst>
+              <a:ext uri="{28A0092B-C50C-407E-A947-70E740481C1C}">
+                <a14:useLocalDpi xmlns:a14="http://schemas.microsoft.com/office/drawing/2010/main" val="0"/>
+              </a:ext>
+            </a:extLst>
+          </a:blip>
+          <a:stretch>
+            <a:fillRect/>
+          </a:stretch>
+        </p:blipFill>
+        <p:spPr>
+          <a:xfrm>
+            <a:off x="2652712" y="1247775"/>
+            <a:ext cx="6886575" cy="4362450"/>
+          </a:xfrm>
+          <a:prstGeom prst="rect">
+            <a:avLst/>
+          </a:prstGeom>
+        </p:spPr>
+      </p:pic>
+      <p:sp>
+        <p:nvSpPr>
+          <p:cNvPr id="6" name="文本框 5"/>
+          <p:cNvSpPr txBox="1"/>
+          <p:nvPr/>
+        </p:nvSpPr>
+        <p:spPr>
+          <a:xfrm>
+            <a:off x="5495636" y="2041236"/>
+            <a:ext cx="652743" cy="369332"/>
+          </a:xfrm>
+          <a:prstGeom prst="rect">
+            <a:avLst/>
+          </a:prstGeom>
+          <a:noFill/>
+        </p:spPr>
+        <p:txBody>
+          <a:bodyPr wrap="none" rtlCol="0">
+            <a:spAutoFit/>
+          </a:bodyPr>
+          <a:lstStyle/>
+          <a:p>
+            <a:r>
+              <a:rPr lang="en-US" altLang="zh-CN" dirty="0" smtClean="0"/>
+              <a:t>pxpx</a:t>
+            </a:r>
+            <a:endParaRPr lang="zh-CN" altLang="en-US" dirty="0"/>
+          </a:p>
+        </p:txBody>
+      </p:sp>
+      <p:sp>
+        <p:nvSpPr>
+          <p:cNvPr id="7" name="文本框 6"/>
+          <p:cNvSpPr txBox="1"/>
+          <p:nvPr/>
+        </p:nvSpPr>
+        <p:spPr>
+          <a:xfrm>
+            <a:off x="9097819" y="2041236"/>
+            <a:ext cx="665567" cy="369332"/>
+          </a:xfrm>
+          <a:prstGeom prst="rect">
+            <a:avLst/>
+          </a:prstGeom>
+          <a:noFill/>
+        </p:spPr>
+        <p:txBody>
+          <a:bodyPr wrap="none" rtlCol="0">
+            <a:spAutoFit/>
+          </a:bodyPr>
+          <a:lstStyle/>
+          <a:p>
+            <a:r>
+              <a:rPr lang="en-US" altLang="zh-CN" dirty="0" smtClean="0"/>
+              <a:t>pypy</a:t>
+            </a:r>
+            <a:endParaRPr lang="zh-CN" altLang="en-US" dirty="0"/>
+          </a:p>
+        </p:txBody>
+      </p:sp>
+      <p:sp>
+        <p:nvSpPr>
+          <p:cNvPr id="8" name="文本框 7"/>
+          <p:cNvSpPr txBox="1"/>
+          <p:nvPr/>
+        </p:nvSpPr>
+        <p:spPr>
+          <a:xfrm>
+            <a:off x="5569527" y="3990109"/>
+            <a:ext cx="524503" cy="369332"/>
+          </a:xfrm>
+          <a:prstGeom prst="rect">
+            <a:avLst/>
+          </a:prstGeom>
+          <a:noFill/>
+        </p:spPr>
+        <p:txBody>
+          <a:bodyPr wrap="none" rtlCol="0">
+            <a:spAutoFit/>
+          </a:bodyPr>
+          <a:lstStyle/>
+          <a:p>
+            <a:r>
+              <a:rPr lang="en-US" altLang="zh-CN" dirty="0" smtClean="0"/>
+              <a:t>dzx</a:t>
+            </a:r>
+            <a:endParaRPr lang="zh-CN" altLang="en-US" dirty="0"/>
+          </a:p>
+        </p:txBody>
+      </p:sp>
+      <p:sp>
+        <p:nvSpPr>
+          <p:cNvPr id="9" name="文本框 8"/>
+          <p:cNvSpPr txBox="1"/>
+          <p:nvPr/>
+        </p:nvSpPr>
+        <p:spPr>
+          <a:xfrm>
+            <a:off x="9165144" y="3990109"/>
+            <a:ext cx="530915" cy="369332"/>
+          </a:xfrm>
+          <a:prstGeom prst="rect">
+            <a:avLst/>
+          </a:prstGeom>
+          <a:noFill/>
+        </p:spPr>
+        <p:txBody>
+          <a:bodyPr wrap="none" rtlCol="0">
+            <a:spAutoFit/>
+          </a:bodyPr>
+          <a:lstStyle/>
+          <a:p>
+            <a:r>
+              <a:rPr lang="en-US" altLang="zh-CN" dirty="0" smtClean="0"/>
+              <a:t>dzy</a:t>
+            </a:r>
+            <a:endParaRPr lang="zh-CN" altLang="en-US" dirty="0"/>
+          </a:p>
+        </p:txBody>
+      </p:sp>
+    </p:spTree>
+    <p:extLst>
+      <p:ext uri="{BB962C8B-B14F-4D97-AF65-F5344CB8AC3E}">
+        <p14:creationId xmlns:p14="http://schemas.microsoft.com/office/powerpoint/2010/main" val="1679562690"/>
+      </p:ext>
+    </p:extLst>
+  </p:cSld>
+  <p:clrMapOvr>
+    <a:masterClrMapping/>
+  </p:clrMapOvr>
 </p:sld>
 </file>
 
